--- a/4100E104_pandas_20220316_A.pptx
+++ b/4100E104_pandas_20220316_A.pptx
@@ -17,21 +17,42 @@
     <p:sldId id="265" r:id="rId11"/>
     <p:sldId id="266" r:id="rId12"/>
     <p:sldId id="267" r:id="rId13"/>
-    <p:sldId id="268" r:id="rId14"/>
-    <p:sldId id="269" r:id="rId15"/>
-    <p:sldId id="271" r:id="rId16"/>
-    <p:sldId id="272" r:id="rId17"/>
-    <p:sldId id="273" r:id="rId18"/>
-    <p:sldId id="274" r:id="rId19"/>
-    <p:sldId id="275" r:id="rId20"/>
-    <p:sldId id="276" r:id="rId21"/>
-    <p:sldId id="277" r:id="rId22"/>
-    <p:sldId id="278" r:id="rId23"/>
-    <p:sldId id="279" r:id="rId24"/>
-    <p:sldId id="280" r:id="rId25"/>
-    <p:sldId id="281" r:id="rId26"/>
-    <p:sldId id="282" r:id="rId27"/>
-    <p:sldId id="283" r:id="rId28"/>
+    <p:sldId id="284" r:id="rId14"/>
+    <p:sldId id="285" r:id="rId15"/>
+    <p:sldId id="286" r:id="rId16"/>
+    <p:sldId id="287" r:id="rId17"/>
+    <p:sldId id="288" r:id="rId18"/>
+    <p:sldId id="289" r:id="rId19"/>
+    <p:sldId id="290" r:id="rId20"/>
+    <p:sldId id="291" r:id="rId21"/>
+    <p:sldId id="292" r:id="rId22"/>
+    <p:sldId id="293" r:id="rId23"/>
+    <p:sldId id="294" r:id="rId24"/>
+    <p:sldId id="295" r:id="rId25"/>
+    <p:sldId id="296" r:id="rId26"/>
+    <p:sldId id="297" r:id="rId27"/>
+    <p:sldId id="298" r:id="rId28"/>
+    <p:sldId id="299" r:id="rId29"/>
+    <p:sldId id="300" r:id="rId30"/>
+    <p:sldId id="301" r:id="rId31"/>
+    <p:sldId id="302" r:id="rId32"/>
+    <p:sldId id="303" r:id="rId33"/>
+    <p:sldId id="304" r:id="rId34"/>
+    <p:sldId id="268" r:id="rId35"/>
+    <p:sldId id="269" r:id="rId36"/>
+    <p:sldId id="272" r:id="rId37"/>
+    <p:sldId id="273" r:id="rId38"/>
+    <p:sldId id="274" r:id="rId39"/>
+    <p:sldId id="275" r:id="rId40"/>
+    <p:sldId id="276" r:id="rId41"/>
+    <p:sldId id="277" r:id="rId42"/>
+    <p:sldId id="278" r:id="rId43"/>
+    <p:sldId id="279" r:id="rId44"/>
+    <p:sldId id="280" r:id="rId45"/>
+    <p:sldId id="281" r:id="rId46"/>
+    <p:sldId id="282" r:id="rId47"/>
+    <p:sldId id="283" r:id="rId48"/>
+    <p:sldId id="271" r:id="rId49"/>
   </p:sldIdLst>
   <p:sldSz cx="12192000" cy="6858000"/>
   <p:notesSz cx="6858000" cy="9144000"/>
@@ -3606,6 +3627,54 @@
           </a:p>
         </p:txBody>
       </p:sp>
+      <p:pic>
+        <p:nvPicPr>
+          <p:cNvPr id="4" name="圖片 3"/>
+          <p:cNvPicPr>
+            <a:picLocks noChangeAspect="1"/>
+          </p:cNvPicPr>
+          <p:nvPr/>
+        </p:nvPicPr>
+        <p:blipFill>
+          <a:blip r:embed="rId2"/>
+          <a:stretch>
+            <a:fillRect/>
+          </a:stretch>
+        </p:blipFill>
+        <p:spPr>
+          <a:xfrm>
+            <a:off x="838199" y="2327859"/>
+            <a:ext cx="3441647" cy="3720015"/>
+          </a:xfrm>
+          <a:prstGeom prst="rect">
+            <a:avLst/>
+          </a:prstGeom>
+        </p:spPr>
+      </p:pic>
+      <p:pic>
+        <p:nvPicPr>
+          <p:cNvPr id="5" name="圖片 4"/>
+          <p:cNvPicPr>
+            <a:picLocks noChangeAspect="1"/>
+          </p:cNvPicPr>
+          <p:nvPr/>
+        </p:nvPicPr>
+        <p:blipFill>
+          <a:blip r:embed="rId3"/>
+          <a:stretch>
+            <a:fillRect/>
+          </a:stretch>
+        </p:blipFill>
+        <p:spPr>
+          <a:xfrm>
+            <a:off x="4279846" y="2327859"/>
+            <a:ext cx="5905500" cy="2266950"/>
+          </a:xfrm>
+          <a:prstGeom prst="rect">
+            <a:avLst/>
+          </a:prstGeom>
+        </p:spPr>
+      </p:pic>
     </p:spTree>
     <p:extLst>
       <p:ext uri="{BB962C8B-B14F-4D97-AF65-F5344CB8AC3E}">
@@ -3657,19 +3726,7 @@
               <a:rPr lang="en-US" altLang="zh-TW" b="1" dirty="0" err="1"/>
               <a:t>DataFrame</a:t>
             </a:r>
-            <a:r>
-              <a:rPr lang="zh-TW" altLang="en-US" b="1" dirty="0"/>
-              <a:t>的運算 </a:t>
-            </a:r>
-            <a:r>
-              <a:rPr lang="en-US" altLang="zh-TW" b="1" dirty="0"/>
-              <a:t>see CHAPTER 5 Getting Started with </a:t>
-            </a:r>
-            <a:r>
-              <a:rPr lang="en-US" altLang="zh-TW" b="1" dirty="0" smtClean="0"/>
-              <a:t>pandas</a:t>
-            </a:r>
-            <a:endParaRPr lang="zh-TW" altLang="en-US" dirty="0"/>
+            <a:endParaRPr lang="en-US" altLang="zh-TW" b="1" dirty="0"/>
           </a:p>
         </p:txBody>
       </p:sp>
@@ -3683,60 +3740,79 @@
             <p:ph idx="1"/>
           </p:nvPr>
         </p:nvSpPr>
-        <p:spPr/>
-        <p:txBody>
-          <a:bodyPr/>
-          <a:lstStyle/>
-          <a:p>
-            <a:r>
-              <a:rPr lang="zh-TW" altLang="en-US" dirty="0"/>
-              <a:t>建立</a:t>
-            </a:r>
-            <a:r>
-              <a:rPr lang="en-US" altLang="zh-TW" dirty="0" err="1"/>
+        <p:spPr>
+          <a:xfrm>
+            <a:off x="838200" y="1344362"/>
+            <a:ext cx="10515600" cy="4351338"/>
+          </a:xfrm>
+        </p:spPr>
+        <p:txBody>
+          <a:bodyPr>
+            <a:normAutofit/>
+          </a:bodyPr>
+          <a:lstStyle/>
+          <a:p>
+            <a:r>
+              <a:rPr lang="en-US" altLang="zh-TW" dirty="0" err="1" smtClean="0"/>
               <a:t>DataFrame</a:t>
             </a:r>
-            <a:endParaRPr lang="en-US" altLang="zh-TW" dirty="0"/>
-          </a:p>
-          <a:p>
-            <a:pPr lvl="1"/>
-            <a:r>
-              <a:rPr lang="zh-TW" altLang="en-US" dirty="0"/>
-              <a:t>使用</a:t>
-            </a:r>
-            <a:r>
-              <a:rPr lang="en-US" altLang="zh-TW" dirty="0"/>
-              <a:t>pandas.Series()</a:t>
-            </a:r>
-          </a:p>
-          <a:p>
-            <a:pPr lvl="1"/>
-            <a:r>
-              <a:rPr lang="zh-TW" altLang="en-US" dirty="0"/>
-              <a:t>使用字典資料型態傳入</a:t>
-            </a:r>
-            <a:r>
-              <a:rPr lang="en-US" altLang="zh-TW" dirty="0"/>
-              <a:t>pandas.Series()</a:t>
-            </a:r>
-          </a:p>
-          <a:p>
-            <a:r>
-              <a:rPr lang="zh-TW" altLang="en-US" dirty="0"/>
-              <a:t>搜尋滿足條件的</a:t>
-            </a:r>
             <a:r>
               <a:rPr lang="zh-TW" altLang="en-US" dirty="0" smtClean="0"/>
-              <a:t>資料</a:t>
-            </a:r>
-            <a:endParaRPr lang="zh-TW" altLang="en-US" dirty="0"/>
+              <a:t>表示一個長方形表格，並包含排好序的列，每一列都可以是不同的數值類型（數字，字符串，布爾值）。 </a:t>
+            </a:r>
+            <a:r>
+              <a:rPr lang="en-US" altLang="zh-TW" dirty="0" err="1" smtClean="0"/>
+              <a:t>DataFrame</a:t>
+            </a:r>
+            <a:r>
+              <a:rPr lang="zh-TW" altLang="en-US" dirty="0" smtClean="0"/>
+              <a:t>有行索引和列索引（</a:t>
+            </a:r>
+            <a:r>
+              <a:rPr lang="en-US" altLang="zh-TW" dirty="0" smtClean="0"/>
+              <a:t>row index, column index</a:t>
+            </a:r>
+            <a:r>
+              <a:rPr lang="zh-TW" altLang="en-US" dirty="0" smtClean="0"/>
+              <a:t>）；可以看做是分享所有索引的由</a:t>
+            </a:r>
+            <a:r>
+              <a:rPr lang="en-US" altLang="zh-TW" dirty="0" smtClean="0"/>
+              <a:t>series</a:t>
+            </a:r>
+            <a:r>
+              <a:rPr lang="zh-TW" altLang="en-US" dirty="0" smtClean="0"/>
+              <a:t>組成的字典。數據是保存在一維以上的區塊裡的。</a:t>
+            </a:r>
+          </a:p>
+          <a:p>
+            <a:r>
+              <a:rPr lang="zh-TW" altLang="en-US" dirty="0" smtClean="0"/>
+              <a:t>（其實我是把</a:t>
+            </a:r>
+            <a:r>
+              <a:rPr lang="en-US" altLang="zh-TW" dirty="0" err="1" smtClean="0"/>
+              <a:t>dataframe</a:t>
+            </a:r>
+            <a:r>
+              <a:rPr lang="zh-TW" altLang="en-US" dirty="0" smtClean="0"/>
+              <a:t>當做</a:t>
+            </a:r>
+            <a:r>
+              <a:rPr lang="en-US" altLang="zh-TW" dirty="0" smtClean="0"/>
+              <a:t>excel</a:t>
+            </a:r>
+            <a:r>
+              <a:rPr lang="zh-TW" altLang="en-US" dirty="0" smtClean="0"/>
+              <a:t>裡的那種表格來用的，這樣感覺更直觀一些）</a:t>
+            </a:r>
           </a:p>
         </p:txBody>
       </p:sp>
     </p:spTree>
     <p:extLst>
       <p:ext uri="{BB962C8B-B14F-4D97-AF65-F5344CB8AC3E}">
-        <p14:creationId xmlns:p14="http://schemas.microsoft.com/office/powerpoint/2010/main" val="1590657661"/>
+        <p14:creationId xmlns:p14="http://schemas.microsoft.com/office/powerpoint/2010/main" val="3761769679"/>
       </p:ext>
     </p:extLst>
   </p:cSld>
@@ -3781,29 +3857,82 @@
           <a:lstStyle/>
           <a:p>
             <a:r>
-              <a:rPr lang="en-US" altLang="zh-TW" b="1" dirty="0"/>
-              <a:t>pandas_20220311 pandas</a:t>
-            </a:r>
-            <a:r>
-              <a:rPr lang="zh-TW" altLang="en-US" b="1" dirty="0"/>
-              <a:t>資料匯入與資料清理</a:t>
-            </a:r>
-            <a:r>
-              <a:rPr lang="en-US" altLang="zh-TW" b="1" dirty="0"/>
-              <a:t>(Data cleaning)</a:t>
-            </a:r>
+              <a:rPr lang="en-US" altLang="zh-TW" b="1" dirty="0" err="1"/>
+              <a:t>DataFrame</a:t>
+            </a:r>
+            <a:endParaRPr lang="en-US" altLang="zh-TW" b="1" dirty="0"/>
+          </a:p>
+        </p:txBody>
+      </p:sp>
+      <p:sp>
+        <p:nvSpPr>
+          <p:cNvPr id="3" name="內容版面配置區 2"/>
+          <p:cNvSpPr>
+            <a:spLocks noGrp="1"/>
+          </p:cNvSpPr>
+          <p:nvPr>
+            <p:ph idx="1"/>
+          </p:nvPr>
+        </p:nvSpPr>
+        <p:spPr>
+          <a:xfrm>
+            <a:off x="838200" y="1344362"/>
+            <a:ext cx="10515600" cy="4351338"/>
+          </a:xfrm>
+        </p:spPr>
+        <p:txBody>
+          <a:bodyPr>
+            <a:normAutofit/>
+          </a:bodyPr>
+          <a:lstStyle/>
+          <a:p>
+            <a:r>
+              <a:rPr lang="zh-TW" altLang="en-US" dirty="0" smtClean="0"/>
+              <a:t>構建一個</a:t>
+            </a:r>
+            <a:r>
+              <a:rPr lang="en-US" altLang="zh-TW" dirty="0" err="1" smtClean="0"/>
+              <a:t>dataframe</a:t>
+            </a:r>
+            <a:r>
+              <a:rPr lang="zh-TW" altLang="en-US" dirty="0" smtClean="0"/>
+              <a:t>的方法，用一個</a:t>
+            </a:r>
+            <a:r>
+              <a:rPr lang="en-US" altLang="zh-TW" dirty="0" err="1" smtClean="0"/>
+              <a:t>dcit</a:t>
+            </a:r>
+            <a:r>
+              <a:rPr lang="zh-TW" altLang="en-US" dirty="0" smtClean="0"/>
+              <a:t>，</a:t>
+            </a:r>
+            <a:r>
+              <a:rPr lang="en-US" altLang="zh-TW" dirty="0" err="1" smtClean="0"/>
+              <a:t>dict</a:t>
+            </a:r>
+            <a:r>
+              <a:rPr lang="zh-TW" altLang="en-US" dirty="0" smtClean="0"/>
+              <a:t>裡的值是</a:t>
+            </a:r>
+            <a:r>
+              <a:rPr lang="en-US" altLang="zh-TW" dirty="0" smtClean="0"/>
+              <a:t>list</a:t>
+            </a:r>
+            <a:r>
+              <a:rPr lang="zh-TW" altLang="en-US" dirty="0" smtClean="0"/>
+              <a:t>：</a:t>
+            </a:r>
+            <a:endParaRPr lang="zh-TW" altLang="en-US" dirty="0"/>
           </a:p>
         </p:txBody>
       </p:sp>
       <p:pic>
         <p:nvPicPr>
-          <p:cNvPr id="5" name="內容版面配置區 4"/>
+          <p:cNvPr id="7" name="圖片 6"/>
           <p:cNvPicPr>
-            <a:picLocks noGrp="1" noChangeAspect="1"/>
+            <a:picLocks noChangeAspect="1"/>
           </p:cNvPicPr>
-          <p:nvPr>
-            <p:ph idx="1"/>
-          </p:nvPr>
+          <p:nvPr/>
         </p:nvPicPr>
         <p:blipFill>
           <a:blip r:embed="rId2"/>
@@ -3813,66 +3942,68 @@
         </p:blipFill>
         <p:spPr>
           <a:xfrm>
-            <a:off x="950495" y="3820525"/>
-            <a:ext cx="6044234" cy="1585663"/>
+            <a:off x="838200" y="1926622"/>
+            <a:ext cx="6765758" cy="4206115"/>
           </a:xfrm>
           <a:prstGeom prst="rect">
             <a:avLst/>
           </a:prstGeom>
         </p:spPr>
       </p:pic>
-      <p:pic>
-        <p:nvPicPr>
-          <p:cNvPr id="4" name="圖片 3"/>
-          <p:cNvPicPr>
-            <a:picLocks noChangeAspect="1"/>
-          </p:cNvPicPr>
+      <p:sp>
+        <p:nvSpPr>
+          <p:cNvPr id="4" name="文字方塊 3"/>
+          <p:cNvSpPr txBox="1"/>
           <p:nvPr/>
-        </p:nvPicPr>
-        <p:blipFill>
-          <a:blip r:embed="rId3"/>
-          <a:stretch>
-            <a:fillRect/>
-          </a:stretch>
-        </p:blipFill>
-        <p:spPr>
-          <a:xfrm>
-            <a:off x="838200" y="1558005"/>
-            <a:ext cx="10515600" cy="2238375"/>
+        </p:nvSpPr>
+        <p:spPr>
+          <a:xfrm>
+            <a:off x="4652211" y="5948071"/>
+            <a:ext cx="7394910" cy="369332"/>
           </a:xfrm>
           <a:prstGeom prst="rect">
             <a:avLst/>
           </a:prstGeom>
-        </p:spPr>
-      </p:pic>
-      <p:pic>
-        <p:nvPicPr>
-          <p:cNvPr id="6" name="圖片 5"/>
-          <p:cNvPicPr>
-            <a:picLocks noChangeAspect="1"/>
-          </p:cNvPicPr>
-          <p:nvPr/>
-        </p:nvPicPr>
-        <p:blipFill>
-          <a:blip r:embed="rId4"/>
-          <a:stretch>
-            <a:fillRect/>
-          </a:stretch>
-        </p:blipFill>
-        <p:spPr>
-          <a:xfrm>
-            <a:off x="7000875" y="3796380"/>
-            <a:ext cx="4352925" cy="2457450"/>
-          </a:xfrm>
-          <a:prstGeom prst="rect">
-            <a:avLst/>
-          </a:prstGeom>
-        </p:spPr>
-      </p:pic>
+          <a:noFill/>
+        </p:spPr>
+        <p:txBody>
+          <a:bodyPr wrap="none" rtlCol="0">
+            <a:spAutoFit/>
+          </a:bodyPr>
+          <a:lstStyle/>
+          <a:p>
+            <a:r>
+              <a:rPr lang="en-US" altLang="zh-TW" dirty="0" err="1" smtClean="0"/>
+              <a:t>dataframe</a:t>
+            </a:r>
+            <a:r>
+              <a:rPr lang="zh-TW" altLang="en-US" dirty="0" smtClean="0"/>
+              <a:t>也會像</a:t>
+            </a:r>
+            <a:r>
+              <a:rPr lang="en-US" altLang="zh-TW" dirty="0" smtClean="0"/>
+              <a:t>series</a:t>
+            </a:r>
+            <a:r>
+              <a:rPr lang="zh-TW" altLang="en-US" dirty="0" smtClean="0"/>
+              <a:t>一樣，自動給數據賦</a:t>
+            </a:r>
+            <a:r>
+              <a:rPr lang="en-US" altLang="zh-TW" dirty="0" smtClean="0"/>
+              <a:t>index, </a:t>
+            </a:r>
+            <a:r>
+              <a:rPr lang="zh-TW" altLang="en-US" dirty="0" smtClean="0"/>
+              <a:t>而列則會按順序排好。</a:t>
+            </a:r>
+            <a:endParaRPr lang="zh-TW" altLang="en-US" dirty="0"/>
+          </a:p>
+        </p:txBody>
+      </p:sp>
     </p:spTree>
     <p:extLst>
       <p:ext uri="{BB962C8B-B14F-4D97-AF65-F5344CB8AC3E}">
-        <p14:creationId xmlns:p14="http://schemas.microsoft.com/office/powerpoint/2010/main" val="391507262"/>
+        <p14:creationId xmlns:p14="http://schemas.microsoft.com/office/powerpoint/2010/main" val="4056389427"/>
       </p:ext>
     </p:extLst>
   </p:cSld>
@@ -3885,14 +4016,6 @@
 <file path=ppt/slides/slide15.xml><?xml version="1.0" encoding="utf-8"?>
 <p:sld xmlns:a="http://schemas.openxmlformats.org/drawingml/2006/main" xmlns:r="http://schemas.openxmlformats.org/officeDocument/2006/relationships" xmlns:p="http://schemas.openxmlformats.org/presentationml/2006/main">
   <p:cSld>
-    <p:bg>
-      <p:bgPr>
-        <a:solidFill>
-          <a:schemeClr val="tx1"/>
-        </a:solidFill>
-        <a:effectLst/>
-      </p:bgPr>
-    </p:bg>
     <p:spTree>
       <p:nvGrpSpPr>
         <p:cNvPr id="1" name=""/>
@@ -3909,71 +4032,111 @@
       </p:grpSpPr>
       <p:sp>
         <p:nvSpPr>
-          <p:cNvPr id="2" name="文字方塊 1"/>
-          <p:cNvSpPr txBox="1"/>
+          <p:cNvPr id="2" name="標題 1"/>
+          <p:cNvSpPr>
+            <a:spLocks noGrp="1"/>
+          </p:cNvSpPr>
+          <p:nvPr>
+            <p:ph type="title"/>
+          </p:nvPr>
+        </p:nvSpPr>
+        <p:spPr/>
+        <p:txBody>
+          <a:bodyPr>
+            <a:normAutofit/>
+          </a:bodyPr>
+          <a:lstStyle/>
+          <a:p>
+            <a:r>
+              <a:rPr lang="en-US" altLang="zh-TW" b="1" dirty="0" err="1"/>
+              <a:t>DataFrame</a:t>
+            </a:r>
+            <a:endParaRPr lang="en-US" altLang="zh-TW" b="1" dirty="0"/>
+          </a:p>
+        </p:txBody>
+      </p:sp>
+      <p:sp>
+        <p:nvSpPr>
+          <p:cNvPr id="3" name="內容版面配置區 2"/>
+          <p:cNvSpPr>
+            <a:spLocks noGrp="1"/>
+          </p:cNvSpPr>
+          <p:nvPr>
+            <p:ph idx="1"/>
+          </p:nvPr>
+        </p:nvSpPr>
+        <p:spPr>
+          <a:xfrm>
+            <a:off x="838200" y="1344362"/>
+            <a:ext cx="10515600" cy="4351338"/>
+          </a:xfrm>
+        </p:spPr>
+        <p:txBody>
+          <a:bodyPr>
+            <a:normAutofit/>
+          </a:bodyPr>
+          <a:lstStyle/>
+          <a:p>
+            <a:r>
+              <a:rPr lang="zh-TW" altLang="en-US" dirty="0" smtClean="0"/>
+              <a:t>對於一個較大的</a:t>
+            </a:r>
+            <a:r>
+              <a:rPr lang="en-US" altLang="zh-TW" dirty="0" err="1" smtClean="0"/>
+              <a:t>DataFrame</a:t>
+            </a:r>
+            <a:r>
+              <a:rPr lang="zh-TW" altLang="en-US" dirty="0" smtClean="0"/>
+              <a:t>，用</a:t>
+            </a:r>
+            <a:r>
+              <a:rPr lang="en-US" altLang="zh-TW" dirty="0" smtClean="0"/>
+              <a:t>head</a:t>
+            </a:r>
+            <a:r>
+              <a:rPr lang="zh-TW" altLang="en-US" dirty="0" smtClean="0"/>
+              <a:t>方法會返回前</a:t>
+            </a:r>
+            <a:r>
+              <a:rPr lang="en-US" altLang="zh-TW" dirty="0" smtClean="0"/>
+              <a:t>5</a:t>
+            </a:r>
+            <a:r>
+              <a:rPr lang="zh-TW" altLang="en-US" dirty="0" smtClean="0"/>
+              <a:t>行（注：這個函數在數據分析中經常使用，用來查看表格里有什麼東西）：</a:t>
+            </a:r>
+            <a:endParaRPr lang="zh-TW" altLang="en-US" dirty="0"/>
+          </a:p>
+        </p:txBody>
+      </p:sp>
+      <p:pic>
+        <p:nvPicPr>
+          <p:cNvPr id="5" name="圖片 4"/>
+          <p:cNvPicPr>
+            <a:picLocks noChangeAspect="1"/>
+          </p:cNvPicPr>
           <p:nvPr/>
-        </p:nvSpPr>
-        <p:spPr>
-          <a:xfrm>
-            <a:off x="0" y="1812757"/>
-            <a:ext cx="12192000" cy="3170099"/>
+        </p:nvPicPr>
+        <p:blipFill>
+          <a:blip r:embed="rId2"/>
+          <a:stretch>
+            <a:fillRect/>
+          </a:stretch>
+        </p:blipFill>
+        <p:spPr>
+          <a:xfrm>
+            <a:off x="967288" y="2253414"/>
+            <a:ext cx="4224687" cy="3810502"/>
           </a:xfrm>
           <a:prstGeom prst="rect">
             <a:avLst/>
           </a:prstGeom>
-          <a:noFill/>
-        </p:spPr>
-        <p:txBody>
-          <a:bodyPr wrap="square" rtlCol="0">
-            <a:spAutoFit/>
-          </a:bodyPr>
-          <a:lstStyle/>
-          <a:p>
-            <a:pPr algn="dist"/>
-            <a:r>
-              <a:rPr lang="zh-TW" altLang="en-US" sz="10000" b="1" dirty="0" smtClean="0">
-                <a:solidFill>
-                  <a:schemeClr val="bg1"/>
-                </a:solidFill>
-                <a:latin typeface="微軟正黑體" panose="020B0604030504040204" pitchFamily="34" charset="-120"/>
-                <a:ea typeface="微軟正黑體" panose="020B0604030504040204" pitchFamily="34" charset="-120"/>
-              </a:rPr>
-              <a:t>尚未開放</a:t>
-            </a:r>
-            <a:endParaRPr lang="en-US" altLang="zh-TW" sz="10000" b="1" dirty="0" smtClean="0">
-              <a:solidFill>
-                <a:schemeClr val="bg1"/>
-              </a:solidFill>
-              <a:latin typeface="微軟正黑體" panose="020B0604030504040204" pitchFamily="34" charset="-120"/>
-              <a:ea typeface="微軟正黑體" panose="020B0604030504040204" pitchFamily="34" charset="-120"/>
-            </a:endParaRPr>
-          </a:p>
-          <a:p>
-            <a:pPr algn="dist"/>
-            <a:r>
-              <a:rPr lang="en-US" altLang="zh-TW" sz="10000" b="1" dirty="0">
-                <a:solidFill>
-                  <a:schemeClr val="bg1"/>
-                </a:solidFill>
-                <a:latin typeface="Bauhaus 93" panose="04030905020B02020C02" pitchFamily="82" charset="0"/>
-                <a:ea typeface="標楷體" panose="03000509000000000000" pitchFamily="65" charset="-120"/>
-              </a:rPr>
-              <a:t>not yet open</a:t>
-            </a:r>
-            <a:endParaRPr lang="zh-TW" altLang="en-US" sz="10000" b="1" dirty="0">
-              <a:solidFill>
-                <a:schemeClr val="bg1"/>
-              </a:solidFill>
-              <a:latin typeface="Bauhaus 93" panose="04030905020B02020C02" pitchFamily="82" charset="0"/>
-              <a:ea typeface="標楷體" panose="03000509000000000000" pitchFamily="65" charset="-120"/>
-            </a:endParaRPr>
-          </a:p>
-        </p:txBody>
-      </p:sp>
+        </p:spPr>
+      </p:pic>
     </p:spTree>
     <p:extLst>
       <p:ext uri="{BB962C8B-B14F-4D97-AF65-F5344CB8AC3E}">
-        <p14:creationId xmlns:p14="http://schemas.microsoft.com/office/powerpoint/2010/main" val="509633762"/>
+        <p14:creationId xmlns:p14="http://schemas.microsoft.com/office/powerpoint/2010/main" val="1582421196"/>
       </p:ext>
     </p:extLst>
   </p:cSld>
@@ -4012,83 +4175,46 @@
         </p:nvSpPr>
         <p:spPr/>
         <p:txBody>
-          <a:bodyPr/>
-          <a:lstStyle/>
-          <a:p>
-            <a:r>
-              <a:rPr lang="en-US" altLang="zh-TW" b="1" dirty="0" smtClean="0"/>
-              <a:t>Series</a:t>
+          <a:bodyPr>
+            <a:normAutofit/>
+          </a:bodyPr>
+          <a:lstStyle/>
+          <a:p>
+            <a:r>
+              <a:rPr lang="en-US" altLang="zh-TW" b="1" dirty="0" err="1"/>
+              <a:t>DataFrame</a:t>
+            </a:r>
+            <a:endParaRPr lang="en-US" altLang="zh-TW" b="1" dirty="0"/>
+          </a:p>
+        </p:txBody>
+      </p:sp>
+      <p:sp>
+        <p:nvSpPr>
+          <p:cNvPr id="3" name="內容版面配置區 2"/>
+          <p:cNvSpPr>
+            <a:spLocks noGrp="1"/>
+          </p:cNvSpPr>
+          <p:nvPr>
+            <p:ph idx="1"/>
+          </p:nvPr>
+        </p:nvSpPr>
+        <p:spPr>
+          <a:xfrm>
+            <a:off x="838200" y="1344362"/>
+            <a:ext cx="10515600" cy="4351338"/>
+          </a:xfrm>
+        </p:spPr>
+        <p:txBody>
+          <a:bodyPr>
+            <a:normAutofit/>
+          </a:bodyPr>
+          <a:lstStyle/>
+          <a:p>
+            <a:r>
+              <a:rPr lang="zh-TW" altLang="en-US" dirty="0" smtClean="0"/>
+              <a:t>如果指定一列的話，會自動按列排序：</a:t>
             </a:r>
             <a:endParaRPr lang="zh-TW" altLang="en-US" dirty="0"/>
-          </a:p>
-        </p:txBody>
-      </p:sp>
-      <p:sp>
-        <p:nvSpPr>
-          <p:cNvPr id="3" name="內容版面配置區 2"/>
-          <p:cNvSpPr>
-            <a:spLocks noGrp="1"/>
-          </p:cNvSpPr>
-          <p:nvPr>
-            <p:ph idx="1"/>
-          </p:nvPr>
-        </p:nvSpPr>
-        <p:spPr/>
-        <p:txBody>
-          <a:bodyPr/>
-          <a:lstStyle/>
-          <a:p>
-            <a:r>
-              <a:rPr lang="zh-TW" altLang="en-US" dirty="0"/>
-              <a:t>這裡</a:t>
-            </a:r>
-            <a:r>
-              <a:rPr lang="en-US" altLang="zh-TW" dirty="0"/>
-              <a:t>series</a:t>
-            </a:r>
-            <a:r>
-              <a:rPr lang="zh-TW" altLang="en-US" dirty="0"/>
-              <a:t>我就不翻譯成序列了，因為之前的所有筆記裡，我都是把</a:t>
-            </a:r>
-            <a:r>
-              <a:rPr lang="en-US" altLang="zh-TW" dirty="0"/>
-              <a:t>sequence</a:t>
-            </a:r>
-            <a:r>
-              <a:rPr lang="zh-TW" altLang="en-US" dirty="0"/>
-              <a:t>翻譯成序列的</a:t>
-            </a:r>
-            <a:r>
-              <a:rPr lang="zh-TW" altLang="en-US" dirty="0" smtClean="0"/>
-              <a:t>。</a:t>
-            </a:r>
-            <a:endParaRPr lang="zh-TW" altLang="en-US" dirty="0"/>
-          </a:p>
-          <a:p>
-            <a:r>
-              <a:rPr lang="en-US" altLang="zh-TW" dirty="0"/>
-              <a:t>series</a:t>
-            </a:r>
-            <a:r>
-              <a:rPr lang="zh-TW" altLang="en-US" dirty="0"/>
-              <a:t>是一個像數組一樣的一維序列，並伴有一個數組表示</a:t>
-            </a:r>
-            <a:r>
-              <a:rPr lang="en-US" altLang="zh-TW" dirty="0"/>
-              <a:t>label</a:t>
-            </a:r>
-            <a:r>
-              <a:rPr lang="zh-TW" altLang="en-US" dirty="0"/>
-              <a:t>，叫做</a:t>
-            </a:r>
-            <a:r>
-              <a:rPr lang="en-US" altLang="zh-TW" dirty="0"/>
-              <a:t>index</a:t>
-            </a:r>
-            <a:r>
-              <a:rPr lang="zh-TW" altLang="en-US" dirty="0"/>
-              <a:t>。</a:t>
-            </a:r>
           </a:p>
         </p:txBody>
       </p:sp>
@@ -4108,8 +4234,8 @@
         </p:blipFill>
         <p:spPr>
           <a:xfrm>
-            <a:off x="838199" y="3702719"/>
-            <a:ext cx="7198895" cy="2760198"/>
+            <a:off x="838200" y="1873751"/>
+            <a:ext cx="8722436" cy="4984249"/>
           </a:xfrm>
           <a:prstGeom prst="rect">
             <a:avLst/>
@@ -4119,7 +4245,7 @@
     </p:spTree>
     <p:extLst>
       <p:ext uri="{BB962C8B-B14F-4D97-AF65-F5344CB8AC3E}">
-        <p14:creationId xmlns:p14="http://schemas.microsoft.com/office/powerpoint/2010/main" val="738375968"/>
+        <p14:creationId xmlns:p14="http://schemas.microsoft.com/office/powerpoint/2010/main" val="2042100264"/>
       </p:ext>
     </p:extLst>
   </p:cSld>
@@ -4158,68 +4284,46 @@
         </p:nvSpPr>
         <p:spPr/>
         <p:txBody>
-          <a:bodyPr/>
-          <a:lstStyle/>
-          <a:p>
-            <a:r>
-              <a:rPr lang="en-US" altLang="zh-TW" b="1" dirty="0" smtClean="0"/>
-              <a:t>Series</a:t>
+          <a:bodyPr>
+            <a:normAutofit/>
+          </a:bodyPr>
+          <a:lstStyle/>
+          <a:p>
+            <a:r>
+              <a:rPr lang="en-US" altLang="zh-TW" b="1" dirty="0" err="1"/>
+              <a:t>DataFrame</a:t>
+            </a:r>
+            <a:endParaRPr lang="en-US" altLang="zh-TW" b="1" dirty="0"/>
+          </a:p>
+        </p:txBody>
+      </p:sp>
+      <p:sp>
+        <p:nvSpPr>
+          <p:cNvPr id="3" name="內容版面配置區 2"/>
+          <p:cNvSpPr>
+            <a:spLocks noGrp="1"/>
+          </p:cNvSpPr>
+          <p:nvPr>
+            <p:ph idx="1"/>
+          </p:nvPr>
+        </p:nvSpPr>
+        <p:spPr>
+          <a:xfrm>
+            <a:off x="838200" y="1344362"/>
+            <a:ext cx="10515600" cy="4351338"/>
+          </a:xfrm>
+        </p:spPr>
+        <p:txBody>
+          <a:bodyPr>
+            <a:normAutofit/>
+          </a:bodyPr>
+          <a:lstStyle/>
+          <a:p>
+            <a:r>
+              <a:rPr lang="zh-TW" altLang="en-US" dirty="0" smtClean="0"/>
+              <a:t>如果你導入一個不存在的列名，那麼會顯示為缺失數據：</a:t>
             </a:r>
             <a:endParaRPr lang="zh-TW" altLang="en-US" dirty="0"/>
-          </a:p>
-        </p:txBody>
-      </p:sp>
-      <p:sp>
-        <p:nvSpPr>
-          <p:cNvPr id="3" name="內容版面配置區 2"/>
-          <p:cNvSpPr>
-            <a:spLocks noGrp="1"/>
-          </p:cNvSpPr>
-          <p:nvPr>
-            <p:ph idx="1"/>
-          </p:nvPr>
-        </p:nvSpPr>
-        <p:spPr/>
-        <p:txBody>
-          <a:bodyPr/>
-          <a:lstStyle/>
-          <a:p>
-            <a:r>
-              <a:rPr lang="zh-TW" altLang="en-US" dirty="0"/>
-              <a:t>可以看到，左邊表示</a:t>
-            </a:r>
-            <a:r>
-              <a:rPr lang="en-US" altLang="zh-TW" dirty="0"/>
-              <a:t>index</a:t>
-            </a:r>
-            <a:r>
-              <a:rPr lang="zh-TW" altLang="en-US" dirty="0"/>
-              <a:t>，右邊表示對應的</a:t>
-            </a:r>
-            <a:r>
-              <a:rPr lang="en-US" altLang="zh-TW" dirty="0"/>
-              <a:t>value</a:t>
-            </a:r>
-            <a:r>
-              <a:rPr lang="zh-TW" altLang="en-US" dirty="0"/>
-              <a:t>。可以通過</a:t>
-            </a:r>
-            <a:r>
-              <a:rPr lang="en-US" altLang="zh-TW" dirty="0"/>
-              <a:t>value</a:t>
-            </a:r>
-            <a:r>
-              <a:rPr lang="zh-TW" altLang="en-US" dirty="0"/>
-              <a:t>和</a:t>
-            </a:r>
-            <a:r>
-              <a:rPr lang="en-US" altLang="zh-TW" dirty="0"/>
-              <a:t>index</a:t>
-            </a:r>
-            <a:r>
-              <a:rPr lang="zh-TW" altLang="en-US" dirty="0"/>
-              <a:t>屬性查看</a:t>
-            </a:r>
           </a:p>
         </p:txBody>
       </p:sp>
@@ -4239,8 +4343,32 @@
         </p:blipFill>
         <p:spPr>
           <a:xfrm>
-            <a:off x="838200" y="2809873"/>
-            <a:ext cx="10279139" cy="2660483"/>
+            <a:off x="838200" y="1690688"/>
+            <a:ext cx="6493042" cy="2962275"/>
+          </a:xfrm>
+          <a:prstGeom prst="rect">
+            <a:avLst/>
+          </a:prstGeom>
+        </p:spPr>
+      </p:pic>
+      <p:pic>
+        <p:nvPicPr>
+          <p:cNvPr id="6" name="圖片 5"/>
+          <p:cNvPicPr>
+            <a:picLocks noChangeAspect="1"/>
+          </p:cNvPicPr>
+          <p:nvPr/>
+        </p:nvPicPr>
+        <p:blipFill>
+          <a:blip r:embed="rId3"/>
+          <a:stretch>
+            <a:fillRect/>
+          </a:stretch>
+        </p:blipFill>
+        <p:spPr>
+          <a:xfrm>
+            <a:off x="838200" y="4652963"/>
+            <a:ext cx="4314825" cy="809625"/>
           </a:xfrm>
           <a:prstGeom prst="rect">
             <a:avLst/>
@@ -4250,7 +4378,7 @@
     </p:spTree>
     <p:extLst>
       <p:ext uri="{BB962C8B-B14F-4D97-AF65-F5344CB8AC3E}">
-        <p14:creationId xmlns:p14="http://schemas.microsoft.com/office/powerpoint/2010/main" val="1799888401"/>
+        <p14:creationId xmlns:p14="http://schemas.microsoft.com/office/powerpoint/2010/main" val="1914262678"/>
       </p:ext>
     </p:extLst>
   </p:cSld>
@@ -4289,74 +4417,76 @@
         </p:nvSpPr>
         <p:spPr/>
         <p:txBody>
-          <a:bodyPr/>
-          <a:lstStyle/>
-          <a:p>
-            <a:r>
-              <a:rPr lang="en-US" altLang="zh-TW" b="1" dirty="0" smtClean="0"/>
-              <a:t>Series</a:t>
+          <a:bodyPr>
+            <a:normAutofit/>
+          </a:bodyPr>
+          <a:lstStyle/>
+          <a:p>
+            <a:r>
+              <a:rPr lang="en-US" altLang="zh-TW" b="1" dirty="0" err="1"/>
+              <a:t>DataFrame</a:t>
+            </a:r>
+            <a:endParaRPr lang="en-US" altLang="zh-TW" b="1" dirty="0"/>
+          </a:p>
+        </p:txBody>
+      </p:sp>
+      <p:sp>
+        <p:nvSpPr>
+          <p:cNvPr id="3" name="內容版面配置區 2"/>
+          <p:cNvSpPr>
+            <a:spLocks noGrp="1"/>
+          </p:cNvSpPr>
+          <p:nvPr>
+            <p:ph idx="1"/>
+          </p:nvPr>
+        </p:nvSpPr>
+        <p:spPr>
+          <a:xfrm>
+            <a:off x="838200" y="1344362"/>
+            <a:ext cx="10515600" cy="4351338"/>
+          </a:xfrm>
+        </p:spPr>
+        <p:txBody>
+          <a:bodyPr>
+            <a:normAutofit/>
+          </a:bodyPr>
+          <a:lstStyle/>
+          <a:p>
+            <a:r>
+              <a:rPr lang="zh-TW" altLang="en-US" dirty="0" smtClean="0"/>
+              <a:t>從</a:t>
+            </a:r>
+            <a:r>
+              <a:rPr lang="en-US" altLang="zh-TW" dirty="0" err="1" smtClean="0"/>
+              <a:t>DataFrame</a:t>
+            </a:r>
+            <a:r>
+              <a:rPr lang="zh-TW" altLang="en-US" dirty="0" smtClean="0"/>
+              <a:t>裡提取一列的話會返回</a:t>
+            </a:r>
+            <a:r>
+              <a:rPr lang="en-US" altLang="zh-TW" dirty="0" smtClean="0"/>
+              <a:t>series</a:t>
+            </a:r>
+            <a:r>
+              <a:rPr lang="zh-TW" altLang="en-US" dirty="0" smtClean="0"/>
+              <a:t>格式，可以以屬性或是</a:t>
+            </a:r>
+            <a:r>
+              <a:rPr lang="en-US" altLang="zh-TW" dirty="0" err="1" smtClean="0"/>
+              <a:t>dict</a:t>
+            </a:r>
+            <a:r>
+              <a:rPr lang="zh-TW" altLang="en-US" dirty="0" smtClean="0"/>
+              <a:t>一樣的形式來提取：</a:t>
             </a:r>
             <a:endParaRPr lang="zh-TW" altLang="en-US" dirty="0"/>
-          </a:p>
-        </p:txBody>
-      </p:sp>
-      <p:sp>
-        <p:nvSpPr>
-          <p:cNvPr id="3" name="內容版面配置區 2"/>
-          <p:cNvSpPr>
-            <a:spLocks noGrp="1"/>
-          </p:cNvSpPr>
-          <p:nvPr>
-            <p:ph idx="1"/>
-          </p:nvPr>
-        </p:nvSpPr>
-        <p:spPr/>
-        <p:txBody>
-          <a:bodyPr/>
-          <a:lstStyle/>
-          <a:p>
-            <a:r>
-              <a:rPr lang="zh-TW" altLang="en-US" dirty="0"/>
-              <a:t>可以看到，左邊表示</a:t>
-            </a:r>
-            <a:r>
-              <a:rPr lang="en-US" altLang="zh-TW" dirty="0"/>
-              <a:t>index</a:t>
-            </a:r>
-            <a:r>
-              <a:rPr lang="zh-TW" altLang="en-US" dirty="0"/>
-              <a:t>，右邊表示對應的</a:t>
-            </a:r>
-            <a:r>
-              <a:rPr lang="en-US" altLang="zh-TW" dirty="0"/>
-              <a:t>value</a:t>
-            </a:r>
-            <a:r>
-              <a:rPr lang="zh-TW" altLang="en-US" dirty="0"/>
-              <a:t>。可以通過</a:t>
-            </a:r>
-            <a:r>
-              <a:rPr lang="en-US" altLang="zh-TW" dirty="0"/>
-              <a:t>value</a:t>
-            </a:r>
-            <a:r>
-              <a:rPr lang="zh-TW" altLang="en-US" dirty="0"/>
-              <a:t>和</a:t>
-            </a:r>
-            <a:r>
-              <a:rPr lang="en-US" altLang="zh-TW" dirty="0"/>
-              <a:t>index</a:t>
-            </a:r>
-            <a:r>
-              <a:rPr lang="zh-TW" altLang="en-US" dirty="0"/>
-              <a:t>屬性查看</a:t>
-            </a:r>
           </a:p>
         </p:txBody>
       </p:sp>
       <p:pic>
         <p:nvPicPr>
-          <p:cNvPr id="5" name="圖片 4"/>
+          <p:cNvPr id="4" name="圖片 3"/>
           <p:cNvPicPr>
             <a:picLocks noChangeAspect="1"/>
           </p:cNvPicPr>
@@ -4370,8 +4500,8 @@
         </p:blipFill>
         <p:spPr>
           <a:xfrm>
-            <a:off x="838200" y="2809873"/>
-            <a:ext cx="6701589" cy="1734529"/>
+            <a:off x="838200" y="2282491"/>
+            <a:ext cx="4054642" cy="2571975"/>
           </a:xfrm>
           <a:prstGeom prst="rect">
             <a:avLst/>
@@ -4380,7 +4510,7 @@
       </p:pic>
       <p:pic>
         <p:nvPicPr>
-          <p:cNvPr id="4" name="圖片 3"/>
+          <p:cNvPr id="7" name="圖片 6"/>
           <p:cNvPicPr>
             <a:picLocks noChangeAspect="1"/>
           </p:cNvPicPr>
@@ -4394,18 +4524,113 @@
         </p:blipFill>
         <p:spPr>
           <a:xfrm>
-            <a:off x="838200" y="4544401"/>
-            <a:ext cx="6890149" cy="1455345"/>
+            <a:off x="4892842" y="2282490"/>
+            <a:ext cx="3408642" cy="2571975"/>
           </a:xfrm>
           <a:prstGeom prst="rect">
             <a:avLst/>
           </a:prstGeom>
         </p:spPr>
       </p:pic>
+      <p:sp>
+        <p:nvSpPr>
+          <p:cNvPr id="8" name="文字方塊 7"/>
+          <p:cNvSpPr txBox="1"/>
+          <p:nvPr/>
+        </p:nvSpPr>
+        <p:spPr>
+          <a:xfrm>
+            <a:off x="838200" y="5364172"/>
+            <a:ext cx="10951524" cy="923330"/>
+          </a:xfrm>
+          <a:prstGeom prst="rect">
+            <a:avLst/>
+          </a:prstGeom>
+          <a:noFill/>
+        </p:spPr>
+        <p:txBody>
+          <a:bodyPr wrap="none" rtlCol="0">
+            <a:spAutoFit/>
+          </a:bodyPr>
+          <a:lstStyle/>
+          <a:p>
+            <a:r>
+              <a:rPr lang="zh-TW" altLang="en-US" dirty="0" smtClean="0"/>
+              <a:t>注意：</a:t>
+            </a:r>
+            <a:r>
+              <a:rPr lang="en-US" altLang="zh-TW" dirty="0" smtClean="0"/>
+              <a:t>frame2[column]</a:t>
+            </a:r>
+            <a:r>
+              <a:rPr lang="zh-TW" altLang="en-US" dirty="0" smtClean="0"/>
+              <a:t>能應對任何列名，但</a:t>
+            </a:r>
+            <a:r>
+              <a:rPr lang="en-US" altLang="zh-TW" dirty="0" smtClean="0"/>
+              <a:t>frame2.column</a:t>
+            </a:r>
+            <a:r>
+              <a:rPr lang="zh-TW" altLang="en-US" dirty="0" smtClean="0"/>
+              <a:t>的情況下，列名必須是有效的</a:t>
+            </a:r>
+            <a:r>
+              <a:rPr lang="en-US" altLang="zh-TW" dirty="0" smtClean="0"/>
+              <a:t>python</a:t>
+            </a:r>
+            <a:r>
+              <a:rPr lang="zh-TW" altLang="en-US" dirty="0" smtClean="0"/>
+              <a:t>變量名才行。</a:t>
+            </a:r>
+          </a:p>
+          <a:p>
+            <a:endParaRPr lang="zh-TW" altLang="en-US" dirty="0" smtClean="0"/>
+          </a:p>
+          <a:p>
+            <a:r>
+              <a:rPr lang="zh-TW" altLang="en-US" dirty="0" smtClean="0"/>
+              <a:t>返回的</a:t>
+            </a:r>
+            <a:r>
+              <a:rPr lang="en-US" altLang="zh-TW" dirty="0" smtClean="0"/>
+              <a:t>series</a:t>
+            </a:r>
+            <a:r>
+              <a:rPr lang="zh-TW" altLang="en-US" dirty="0" smtClean="0"/>
+              <a:t>有</a:t>
+            </a:r>
+            <a:r>
+              <a:rPr lang="en-US" altLang="zh-TW" dirty="0" err="1" smtClean="0"/>
+              <a:t>DataFrame</a:t>
+            </a:r>
+            <a:r>
+              <a:rPr lang="zh-TW" altLang="en-US" dirty="0" smtClean="0"/>
+              <a:t>種同樣的</a:t>
+            </a:r>
+            <a:r>
+              <a:rPr lang="en-US" altLang="zh-TW" dirty="0" smtClean="0"/>
+              <a:t>index</a:t>
+            </a:r>
+            <a:r>
+              <a:rPr lang="zh-TW" altLang="en-US" dirty="0" smtClean="0"/>
+              <a:t>，而且</a:t>
+            </a:r>
+            <a:r>
+              <a:rPr lang="en-US" altLang="zh-TW" dirty="0" smtClean="0"/>
+              <a:t>name</a:t>
+            </a:r>
+            <a:r>
+              <a:rPr lang="zh-TW" altLang="en-US" dirty="0" smtClean="0"/>
+              <a:t>屬性也是對應的。</a:t>
+            </a:r>
+            <a:endParaRPr lang="zh-TW" altLang="en-US" dirty="0"/>
+          </a:p>
+        </p:txBody>
+      </p:sp>
     </p:spTree>
     <p:extLst>
       <p:ext uri="{BB962C8B-B14F-4D97-AF65-F5344CB8AC3E}">
-        <p14:creationId xmlns:p14="http://schemas.microsoft.com/office/powerpoint/2010/main" val="2768710873"/>
+        <p14:creationId xmlns:p14="http://schemas.microsoft.com/office/powerpoint/2010/main" val="1448201813"/>
       </p:ext>
     </p:extLst>
   </p:cSld>
@@ -4444,14 +4669,16 @@
         </p:nvSpPr>
         <p:spPr/>
         <p:txBody>
-          <a:bodyPr/>
-          <a:lstStyle/>
-          <a:p>
-            <a:r>
-              <a:rPr lang="en-US" altLang="zh-TW" b="1" dirty="0" smtClean="0"/>
-              <a:t>Series</a:t>
-            </a:r>
-            <a:endParaRPr lang="zh-TW" altLang="en-US" dirty="0"/>
+          <a:bodyPr>
+            <a:normAutofit/>
+          </a:bodyPr>
+          <a:lstStyle/>
+          <a:p>
+            <a:r>
+              <a:rPr lang="en-US" altLang="zh-TW" b="1" dirty="0" err="1"/>
+              <a:t>DataFrame</a:t>
+            </a:r>
+            <a:endParaRPr lang="en-US" altLang="zh-TW" b="1" dirty="0"/>
           </a:p>
         </p:txBody>
       </p:sp>
@@ -4465,34 +4692,44 @@
             <p:ph idx="1"/>
           </p:nvPr>
         </p:nvSpPr>
-        <p:spPr/>
-        <p:txBody>
-          <a:bodyPr/>
-          <a:lstStyle/>
-          <a:p>
-            <a:r>
-              <a:rPr lang="zh-TW" altLang="en-US" dirty="0"/>
-              <a:t>當然我們也可以自己指定</a:t>
+        <p:spPr>
+          <a:xfrm>
+            <a:off x="838200" y="1344362"/>
+            <a:ext cx="10515600" cy="4351338"/>
+          </a:xfrm>
+        </p:spPr>
+        <p:txBody>
+          <a:bodyPr>
+            <a:normAutofit/>
+          </a:bodyPr>
+          <a:lstStyle/>
+          <a:p>
+            <a:r>
+              <a:rPr lang="zh-TW" altLang="en-US" dirty="0" smtClean="0"/>
+              <a:t>對於行，要用在</a:t>
+            </a:r>
+            <a:r>
+              <a:rPr lang="en-US" altLang="zh-TW" dirty="0" err="1" smtClean="0"/>
+              <a:t>loc</a:t>
+            </a:r>
+            <a:r>
+              <a:rPr lang="zh-TW" altLang="en-US" dirty="0" smtClean="0"/>
+              <a:t>屬性裡用 位置或名字：</a:t>
             </a:r>
             <a:r>
               <a:rPr lang="en-US" altLang="zh-TW" dirty="0"/>
-              <a:t>index</a:t>
-            </a:r>
-            <a:r>
-              <a:rPr lang="zh-TW" altLang="en-US" dirty="0"/>
-              <a:t>的</a:t>
-            </a:r>
-            <a:r>
+              <a:t/>
+            </a:r>
+            <a:br>
               <a:rPr lang="en-US" altLang="zh-TW" dirty="0"/>
-              <a:t>label</a:t>
-            </a:r>
+            </a:br>
             <a:endParaRPr lang="zh-TW" altLang="en-US" dirty="0"/>
           </a:p>
         </p:txBody>
       </p:sp>
       <p:pic>
         <p:nvPicPr>
-          <p:cNvPr id="6" name="圖片 5"/>
+          <p:cNvPr id="5" name="圖片 4"/>
           <p:cNvPicPr>
             <a:picLocks noChangeAspect="1"/>
           </p:cNvPicPr>
@@ -4506,32 +4743,8 @@
         </p:blipFill>
         <p:spPr>
           <a:xfrm>
-            <a:off x="838200" y="2382503"/>
-            <a:ext cx="10808068" cy="2767014"/>
-          </a:xfrm>
-          <a:prstGeom prst="rect">
-            <a:avLst/>
-          </a:prstGeom>
-        </p:spPr>
-      </p:pic>
-      <p:pic>
-        <p:nvPicPr>
-          <p:cNvPr id="7" name="圖片 6"/>
-          <p:cNvPicPr>
-            <a:picLocks noChangeAspect="1"/>
-          </p:cNvPicPr>
-          <p:nvPr/>
-        </p:nvPicPr>
-        <p:blipFill>
-          <a:blip r:embed="rId3"/>
-          <a:stretch>
-            <a:fillRect/>
-          </a:stretch>
-        </p:blipFill>
-        <p:spPr>
-          <a:xfrm>
-            <a:off x="838200" y="5117431"/>
-            <a:ext cx="10353487" cy="1443789"/>
+            <a:off x="838200" y="1899234"/>
+            <a:ext cx="4098240" cy="2672765"/>
           </a:xfrm>
           <a:prstGeom prst="rect">
             <a:avLst/>
@@ -4541,7 +4754,7 @@
     </p:spTree>
     <p:extLst>
       <p:ext uri="{BB962C8B-B14F-4D97-AF65-F5344CB8AC3E}">
-        <p14:creationId xmlns:p14="http://schemas.microsoft.com/office/powerpoint/2010/main" val="1177460444"/>
+        <p14:creationId xmlns:p14="http://schemas.microsoft.com/office/powerpoint/2010/main" val="3519124070"/>
       </p:ext>
     </p:extLst>
   </p:cSld>
@@ -4726,52 +4939,54 @@
         </p:nvSpPr>
         <p:spPr/>
         <p:txBody>
-          <a:bodyPr/>
-          <a:lstStyle/>
-          <a:p>
-            <a:r>
-              <a:rPr lang="en-US" altLang="zh-TW" b="1" dirty="0" smtClean="0"/>
-              <a:t>Series</a:t>
+          <a:bodyPr>
+            <a:normAutofit/>
+          </a:bodyPr>
+          <a:lstStyle/>
+          <a:p>
+            <a:r>
+              <a:rPr lang="en-US" altLang="zh-TW" b="1" dirty="0" err="1"/>
+              <a:t>DataFrame</a:t>
+            </a:r>
+            <a:endParaRPr lang="en-US" altLang="zh-TW" b="1" dirty="0"/>
+          </a:p>
+        </p:txBody>
+      </p:sp>
+      <p:sp>
+        <p:nvSpPr>
+          <p:cNvPr id="3" name="內容版面配置區 2"/>
+          <p:cNvSpPr>
+            <a:spLocks noGrp="1"/>
+          </p:cNvSpPr>
+          <p:nvPr>
+            <p:ph idx="1"/>
+          </p:nvPr>
+        </p:nvSpPr>
+        <p:spPr>
+          <a:xfrm>
+            <a:off x="838200" y="1344362"/>
+            <a:ext cx="10515600" cy="4351338"/>
+          </a:xfrm>
+        </p:spPr>
+        <p:txBody>
+          <a:bodyPr>
+            <a:normAutofit/>
+          </a:bodyPr>
+          <a:lstStyle/>
+          <a:p>
+            <a:r>
+              <a:rPr lang="zh-TW" altLang="en-US" dirty="0" smtClean="0"/>
+              <a:t>列值也能通過賦值改變。比如給</a:t>
+            </a:r>
+            <a:r>
+              <a:rPr lang="en-US" altLang="zh-TW" dirty="0" smtClean="0"/>
+              <a:t>debt</a:t>
+            </a:r>
+            <a:r>
+              <a:rPr lang="zh-TW" altLang="en-US" dirty="0" smtClean="0"/>
+              <a:t>賦值：</a:t>
             </a:r>
             <a:endParaRPr lang="zh-TW" altLang="en-US" dirty="0"/>
-          </a:p>
-        </p:txBody>
-      </p:sp>
-      <p:sp>
-        <p:nvSpPr>
-          <p:cNvPr id="3" name="內容版面配置區 2"/>
-          <p:cNvSpPr>
-            <a:spLocks noGrp="1"/>
-          </p:cNvSpPr>
-          <p:nvPr>
-            <p:ph idx="1"/>
-          </p:nvPr>
-        </p:nvSpPr>
-        <p:spPr/>
-        <p:txBody>
-          <a:bodyPr/>
-          <a:lstStyle/>
-          <a:p>
-            <a:r>
-              <a:rPr lang="zh-TW" altLang="en-US" dirty="0"/>
-              <a:t>可以用</a:t>
-            </a:r>
-            <a:r>
-              <a:rPr lang="en-US" altLang="zh-TW" dirty="0"/>
-              <a:t>index</a:t>
-            </a:r>
-            <a:r>
-              <a:rPr lang="zh-TW" altLang="en-US" dirty="0"/>
-              <a:t>的</a:t>
-            </a:r>
-            <a:r>
-              <a:rPr lang="en-US" altLang="zh-TW" dirty="0"/>
-              <a:t>label</a:t>
-            </a:r>
-            <a:r>
-              <a:rPr lang="zh-TW" altLang="en-US" dirty="0"/>
-              <a:t>來選擇</a:t>
-            </a:r>
           </a:p>
         </p:txBody>
       </p:sp>
@@ -4791,8 +5006,8 @@
         </p:blipFill>
         <p:spPr>
           <a:xfrm>
-            <a:off x="838200" y="2392779"/>
-            <a:ext cx="2594811" cy="1439139"/>
+            <a:off x="838200" y="1819025"/>
+            <a:ext cx="5179434" cy="4469480"/>
           </a:xfrm>
           <a:prstGeom prst="rect">
             <a:avLst/>
@@ -4801,7 +5016,7 @@
       </p:pic>
       <p:pic>
         <p:nvPicPr>
-          <p:cNvPr id="5" name="圖片 4"/>
+          <p:cNvPr id="6" name="圖片 5"/>
           <p:cNvPicPr>
             <a:picLocks noChangeAspect="1"/>
           </p:cNvPicPr>
@@ -4815,63 +5030,18 @@
         </p:blipFill>
         <p:spPr>
           <a:xfrm>
-            <a:off x="838200" y="3831918"/>
-            <a:ext cx="4022558" cy="2652429"/>
+            <a:off x="6017634" y="1819025"/>
+            <a:ext cx="5206552" cy="4469480"/>
           </a:xfrm>
           <a:prstGeom prst="rect">
             <a:avLst/>
           </a:prstGeom>
         </p:spPr>
       </p:pic>
-      <p:sp>
-        <p:nvSpPr>
-          <p:cNvPr id="8" name="文字方塊 7"/>
-          <p:cNvSpPr txBox="1"/>
-          <p:nvPr/>
-        </p:nvSpPr>
-        <p:spPr>
-          <a:xfrm>
-            <a:off x="5021179" y="5992297"/>
-            <a:ext cx="7022115" cy="369332"/>
-          </a:xfrm>
-          <a:prstGeom prst="rect">
-            <a:avLst/>
-          </a:prstGeom>
-          <a:noFill/>
-        </p:spPr>
-        <p:txBody>
-          <a:bodyPr wrap="none" rtlCol="0">
-            <a:spAutoFit/>
-          </a:bodyPr>
-          <a:lstStyle/>
-          <a:p>
-            <a:r>
-              <a:rPr lang="zh-TW" altLang="en-US" dirty="0"/>
-              <a:t>這裡</a:t>
-            </a:r>
-            <a:r>
-              <a:rPr lang="en-US" altLang="zh-TW" dirty="0"/>
-              <a:t>['c', 'a', 'd']</a:t>
-            </a:r>
-            <a:r>
-              <a:rPr lang="zh-TW" altLang="en-US" dirty="0"/>
-              <a:t>其實被當做了索引，儘管這個索引是用</a:t>
-            </a:r>
-            <a:r>
-              <a:rPr lang="en-US" altLang="zh-TW" dirty="0"/>
-              <a:t>string</a:t>
-            </a:r>
-            <a:r>
-              <a:rPr lang="zh-TW" altLang="en-US" dirty="0"/>
-              <a:t>構成的。</a:t>
-            </a:r>
-          </a:p>
-        </p:txBody>
-      </p:sp>
     </p:spTree>
     <p:extLst>
       <p:ext uri="{BB962C8B-B14F-4D97-AF65-F5344CB8AC3E}">
-        <p14:creationId xmlns:p14="http://schemas.microsoft.com/office/powerpoint/2010/main" val="1684417898"/>
+        <p14:creationId xmlns:p14="http://schemas.microsoft.com/office/powerpoint/2010/main" val="356412012"/>
       </p:ext>
     </p:extLst>
   </p:cSld>
@@ -4910,58 +5080,116 @@
         </p:nvSpPr>
         <p:spPr/>
         <p:txBody>
-          <a:bodyPr/>
-          <a:lstStyle/>
-          <a:p>
-            <a:r>
-              <a:rPr lang="en-US" altLang="zh-TW" b="1" dirty="0" smtClean="0"/>
-              <a:t>Series</a:t>
+          <a:bodyPr>
+            <a:normAutofit/>
+          </a:bodyPr>
+          <a:lstStyle/>
+          <a:p>
+            <a:r>
+              <a:rPr lang="en-US" altLang="zh-TW" b="1" dirty="0" err="1"/>
+              <a:t>DataFrame</a:t>
+            </a:r>
+            <a:endParaRPr lang="en-US" altLang="zh-TW" b="1" dirty="0"/>
+          </a:p>
+        </p:txBody>
+      </p:sp>
+      <p:sp>
+        <p:nvSpPr>
+          <p:cNvPr id="3" name="內容版面配置區 2"/>
+          <p:cNvSpPr>
+            <a:spLocks noGrp="1"/>
+          </p:cNvSpPr>
+          <p:nvPr>
+            <p:ph idx="1"/>
+          </p:nvPr>
+        </p:nvSpPr>
+        <p:spPr>
+          <a:xfrm>
+            <a:off x="838200" y="1344362"/>
+            <a:ext cx="10515600" cy="4351338"/>
+          </a:xfrm>
+        </p:spPr>
+        <p:txBody>
+          <a:bodyPr>
+            <a:normAutofit/>
+          </a:bodyPr>
+          <a:lstStyle/>
+          <a:p>
+            <a:r>
+              <a:rPr lang="zh-TW" altLang="en-US" dirty="0" smtClean="0"/>
+              <a:t>如果把</a:t>
+            </a:r>
+            <a:r>
+              <a:rPr lang="en-US" altLang="zh-TW" dirty="0" smtClean="0"/>
+              <a:t>list</a:t>
+            </a:r>
+            <a:r>
+              <a:rPr lang="zh-TW" altLang="en-US" dirty="0" smtClean="0"/>
+              <a:t>或</a:t>
+            </a:r>
+            <a:r>
+              <a:rPr lang="en-US" altLang="zh-TW" dirty="0" smtClean="0"/>
+              <a:t>array</a:t>
+            </a:r>
+            <a:r>
+              <a:rPr lang="zh-TW" altLang="en-US" dirty="0" smtClean="0"/>
+              <a:t>賦給</a:t>
+            </a:r>
+            <a:r>
+              <a:rPr lang="en-US" altLang="zh-TW" dirty="0" smtClean="0"/>
+              <a:t>column</a:t>
+            </a:r>
+            <a:r>
+              <a:rPr lang="zh-TW" altLang="en-US" dirty="0" smtClean="0"/>
+              <a:t>的話，長度必須符合</a:t>
+            </a:r>
+            <a:r>
+              <a:rPr lang="en-US" altLang="zh-TW" dirty="0" err="1" smtClean="0"/>
+              <a:t>DataFrame</a:t>
+            </a:r>
+            <a:r>
+              <a:rPr lang="zh-TW" altLang="en-US" dirty="0" smtClean="0"/>
+              <a:t>的長度。如果把一二</a:t>
+            </a:r>
+            <a:r>
+              <a:rPr lang="en-US" altLang="zh-TW" dirty="0" smtClean="0"/>
+              <a:t>series</a:t>
+            </a:r>
+            <a:r>
+              <a:rPr lang="zh-TW" altLang="en-US" dirty="0" smtClean="0"/>
+              <a:t>賦給</a:t>
+            </a:r>
+            <a:r>
+              <a:rPr lang="en-US" altLang="zh-TW" dirty="0" err="1" smtClean="0"/>
+              <a:t>DataFrame</a:t>
+            </a:r>
+            <a:r>
+              <a:rPr lang="zh-TW" altLang="en-US" dirty="0" smtClean="0"/>
+              <a:t>，會按</a:t>
+            </a:r>
+            <a:r>
+              <a:rPr lang="en-US" altLang="zh-TW" dirty="0" err="1" smtClean="0"/>
+              <a:t>DataFrame</a:t>
+            </a:r>
+            <a:r>
+              <a:rPr lang="zh-TW" altLang="en-US" dirty="0" smtClean="0"/>
+              <a:t>的</a:t>
+            </a:r>
+            <a:r>
+              <a:rPr lang="en-US" altLang="zh-TW" dirty="0" smtClean="0"/>
+              <a:t>index</a:t>
+            </a:r>
+            <a:r>
+              <a:rPr lang="zh-TW" altLang="en-US" dirty="0" smtClean="0"/>
+              <a:t>來賦值，不夠的地方用缺失數據來表示：</a:t>
             </a:r>
             <a:endParaRPr lang="zh-TW" altLang="en-US" dirty="0"/>
-          </a:p>
-        </p:txBody>
-      </p:sp>
-      <p:sp>
-        <p:nvSpPr>
-          <p:cNvPr id="3" name="內容版面配置區 2"/>
-          <p:cNvSpPr>
-            <a:spLocks noGrp="1"/>
-          </p:cNvSpPr>
-          <p:nvPr>
-            <p:ph idx="1"/>
-          </p:nvPr>
-        </p:nvSpPr>
-        <p:spPr/>
-        <p:txBody>
-          <a:bodyPr/>
-          <a:lstStyle/>
-          <a:p>
-            <a:r>
-              <a:rPr lang="zh-TW" altLang="en-US" dirty="0"/>
-              <a:t>使用</a:t>
-            </a:r>
-            <a:r>
-              <a:rPr lang="en-US" altLang="zh-TW" dirty="0" err="1"/>
-              <a:t>numpy</a:t>
-            </a:r>
-            <a:r>
-              <a:rPr lang="zh-TW" altLang="en-US" dirty="0"/>
-              <a:t>函數或類似的操作，會保留</a:t>
-            </a:r>
-            <a:r>
-              <a:rPr lang="en-US" altLang="zh-TW" dirty="0"/>
-              <a:t>index-value</a:t>
-            </a:r>
-            <a:r>
-              <a:rPr lang="zh-TW" altLang="en-US" dirty="0"/>
-              <a:t>的關係：</a:t>
-            </a:r>
           </a:p>
         </p:txBody>
       </p:sp>
       <p:pic>
         <p:nvPicPr>
-          <p:cNvPr id="6" name="圖片 5"/>
+          <p:cNvPr id="5" name="圖片 4"/>
           <p:cNvPicPr>
             <a:picLocks noChangeAspect="1"/>
           </p:cNvPicPr>
@@ -4975,104 +5203,8 @@
         </p:blipFill>
         <p:spPr>
           <a:xfrm>
-            <a:off x="838199" y="2362450"/>
-            <a:ext cx="2650001" cy="2049129"/>
-          </a:xfrm>
-          <a:prstGeom prst="rect">
-            <a:avLst/>
-          </a:prstGeom>
-        </p:spPr>
-      </p:pic>
-      <p:pic>
-        <p:nvPicPr>
-          <p:cNvPr id="7" name="圖片 6"/>
-          <p:cNvPicPr>
-            <a:picLocks noChangeAspect="1"/>
-          </p:cNvPicPr>
-          <p:nvPr/>
-        </p:nvPicPr>
-        <p:blipFill>
-          <a:blip r:embed="rId3"/>
-          <a:stretch>
-            <a:fillRect/>
-          </a:stretch>
-        </p:blipFill>
-        <p:spPr>
-          <a:xfrm>
-            <a:off x="3488200" y="2362449"/>
-            <a:ext cx="1645274" cy="2027213"/>
-          </a:xfrm>
-          <a:prstGeom prst="rect">
-            <a:avLst/>
-          </a:prstGeom>
-        </p:spPr>
-      </p:pic>
-      <p:pic>
-        <p:nvPicPr>
-          <p:cNvPr id="9" name="圖片 8"/>
-          <p:cNvPicPr>
-            <a:picLocks noChangeAspect="1"/>
-          </p:cNvPicPr>
-          <p:nvPr/>
-        </p:nvPicPr>
-        <p:blipFill>
-          <a:blip r:embed="rId4"/>
-          <a:stretch>
-            <a:fillRect/>
-          </a:stretch>
-        </p:blipFill>
-        <p:spPr>
-          <a:xfrm>
-            <a:off x="5133473" y="2340532"/>
-            <a:ext cx="2642299" cy="2049130"/>
-          </a:xfrm>
-          <a:prstGeom prst="rect">
-            <a:avLst/>
-          </a:prstGeom>
-        </p:spPr>
-      </p:pic>
-      <p:pic>
-        <p:nvPicPr>
-          <p:cNvPr id="10" name="圖片 9"/>
-          <p:cNvPicPr>
-            <a:picLocks noChangeAspect="1"/>
-          </p:cNvPicPr>
-          <p:nvPr/>
-        </p:nvPicPr>
-        <p:blipFill>
-          <a:blip r:embed="rId5"/>
-          <a:stretch>
-            <a:fillRect/>
-          </a:stretch>
-        </p:blipFill>
-        <p:spPr>
-          <a:xfrm>
-            <a:off x="772550" y="4389661"/>
-            <a:ext cx="2597230" cy="1529875"/>
-          </a:xfrm>
-          <a:prstGeom prst="rect">
-            <a:avLst/>
-          </a:prstGeom>
-        </p:spPr>
-      </p:pic>
-      <p:pic>
-        <p:nvPicPr>
-          <p:cNvPr id="11" name="圖片 10"/>
-          <p:cNvPicPr>
-            <a:picLocks noChangeAspect="1"/>
-          </p:cNvPicPr>
-          <p:nvPr/>
-        </p:nvPicPr>
-        <p:blipFill>
-          <a:blip r:embed="rId6"/>
-          <a:stretch>
-            <a:fillRect/>
-          </a:stretch>
-        </p:blipFill>
-        <p:spPr>
-          <a:xfrm>
-            <a:off x="3369779" y="4411578"/>
-            <a:ext cx="3129011" cy="1507957"/>
+            <a:off x="1303421" y="3150518"/>
+            <a:ext cx="6196264" cy="3330492"/>
           </a:xfrm>
           <a:prstGeom prst="rect">
             <a:avLst/>
@@ -5082,7 +5214,7 @@
     </p:spTree>
     <p:extLst>
       <p:ext uri="{BB962C8B-B14F-4D97-AF65-F5344CB8AC3E}">
-        <p14:creationId xmlns:p14="http://schemas.microsoft.com/office/powerpoint/2010/main" val="3130137375"/>
+        <p14:creationId xmlns:p14="http://schemas.microsoft.com/office/powerpoint/2010/main" val="3756804879"/>
       </p:ext>
     </p:extLst>
   </p:cSld>
@@ -5121,14 +5253,16 @@
         </p:nvSpPr>
         <p:spPr/>
         <p:txBody>
-          <a:bodyPr/>
-          <a:lstStyle/>
-          <a:p>
-            <a:r>
-              <a:rPr lang="en-US" altLang="zh-TW" b="1" dirty="0" smtClean="0"/>
-              <a:t>Series</a:t>
-            </a:r>
-            <a:endParaRPr lang="zh-TW" altLang="en-US" dirty="0"/>
+          <a:bodyPr>
+            <a:normAutofit/>
+          </a:bodyPr>
+          <a:lstStyle/>
+          <a:p>
+            <a:r>
+              <a:rPr lang="en-US" altLang="zh-TW" b="1" dirty="0" err="1"/>
+              <a:t>DataFrame</a:t>
+            </a:r>
+            <a:endParaRPr lang="en-US" altLang="zh-TW" b="1" dirty="0"/>
           </a:p>
         </p:txBody>
       </p:sp>
@@ -5142,38 +5276,30 @@
             <p:ph idx="1"/>
           </p:nvPr>
         </p:nvSpPr>
-        <p:spPr/>
-        <p:txBody>
-          <a:bodyPr/>
-          <a:lstStyle/>
-          <a:p>
-            <a:r>
-              <a:rPr lang="zh-TW" altLang="en-US" dirty="0"/>
-              <a:t>還可以直接用現有的</a:t>
-            </a:r>
-            <a:r>
-              <a:rPr lang="en-US" altLang="zh-TW" dirty="0" err="1"/>
-              <a:t>dict</a:t>
-            </a:r>
-            <a:r>
-              <a:rPr lang="zh-TW" altLang="en-US" dirty="0"/>
-              <a:t>來創建</a:t>
-            </a:r>
-            <a:r>
-              <a:rPr lang="en-US" altLang="zh-TW" dirty="0"/>
-              <a:t>series</a:t>
-            </a:r>
-            <a:r>
-              <a:rPr lang="zh-TW" altLang="en-US" dirty="0"/>
-              <a:t>：</a:t>
-            </a:r>
-            <a:r>
-              <a:rPr lang="en-US" altLang="zh-TW" dirty="0"/>
-              <a:t/>
-            </a:r>
-            <a:br>
-              <a:rPr lang="en-US" altLang="zh-TW" dirty="0"/>
-            </a:br>
+        <p:spPr>
+          <a:xfrm>
+            <a:off x="838200" y="1344362"/>
+            <a:ext cx="10515600" cy="4351338"/>
+          </a:xfrm>
+        </p:spPr>
+        <p:txBody>
+          <a:bodyPr>
+            <a:normAutofit/>
+          </a:bodyPr>
+          <a:lstStyle/>
+          <a:p>
+            <a:r>
+              <a:rPr lang="zh-TW" altLang="en-US" dirty="0" smtClean="0"/>
+              <a:t>如果列不存在，賦值會創建一個新列。而</a:t>
+            </a:r>
+            <a:r>
+              <a:rPr lang="en-US" altLang="zh-TW" dirty="0" smtClean="0"/>
+              <a:t>del</a:t>
+            </a:r>
+            <a:r>
+              <a:rPr lang="zh-TW" altLang="en-US" dirty="0" smtClean="0"/>
+              <a:t>也能像刪除字典關鍵字一樣，刪除列：</a:t>
+            </a:r>
             <a:endParaRPr lang="zh-TW" altLang="en-US" dirty="0"/>
           </a:p>
         </p:txBody>
@@ -5194,8 +5320,8 @@
         </p:blipFill>
         <p:spPr>
           <a:xfrm>
-            <a:off x="838200" y="2353469"/>
-            <a:ext cx="10393365" cy="3052720"/>
+            <a:off x="1326732" y="2244592"/>
+            <a:ext cx="5940342" cy="4613408"/>
           </a:xfrm>
           <a:prstGeom prst="rect">
             <a:avLst/>
@@ -5205,7 +5331,7 @@
     </p:spTree>
     <p:extLst>
       <p:ext uri="{BB962C8B-B14F-4D97-AF65-F5344CB8AC3E}">
-        <p14:creationId xmlns:p14="http://schemas.microsoft.com/office/powerpoint/2010/main" val="3691138906"/>
+        <p14:creationId xmlns:p14="http://schemas.microsoft.com/office/powerpoint/2010/main" val="1200342693"/>
       </p:ext>
     </p:extLst>
   </p:cSld>
@@ -5244,64 +5370,54 @@
         </p:nvSpPr>
         <p:spPr/>
         <p:txBody>
-          <a:bodyPr/>
-          <a:lstStyle/>
-          <a:p>
-            <a:r>
-              <a:rPr lang="en-US" altLang="zh-TW" b="1" dirty="0" smtClean="0"/>
-              <a:t>Series</a:t>
+          <a:bodyPr>
+            <a:normAutofit/>
+          </a:bodyPr>
+          <a:lstStyle/>
+          <a:p>
+            <a:r>
+              <a:rPr lang="en-US" altLang="zh-TW" b="1" dirty="0" err="1"/>
+              <a:t>DataFrame</a:t>
+            </a:r>
+            <a:endParaRPr lang="en-US" altLang="zh-TW" b="1" dirty="0"/>
+          </a:p>
+        </p:txBody>
+      </p:sp>
+      <p:sp>
+        <p:nvSpPr>
+          <p:cNvPr id="3" name="內容版面配置區 2"/>
+          <p:cNvSpPr>
+            <a:spLocks noGrp="1"/>
+          </p:cNvSpPr>
+          <p:nvPr>
+            <p:ph idx="1"/>
+          </p:nvPr>
+        </p:nvSpPr>
+        <p:spPr>
+          <a:xfrm>
+            <a:off x="838200" y="1344362"/>
+            <a:ext cx="10515600" cy="4351338"/>
+          </a:xfrm>
+        </p:spPr>
+        <p:txBody>
+          <a:bodyPr>
+            <a:normAutofit/>
+          </a:bodyPr>
+          <a:lstStyle/>
+          <a:p>
+            <a:r>
+              <a:rPr lang="zh-TW" altLang="en-US" dirty="0" smtClean="0"/>
+              <a:t>然後用</a:t>
+            </a:r>
+            <a:r>
+              <a:rPr lang="en-US" altLang="zh-TW" dirty="0" smtClean="0"/>
+              <a:t>del</a:t>
+            </a:r>
+            <a:r>
+              <a:rPr lang="zh-TW" altLang="en-US" dirty="0" smtClean="0"/>
+              <a:t>刪除這一列：</a:t>
             </a:r>
             <a:endParaRPr lang="zh-TW" altLang="en-US" dirty="0"/>
-          </a:p>
-        </p:txBody>
-      </p:sp>
-      <p:sp>
-        <p:nvSpPr>
-          <p:cNvPr id="3" name="內容版面配置區 2"/>
-          <p:cNvSpPr>
-            <a:spLocks noGrp="1"/>
-          </p:cNvSpPr>
-          <p:nvPr>
-            <p:ph idx="1"/>
-          </p:nvPr>
-        </p:nvSpPr>
-        <p:spPr/>
-        <p:txBody>
-          <a:bodyPr/>
-          <a:lstStyle/>
-          <a:p>
-            <a:r>
-              <a:rPr lang="en-US" altLang="zh-TW" dirty="0"/>
-              <a:t>series</a:t>
-            </a:r>
-            <a:r>
-              <a:rPr lang="zh-TW" altLang="en-US" dirty="0"/>
-              <a:t>中的</a:t>
-            </a:r>
-            <a:r>
-              <a:rPr lang="en-US" altLang="zh-TW" dirty="0"/>
-              <a:t>index</a:t>
-            </a:r>
-            <a:r>
-              <a:rPr lang="zh-TW" altLang="en-US" dirty="0"/>
-              <a:t>其實就是</a:t>
-            </a:r>
-            <a:r>
-              <a:rPr lang="en-US" altLang="zh-TW" dirty="0" err="1"/>
-              <a:t>dict</a:t>
-            </a:r>
-            <a:r>
-              <a:rPr lang="zh-TW" altLang="en-US" dirty="0"/>
-              <a:t>中排好序的</a:t>
-            </a:r>
-            <a:r>
-              <a:rPr lang="en-US" altLang="zh-TW" dirty="0"/>
-              <a:t>keys</a:t>
-            </a:r>
-            <a:r>
-              <a:rPr lang="zh-TW" altLang="en-US" dirty="0"/>
-              <a:t>。我們也可以傳入一個自己想要的順序：</a:t>
-            </a:r>
           </a:p>
         </p:txBody>
       </p:sp>
@@ -5321,18 +5437,103 @@
         </p:blipFill>
         <p:spPr>
           <a:xfrm>
-            <a:off x="838200" y="2725153"/>
-            <a:ext cx="9019768" cy="3210426"/>
+            <a:off x="1201661" y="2342147"/>
+            <a:ext cx="8370713" cy="2059907"/>
           </a:xfrm>
           <a:prstGeom prst="rect">
             <a:avLst/>
           </a:prstGeom>
         </p:spPr>
       </p:pic>
+      <p:sp>
+        <p:nvSpPr>
+          <p:cNvPr id="6" name="文字方塊 5"/>
+          <p:cNvSpPr txBox="1"/>
+          <p:nvPr/>
+        </p:nvSpPr>
+        <p:spPr>
+          <a:xfrm>
+            <a:off x="389854" y="5200734"/>
+            <a:ext cx="11412291" cy="646331"/>
+          </a:xfrm>
+          <a:prstGeom prst="rect">
+            <a:avLst/>
+          </a:prstGeom>
+          <a:noFill/>
+        </p:spPr>
+        <p:txBody>
+          <a:bodyPr wrap="none" rtlCol="0">
+            <a:spAutoFit/>
+          </a:bodyPr>
+          <a:lstStyle/>
+          <a:p>
+            <a:r>
+              <a:rPr lang="zh-TW" altLang="en-US" dirty="0" smtClean="0"/>
+              <a:t>注意：</a:t>
+            </a:r>
+            <a:r>
+              <a:rPr lang="en-US" altLang="zh-TW" dirty="0" smtClean="0"/>
+              <a:t>columns</a:t>
+            </a:r>
+            <a:r>
+              <a:rPr lang="zh-TW" altLang="en-US" dirty="0" smtClean="0"/>
+              <a:t>返回的是一個</a:t>
+            </a:r>
+            <a:r>
+              <a:rPr lang="en-US" altLang="zh-TW" dirty="0" smtClean="0"/>
+              <a:t>view</a:t>
+            </a:r>
+            <a:r>
+              <a:rPr lang="zh-TW" altLang="en-US" dirty="0" smtClean="0"/>
+              <a:t>，</a:t>
+            </a:r>
+            <a:endParaRPr lang="en-US" altLang="zh-TW" dirty="0" smtClean="0"/>
+          </a:p>
+          <a:p>
+            <a:r>
+              <a:rPr lang="zh-TW" altLang="en-US" dirty="0" smtClean="0"/>
+              <a:t>而不是新建了一個</a:t>
+            </a:r>
+            <a:r>
+              <a:rPr lang="en-US" altLang="zh-TW" dirty="0" smtClean="0"/>
+              <a:t>copy</a:t>
+            </a:r>
+            <a:r>
+              <a:rPr lang="zh-TW" altLang="en-US" dirty="0" smtClean="0"/>
+              <a:t>。因此，任何對</a:t>
+            </a:r>
+            <a:r>
+              <a:rPr lang="en-US" altLang="zh-TW" dirty="0" smtClean="0"/>
+              <a:t>series</a:t>
+            </a:r>
+            <a:r>
+              <a:rPr lang="zh-TW" altLang="en-US" dirty="0" smtClean="0"/>
+              <a:t>的改變，會反映在</a:t>
+            </a:r>
+            <a:r>
+              <a:rPr lang="en-US" altLang="zh-TW" dirty="0" err="1" smtClean="0"/>
+              <a:t>DataFrame</a:t>
+            </a:r>
+            <a:r>
+              <a:rPr lang="zh-TW" altLang="en-US" dirty="0" smtClean="0"/>
+              <a:t>上。除非我們用</a:t>
+            </a:r>
+            <a:r>
+              <a:rPr lang="en-US" altLang="zh-TW" dirty="0" smtClean="0"/>
+              <a:t>copy</a:t>
+            </a:r>
+            <a:r>
+              <a:rPr lang="zh-TW" altLang="en-US" dirty="0" smtClean="0"/>
+              <a:t>方法來新建一個。</a:t>
+            </a:r>
+            <a:endParaRPr lang="zh-TW" altLang="en-US" dirty="0"/>
+          </a:p>
+        </p:txBody>
+      </p:sp>
     </p:spTree>
     <p:extLst>
       <p:ext uri="{BB962C8B-B14F-4D97-AF65-F5344CB8AC3E}">
-        <p14:creationId xmlns:p14="http://schemas.microsoft.com/office/powerpoint/2010/main" val="1677486915"/>
+        <p14:creationId xmlns:p14="http://schemas.microsoft.com/office/powerpoint/2010/main" val="1019222836"/>
       </p:ext>
     </p:extLst>
   </p:cSld>
@@ -5371,112 +5572,62 @@
         </p:nvSpPr>
         <p:spPr/>
         <p:txBody>
-          <a:bodyPr/>
-          <a:lstStyle/>
-          <a:p>
-            <a:r>
-              <a:rPr lang="en-US" altLang="zh-TW" b="1" dirty="0" smtClean="0"/>
-              <a:t>Series</a:t>
+          <a:bodyPr>
+            <a:normAutofit/>
+          </a:bodyPr>
+          <a:lstStyle/>
+          <a:p>
+            <a:r>
+              <a:rPr lang="en-US" altLang="zh-TW" b="1" dirty="0" err="1"/>
+              <a:t>DataFrame</a:t>
+            </a:r>
+            <a:endParaRPr lang="en-US" altLang="zh-TW" b="1" dirty="0"/>
+          </a:p>
+        </p:txBody>
+      </p:sp>
+      <p:sp>
+        <p:nvSpPr>
+          <p:cNvPr id="3" name="內容版面配置區 2"/>
+          <p:cNvSpPr>
+            <a:spLocks noGrp="1"/>
+          </p:cNvSpPr>
+          <p:nvPr>
+            <p:ph idx="1"/>
+          </p:nvPr>
+        </p:nvSpPr>
+        <p:spPr>
+          <a:xfrm>
+            <a:off x="838200" y="1344362"/>
+            <a:ext cx="10515600" cy="4351338"/>
+          </a:xfrm>
+        </p:spPr>
+        <p:txBody>
+          <a:bodyPr>
+            <a:normAutofit/>
+          </a:bodyPr>
+          <a:lstStyle/>
+          <a:p>
+            <a:r>
+              <a:rPr lang="zh-TW" altLang="en-US" dirty="0" smtClean="0"/>
+              <a:t>另一種常見的格式是</a:t>
+            </a:r>
+            <a:r>
+              <a:rPr lang="en-US" altLang="zh-TW" dirty="0" err="1" smtClean="0"/>
+              <a:t>dict</a:t>
+            </a:r>
+            <a:r>
+              <a:rPr lang="zh-TW" altLang="en-US" dirty="0" smtClean="0"/>
+              <a:t>中的</a:t>
+            </a:r>
+            <a:r>
+              <a:rPr lang="en-US" altLang="zh-TW" dirty="0" err="1" smtClean="0"/>
+              <a:t>dict</a:t>
+            </a:r>
+            <a:r>
+              <a:rPr lang="zh-TW" altLang="en-US" dirty="0" smtClean="0"/>
+              <a:t>：</a:t>
             </a:r>
             <a:endParaRPr lang="zh-TW" altLang="en-US" dirty="0"/>
-          </a:p>
-        </p:txBody>
-      </p:sp>
-      <p:sp>
-        <p:nvSpPr>
-          <p:cNvPr id="3" name="內容版面配置區 2"/>
-          <p:cNvSpPr>
-            <a:spLocks noGrp="1"/>
-          </p:cNvSpPr>
-          <p:nvPr>
-            <p:ph idx="1"/>
-          </p:nvPr>
-        </p:nvSpPr>
-        <p:spPr/>
-        <p:txBody>
-          <a:bodyPr/>
-          <a:lstStyle/>
-          <a:p>
-            <a:r>
-              <a:rPr lang="zh-TW" altLang="en-US" dirty="0"/>
-              <a:t>順序是按</a:t>
-            </a:r>
-            <a:r>
-              <a:rPr lang="en-US" altLang="zh-TW" dirty="0"/>
-              <a:t>states</a:t>
-            </a:r>
-            <a:r>
-              <a:rPr lang="zh-TW" altLang="en-US" dirty="0"/>
-              <a:t>裡來的，但因為沒有找到</a:t>
-            </a:r>
-            <a:r>
-              <a:rPr lang="en-US" altLang="zh-TW" dirty="0" err="1"/>
-              <a:t>california</a:t>
-            </a:r>
-            <a:r>
-              <a:rPr lang="en-US" altLang="zh-TW" dirty="0"/>
-              <a:t>,</a:t>
-            </a:r>
-            <a:r>
-              <a:rPr lang="zh-TW" altLang="en-US" dirty="0"/>
-              <a:t>所以是</a:t>
-            </a:r>
-            <a:r>
-              <a:rPr lang="en-US" altLang="zh-TW" dirty="0" err="1"/>
-              <a:t>NaN</a:t>
-            </a:r>
-            <a:r>
-              <a:rPr lang="zh-TW" altLang="en-US" dirty="0"/>
-              <a:t>。 </a:t>
-            </a:r>
-            <a:r>
-              <a:rPr lang="en-US" altLang="zh-TW" dirty="0" err="1"/>
-              <a:t>NaN</a:t>
-            </a:r>
-            <a:r>
-              <a:rPr lang="zh-TW" altLang="en-US" dirty="0"/>
-              <a:t>表示缺失數據，用之後我們提到的話就用</a:t>
-            </a:r>
-            <a:r>
-              <a:rPr lang="en-US" altLang="zh-TW" dirty="0"/>
-              <a:t>missing</a:t>
-            </a:r>
-            <a:r>
-              <a:rPr lang="zh-TW" altLang="en-US" dirty="0"/>
-              <a:t>或</a:t>
-            </a:r>
-            <a:r>
-              <a:rPr lang="en-US" altLang="zh-TW" dirty="0"/>
-              <a:t>NA</a:t>
-            </a:r>
-            <a:r>
-              <a:rPr lang="zh-TW" altLang="en-US" dirty="0"/>
-              <a:t>來指代。 </a:t>
-            </a:r>
-            <a:r>
-              <a:rPr lang="en-US" altLang="zh-TW" dirty="0"/>
-              <a:t>pandas</a:t>
-            </a:r>
-            <a:r>
-              <a:rPr lang="zh-TW" altLang="en-US" dirty="0"/>
-              <a:t>中的</a:t>
-            </a:r>
-            <a:r>
-              <a:rPr lang="en-US" altLang="zh-TW" dirty="0" err="1"/>
-              <a:t>isnull</a:t>
-            </a:r>
-            <a:r>
-              <a:rPr lang="zh-TW" altLang="en-US" dirty="0"/>
-              <a:t>和</a:t>
-            </a:r>
-            <a:r>
-              <a:rPr lang="en-US" altLang="zh-TW" dirty="0" err="1"/>
-              <a:t>notnull</a:t>
-            </a:r>
-            <a:r>
-              <a:rPr lang="zh-TW" altLang="en-US" dirty="0"/>
-              <a:t>函數可以用來檢測缺失數據：</a:t>
-            </a:r>
           </a:p>
         </p:txBody>
       </p:sp>
@@ -5496,8 +5647,8 @@
         </p:blipFill>
         <p:spPr>
           <a:xfrm>
-            <a:off x="838200" y="3040730"/>
-            <a:ext cx="5546558" cy="3278449"/>
+            <a:off x="838200" y="1971641"/>
+            <a:ext cx="9593983" cy="948021"/>
           </a:xfrm>
           <a:prstGeom prst="rect">
             <a:avLst/>
@@ -5507,7 +5658,7 @@
     </p:spTree>
     <p:extLst>
       <p:ext uri="{BB962C8B-B14F-4D97-AF65-F5344CB8AC3E}">
-        <p14:creationId xmlns:p14="http://schemas.microsoft.com/office/powerpoint/2010/main" val="2598227960"/>
+        <p14:creationId xmlns:p14="http://schemas.microsoft.com/office/powerpoint/2010/main" val="3190004882"/>
       </p:ext>
     </p:extLst>
   </p:cSld>
@@ -5546,118 +5697,107 @@
         </p:nvSpPr>
         <p:spPr/>
         <p:txBody>
-          <a:bodyPr/>
-          <a:lstStyle/>
-          <a:p>
-            <a:r>
-              <a:rPr lang="en-US" altLang="zh-TW" b="1" dirty="0" smtClean="0"/>
-              <a:t>Series</a:t>
-            </a:r>
+          <a:bodyPr>
+            <a:normAutofit/>
+          </a:bodyPr>
+          <a:lstStyle/>
+          <a:p>
+            <a:r>
+              <a:rPr lang="en-US" altLang="zh-TW" b="1" dirty="0" err="1"/>
+              <a:t>DataFrame</a:t>
+            </a:r>
+            <a:endParaRPr lang="en-US" altLang="zh-TW" b="1" dirty="0"/>
+          </a:p>
+        </p:txBody>
+      </p:sp>
+      <p:sp>
+        <p:nvSpPr>
+          <p:cNvPr id="3" name="內容版面配置區 2"/>
+          <p:cNvSpPr>
+            <a:spLocks noGrp="1"/>
+          </p:cNvSpPr>
+          <p:nvPr>
+            <p:ph idx="1"/>
+          </p:nvPr>
+        </p:nvSpPr>
+        <p:spPr>
+          <a:xfrm>
+            <a:off x="838200" y="1344362"/>
+            <a:ext cx="10515600" cy="4351338"/>
+          </a:xfrm>
+        </p:spPr>
+        <p:txBody>
+          <a:bodyPr>
+            <a:normAutofit/>
+          </a:bodyPr>
+          <a:lstStyle/>
+          <a:p>
+            <a:r>
+              <a:rPr lang="zh-TW" altLang="en-US" dirty="0" smtClean="0"/>
+              <a:t>把上面這種嵌套</a:t>
+            </a:r>
+            <a:r>
+              <a:rPr lang="en-US" altLang="zh-TW" dirty="0" err="1" smtClean="0"/>
+              <a:t>dcit</a:t>
+            </a:r>
+            <a:r>
+              <a:rPr lang="zh-TW" altLang="en-US" dirty="0" smtClean="0"/>
+              <a:t>傳給</a:t>
+            </a:r>
+            <a:r>
+              <a:rPr lang="en-US" altLang="zh-TW" dirty="0" err="1" smtClean="0"/>
+              <a:t>DataFrame</a:t>
+            </a:r>
+            <a:r>
+              <a:rPr lang="zh-TW" altLang="en-US" dirty="0" smtClean="0"/>
+              <a:t>，</a:t>
+            </a:r>
+            <a:r>
+              <a:rPr lang="en-US" altLang="zh-TW" dirty="0" smtClean="0"/>
+              <a:t>pandas</a:t>
+            </a:r>
+            <a:r>
+              <a:rPr lang="zh-TW" altLang="en-US" dirty="0" smtClean="0"/>
+              <a:t>會把外層</a:t>
+            </a:r>
+            <a:r>
+              <a:rPr lang="en-US" altLang="zh-TW" dirty="0" err="1" smtClean="0"/>
+              <a:t>dcit</a:t>
+            </a:r>
+            <a:r>
+              <a:rPr lang="zh-TW" altLang="en-US" dirty="0" smtClean="0"/>
+              <a:t>的</a:t>
+            </a:r>
+            <a:r>
+              <a:rPr lang="en-US" altLang="zh-TW" dirty="0" smtClean="0"/>
+              <a:t>key</a:t>
+            </a:r>
+            <a:r>
+              <a:rPr lang="zh-TW" altLang="en-US" dirty="0" smtClean="0"/>
+              <a:t>當做列，內層</a:t>
+            </a:r>
+            <a:r>
+              <a:rPr lang="en-US" altLang="zh-TW" dirty="0" smtClean="0"/>
+              <a:t>key</a:t>
+            </a:r>
+            <a:r>
+              <a:rPr lang="zh-TW" altLang="en-US" dirty="0" smtClean="0"/>
+              <a:t>當做行索引：</a:t>
+            </a:r>
+            <a:r>
+              <a:rPr lang="zh-CN" altLang="en-US" dirty="0"/>
+              <a:t/>
+            </a:r>
+            <a:br>
+              <a:rPr lang="zh-CN" altLang="en-US" dirty="0"/>
+            </a:br>
             <a:endParaRPr lang="zh-TW" altLang="en-US" dirty="0"/>
-          </a:p>
-        </p:txBody>
-      </p:sp>
-      <p:sp>
-        <p:nvSpPr>
-          <p:cNvPr id="3" name="內容版面配置區 2"/>
-          <p:cNvSpPr>
-            <a:spLocks noGrp="1"/>
-          </p:cNvSpPr>
-          <p:nvPr>
-            <p:ph idx="1"/>
-          </p:nvPr>
-        </p:nvSpPr>
-        <p:spPr/>
-        <p:txBody>
-          <a:bodyPr/>
-          <a:lstStyle/>
-          <a:p>
-            <a:r>
-              <a:rPr lang="zh-TW" altLang="en-US" dirty="0"/>
-              <a:t>順序是按</a:t>
-            </a:r>
-            <a:r>
-              <a:rPr lang="en-US" altLang="zh-TW" dirty="0"/>
-              <a:t>states</a:t>
-            </a:r>
-            <a:r>
-              <a:rPr lang="zh-TW" altLang="en-US" dirty="0"/>
-              <a:t>裡來的，但因為沒有找到</a:t>
-            </a:r>
-            <a:r>
-              <a:rPr lang="en-US" altLang="zh-TW" dirty="0" err="1"/>
-              <a:t>california</a:t>
-            </a:r>
-            <a:r>
-              <a:rPr lang="en-US" altLang="zh-TW" dirty="0"/>
-              <a:t>,</a:t>
-            </a:r>
-            <a:r>
-              <a:rPr lang="zh-TW" altLang="en-US" dirty="0"/>
-              <a:t>所以是</a:t>
-            </a:r>
-            <a:r>
-              <a:rPr lang="en-US" altLang="zh-TW" dirty="0" err="1"/>
-              <a:t>NaN</a:t>
-            </a:r>
-            <a:r>
-              <a:rPr lang="zh-TW" altLang="en-US" dirty="0"/>
-              <a:t>。 </a:t>
-            </a:r>
-            <a:r>
-              <a:rPr lang="en-US" altLang="zh-TW" dirty="0" err="1"/>
-              <a:t>NaN</a:t>
-            </a:r>
-            <a:r>
-              <a:rPr lang="zh-TW" altLang="en-US" dirty="0"/>
-              <a:t>表示缺失數據，用之後我們提到的話就用</a:t>
-            </a:r>
-            <a:r>
-              <a:rPr lang="en-US" altLang="zh-TW" dirty="0"/>
-              <a:t>missing</a:t>
-            </a:r>
-            <a:r>
-              <a:rPr lang="zh-TW" altLang="en-US" dirty="0"/>
-              <a:t>或</a:t>
-            </a:r>
-            <a:r>
-              <a:rPr lang="en-US" altLang="zh-TW" dirty="0"/>
-              <a:t>NA</a:t>
-            </a:r>
-            <a:r>
-              <a:rPr lang="zh-TW" altLang="en-US" dirty="0"/>
-              <a:t>來指代。 </a:t>
-            </a:r>
-            <a:r>
-              <a:rPr lang="en-US" altLang="zh-TW" dirty="0"/>
-              <a:t>pandas</a:t>
-            </a:r>
-            <a:r>
-              <a:rPr lang="zh-TW" altLang="en-US" dirty="0"/>
-              <a:t>中的</a:t>
-            </a:r>
-            <a:r>
-              <a:rPr lang="en-US" altLang="zh-TW" dirty="0" err="1"/>
-              <a:t>isnull</a:t>
-            </a:r>
-            <a:r>
-              <a:rPr lang="zh-TW" altLang="en-US" dirty="0"/>
-              <a:t>和</a:t>
-            </a:r>
-            <a:r>
-              <a:rPr lang="en-US" altLang="zh-TW" dirty="0" err="1"/>
-              <a:t>notnull</a:t>
-            </a:r>
-            <a:r>
-              <a:rPr lang="zh-TW" altLang="en-US" dirty="0"/>
-              <a:t>函數可以用來檢測缺失數據：</a:t>
-            </a:r>
           </a:p>
         </p:txBody>
       </p:sp>
       <p:pic>
         <p:nvPicPr>
-          <p:cNvPr id="4" name="圖片 3"/>
+          <p:cNvPr id="5" name="圖片 4"/>
           <p:cNvPicPr>
             <a:picLocks noChangeAspect="1"/>
           </p:cNvPicPr>
@@ -5671,56 +5811,8 @@
         </p:blipFill>
         <p:spPr>
           <a:xfrm>
-            <a:off x="838200" y="3040730"/>
-            <a:ext cx="3765884" cy="3278449"/>
-          </a:xfrm>
-          <a:prstGeom prst="rect">
-            <a:avLst/>
-          </a:prstGeom>
-        </p:spPr>
-      </p:pic>
-      <p:pic>
-        <p:nvPicPr>
-          <p:cNvPr id="5" name="圖片 4"/>
-          <p:cNvPicPr>
-            <a:picLocks noChangeAspect="1"/>
-          </p:cNvPicPr>
-          <p:nvPr/>
-        </p:nvPicPr>
-        <p:blipFill>
-          <a:blip r:embed="rId3"/>
-          <a:stretch>
-            <a:fillRect/>
-          </a:stretch>
-        </p:blipFill>
-        <p:spPr>
-          <a:xfrm>
-            <a:off x="3657599" y="3040730"/>
-            <a:ext cx="3980603" cy="3136233"/>
-          </a:xfrm>
-          <a:prstGeom prst="rect">
-            <a:avLst/>
-          </a:prstGeom>
-        </p:spPr>
-      </p:pic>
-      <p:pic>
-        <p:nvPicPr>
-          <p:cNvPr id="6" name="圖片 5"/>
-          <p:cNvPicPr>
-            <a:picLocks noChangeAspect="1"/>
-          </p:cNvPicPr>
-          <p:nvPr/>
-        </p:nvPicPr>
-        <p:blipFill>
-          <a:blip r:embed="rId4"/>
-          <a:stretch>
-            <a:fillRect/>
-          </a:stretch>
-        </p:blipFill>
-        <p:spPr>
-          <a:xfrm>
-            <a:off x="7638202" y="3040729"/>
-            <a:ext cx="4468058" cy="3136233"/>
+            <a:off x="838200" y="2233982"/>
+            <a:ext cx="5246956" cy="4006397"/>
           </a:xfrm>
           <a:prstGeom prst="rect">
             <a:avLst/>
@@ -5730,7 +5822,7 @@
     </p:spTree>
     <p:extLst>
       <p:ext uri="{BB962C8B-B14F-4D97-AF65-F5344CB8AC3E}">
-        <p14:creationId xmlns:p14="http://schemas.microsoft.com/office/powerpoint/2010/main" val="266850388"/>
+        <p14:creationId xmlns:p14="http://schemas.microsoft.com/office/powerpoint/2010/main" val="475412398"/>
       </p:ext>
     </p:extLst>
   </p:cSld>
@@ -5769,14 +5861,16 @@
         </p:nvSpPr>
         <p:spPr/>
         <p:txBody>
-          <a:bodyPr/>
-          <a:lstStyle/>
-          <a:p>
-            <a:r>
-              <a:rPr lang="en-US" altLang="zh-TW" b="1" dirty="0" smtClean="0"/>
-              <a:t>Series</a:t>
-            </a:r>
-            <a:endParaRPr lang="zh-TW" altLang="en-US" dirty="0"/>
+          <a:bodyPr>
+            <a:normAutofit/>
+          </a:bodyPr>
+          <a:lstStyle/>
+          <a:p>
+            <a:r>
+              <a:rPr lang="en-US" altLang="zh-TW" b="1" dirty="0" err="1"/>
+              <a:t>DataFrame</a:t>
+            </a:r>
+            <a:endParaRPr lang="en-US" altLang="zh-TW" b="1" dirty="0"/>
           </a:p>
         </p:txBody>
       </p:sp>
@@ -5790,18 +5884,37 @@
             <p:ph idx="1"/>
           </p:nvPr>
         </p:nvSpPr>
-        <p:spPr/>
-        <p:txBody>
-          <a:bodyPr/>
-          <a:lstStyle/>
-          <a:p>
-            <a:r>
-              <a:rPr lang="zh-TW" altLang="en-US" dirty="0"/>
-              <a:t>關於缺失</a:t>
-            </a:r>
+        <p:spPr>
+          <a:xfrm>
+            <a:off x="838200" y="1344362"/>
+            <a:ext cx="10515600" cy="4351338"/>
+          </a:xfrm>
+        </p:spPr>
+        <p:txBody>
+          <a:bodyPr>
+            <a:normAutofit/>
+          </a:bodyPr>
+          <a:lstStyle/>
+          <a:p>
             <a:r>
               <a:rPr lang="zh-TW" altLang="en-US" dirty="0" smtClean="0"/>
-              <a:t>數據</a:t>
+              <a:t>另外</a:t>
+            </a:r>
+            <a:r>
+              <a:rPr lang="en-US" altLang="zh-TW" dirty="0" err="1" smtClean="0"/>
+              <a:t>DataFrame</a:t>
+            </a:r>
+            <a:r>
+              <a:rPr lang="zh-TW" altLang="en-US" dirty="0" smtClean="0"/>
+              <a:t>也可以向</a:t>
+            </a:r>
+            <a:r>
+              <a:rPr lang="en-US" altLang="zh-TW" dirty="0" err="1" smtClean="0"/>
+              <a:t>numpy</a:t>
+            </a:r>
+            <a:r>
+              <a:rPr lang="zh-TW" altLang="en-US" dirty="0" smtClean="0"/>
+              <a:t>數組一樣做轉置：</a:t>
             </a:r>
             <a:endParaRPr lang="zh-TW" altLang="en-US" dirty="0"/>
           </a:p>
@@ -5809,7 +5922,7 @@
       </p:sp>
       <p:pic>
         <p:nvPicPr>
-          <p:cNvPr id="7" name="圖片 6"/>
+          <p:cNvPr id="4" name="圖片 3"/>
           <p:cNvPicPr>
             <a:picLocks noChangeAspect="1"/>
           </p:cNvPicPr>
@@ -5823,56 +5936,8 @@
         </p:blipFill>
         <p:spPr>
           <a:xfrm>
-            <a:off x="838200" y="2296277"/>
-            <a:ext cx="2530642" cy="2309946"/>
-          </a:xfrm>
-          <a:prstGeom prst="rect">
-            <a:avLst/>
-          </a:prstGeom>
-        </p:spPr>
-      </p:pic>
-      <p:pic>
-        <p:nvPicPr>
-          <p:cNvPr id="8" name="圖片 7"/>
-          <p:cNvPicPr>
-            <a:picLocks noChangeAspect="1"/>
-          </p:cNvPicPr>
-          <p:nvPr/>
-        </p:nvPicPr>
-        <p:blipFill>
-          <a:blip r:embed="rId3"/>
-          <a:stretch>
-            <a:fillRect/>
-          </a:stretch>
-        </p:blipFill>
-        <p:spPr>
-          <a:xfrm>
-            <a:off x="3368842" y="2296277"/>
-            <a:ext cx="3055090" cy="2309946"/>
-          </a:xfrm>
-          <a:prstGeom prst="rect">
-            <a:avLst/>
-          </a:prstGeom>
-        </p:spPr>
-      </p:pic>
-      <p:pic>
-        <p:nvPicPr>
-          <p:cNvPr id="9" name="圖片 8"/>
-          <p:cNvPicPr>
-            <a:picLocks noChangeAspect="1"/>
-          </p:cNvPicPr>
-          <p:nvPr/>
-        </p:nvPicPr>
-        <p:blipFill>
-          <a:blip r:embed="rId4"/>
-          <a:stretch>
-            <a:fillRect/>
-          </a:stretch>
-        </p:blipFill>
-        <p:spPr>
-          <a:xfrm>
-            <a:off x="6423931" y="2305843"/>
-            <a:ext cx="2636389" cy="2300379"/>
+            <a:off x="838200" y="1788916"/>
+            <a:ext cx="8649236" cy="4387293"/>
           </a:xfrm>
           <a:prstGeom prst="rect">
             <a:avLst/>
@@ -5882,7 +5947,7 @@
     </p:spTree>
     <p:extLst>
       <p:ext uri="{BB962C8B-B14F-4D97-AF65-F5344CB8AC3E}">
-        <p14:creationId xmlns:p14="http://schemas.microsoft.com/office/powerpoint/2010/main" val="2346625316"/>
+        <p14:creationId xmlns:p14="http://schemas.microsoft.com/office/powerpoint/2010/main" val="3074208046"/>
       </p:ext>
     </p:extLst>
   </p:cSld>
@@ -5921,14 +5986,16 @@
         </p:nvSpPr>
         <p:spPr/>
         <p:txBody>
-          <a:bodyPr/>
-          <a:lstStyle/>
-          <a:p>
-            <a:r>
-              <a:rPr lang="en-US" altLang="zh-TW" b="1" dirty="0" smtClean="0"/>
-              <a:t>Series</a:t>
-            </a:r>
-            <a:endParaRPr lang="zh-TW" altLang="en-US" dirty="0"/>
+          <a:bodyPr>
+            <a:normAutofit/>
+          </a:bodyPr>
+          <a:lstStyle/>
+          <a:p>
+            <a:r>
+              <a:rPr lang="en-US" altLang="zh-TW" b="1" dirty="0" err="1"/>
+              <a:t>DataFrame</a:t>
+            </a:r>
+            <a:endParaRPr lang="en-US" altLang="zh-TW" b="1" dirty="0"/>
           </a:p>
         </p:txBody>
       </p:sp>
@@ -5942,49 +6009,21 @@
             <p:ph idx="1"/>
           </p:nvPr>
         </p:nvSpPr>
-        <p:spPr/>
-        <p:txBody>
-          <a:bodyPr/>
+        <p:spPr>
+          <a:xfrm>
+            <a:off x="838200" y="1344362"/>
+            <a:ext cx="10515600" cy="4351338"/>
+          </a:xfrm>
+        </p:spPr>
+        <p:txBody>
+          <a:bodyPr>
+            <a:normAutofit/>
+          </a:bodyPr>
           <a:lstStyle/>
           <a:p>
             <a:r>
               <a:rPr lang="zh-TW" altLang="en-US" dirty="0"/>
-              <a:t>這個</a:t>
-            </a:r>
-            <a:r>
-              <a:rPr lang="en-US" altLang="zh-TW" dirty="0"/>
-              <a:t>Data alignment features</a:t>
-            </a:r>
-            <a:r>
-              <a:rPr lang="zh-TW" altLang="en-US" dirty="0"/>
-              <a:t>（數據對齊特色）和數據庫中的</a:t>
-            </a:r>
-            <a:r>
-              <a:rPr lang="en-US" altLang="zh-TW" dirty="0"/>
-              <a:t>join</a:t>
-            </a:r>
-            <a:r>
-              <a:rPr lang="zh-TW" altLang="en-US" dirty="0"/>
-              <a:t>相似</a:t>
-            </a:r>
-            <a:r>
-              <a:rPr lang="zh-TW" altLang="en-US" dirty="0" smtClean="0"/>
-              <a:t>。</a:t>
-            </a:r>
-            <a:endParaRPr lang="en-US" altLang="zh-TW" dirty="0" smtClean="0"/>
-          </a:p>
-          <a:p>
-            <a:r>
-              <a:rPr lang="en-US" altLang="zh-TW" dirty="0" smtClean="0"/>
-              <a:t>series</a:t>
-            </a:r>
-            <a:r>
-              <a:rPr lang="zh-TW" altLang="en-US" dirty="0" smtClean="0"/>
-              <a:t>自身</a:t>
-            </a:r>
-            <a:r>
-              <a:rPr lang="zh-TW" altLang="en-US" dirty="0"/>
-              <a:t>和它的</a:t>
+              <a:t>指定</a:t>
             </a:r>
             <a:r>
               <a:rPr lang="en-US" altLang="zh-TW" dirty="0"/>
@@ -5992,31 +6031,344 @@
             </a:r>
             <a:r>
               <a:rPr lang="zh-TW" altLang="en-US" dirty="0"/>
-              <a:t>都有一個叫</a:t>
-            </a:r>
+              <a:t>：</a:t>
+            </a:r>
+          </a:p>
+          <a:p>
             <a:r>
               <a:rPr lang="en-US" altLang="zh-TW" dirty="0"/>
-              <a:t>name</a:t>
-            </a:r>
-            <a:r>
-              <a:rPr lang="zh-TW" altLang="en-US" dirty="0"/>
-              <a:t>的屬性，這個能和其他</a:t>
-            </a:r>
-            <a:r>
+              <a:t/>
+            </a:r>
+            <a:br>
               <a:rPr lang="en-US" altLang="zh-TW" dirty="0"/>
-              <a:t>pandas</a:t>
-            </a:r>
-            <a:r>
-              <a:rPr lang="zh-TW" altLang="en-US" dirty="0"/>
-              <a:t>的函數進行整合：</a:t>
-            </a:r>
-          </a:p>
-        </p:txBody>
-      </p:sp>
+            </a:br>
+            <a:endParaRPr lang="zh-TW" altLang="en-US" dirty="0"/>
+          </a:p>
+        </p:txBody>
+      </p:sp>
+      <p:pic>
+        <p:nvPicPr>
+          <p:cNvPr id="5" name="圖片 4"/>
+          <p:cNvPicPr>
+            <a:picLocks noChangeAspect="1"/>
+          </p:cNvPicPr>
+          <p:nvPr/>
+        </p:nvPicPr>
+        <p:blipFill>
+          <a:blip r:embed="rId2"/>
+          <a:stretch>
+            <a:fillRect/>
+          </a:stretch>
+        </p:blipFill>
+        <p:spPr>
+          <a:xfrm>
+            <a:off x="705853" y="1877591"/>
+            <a:ext cx="6383504" cy="3284880"/>
+          </a:xfrm>
+          <a:prstGeom prst="rect">
+            <a:avLst/>
+          </a:prstGeom>
+        </p:spPr>
+      </p:pic>
     </p:spTree>
     <p:extLst>
       <p:ext uri="{BB962C8B-B14F-4D97-AF65-F5344CB8AC3E}">
-        <p14:creationId xmlns:p14="http://schemas.microsoft.com/office/powerpoint/2010/main" val="4030162185"/>
+        <p14:creationId xmlns:p14="http://schemas.microsoft.com/office/powerpoint/2010/main" val="2890642547"/>
+      </p:ext>
+    </p:extLst>
+  </p:cSld>
+  <p:clrMapOvr>
+    <a:masterClrMapping/>
+  </p:clrMapOvr>
+</p:sld>
+</file>
+
+<file path=ppt/slides/slide28.xml><?xml version="1.0" encoding="utf-8"?>
+<p:sld xmlns:a="http://schemas.openxmlformats.org/drawingml/2006/main" xmlns:r="http://schemas.openxmlformats.org/officeDocument/2006/relationships" xmlns:p="http://schemas.openxmlformats.org/presentationml/2006/main">
+  <p:cSld>
+    <p:spTree>
+      <p:nvGrpSpPr>
+        <p:cNvPr id="1" name=""/>
+        <p:cNvGrpSpPr/>
+        <p:nvPr/>
+      </p:nvGrpSpPr>
+      <p:grpSpPr>
+        <a:xfrm>
+          <a:off x="0" y="0"/>
+          <a:ext cx="0" cy="0"/>
+          <a:chOff x="0" y="0"/>
+          <a:chExt cx="0" cy="0"/>
+        </a:xfrm>
+      </p:grpSpPr>
+      <p:sp>
+        <p:nvSpPr>
+          <p:cNvPr id="2" name="標題 1"/>
+          <p:cNvSpPr>
+            <a:spLocks noGrp="1"/>
+          </p:cNvSpPr>
+          <p:nvPr>
+            <p:ph type="title"/>
+          </p:nvPr>
+        </p:nvSpPr>
+        <p:spPr/>
+        <p:txBody>
+          <a:bodyPr>
+            <a:normAutofit/>
+          </a:bodyPr>
+          <a:lstStyle/>
+          <a:p>
+            <a:r>
+              <a:rPr lang="en-US" altLang="zh-TW" b="1" dirty="0" err="1"/>
+              <a:t>DataFrame</a:t>
+            </a:r>
+            <a:endParaRPr lang="en-US" altLang="zh-TW" b="1" dirty="0"/>
+          </a:p>
+        </p:txBody>
+      </p:sp>
+      <p:sp>
+        <p:nvSpPr>
+          <p:cNvPr id="3" name="內容版面配置區 2"/>
+          <p:cNvSpPr>
+            <a:spLocks noGrp="1"/>
+          </p:cNvSpPr>
+          <p:nvPr>
+            <p:ph idx="1"/>
+          </p:nvPr>
+        </p:nvSpPr>
+        <p:spPr>
+          <a:xfrm>
+            <a:off x="838200" y="1344362"/>
+            <a:ext cx="10515600" cy="4351338"/>
+          </a:xfrm>
+        </p:spPr>
+        <p:txBody>
+          <a:bodyPr>
+            <a:normAutofit/>
+          </a:bodyPr>
+          <a:lstStyle/>
+          <a:p>
+            <a:r>
+              <a:rPr lang="en-US" altLang="zh-TW" dirty="0"/>
+              <a:t>series</a:t>
+            </a:r>
+            <a:r>
+              <a:rPr lang="zh-TW" altLang="en-US" dirty="0"/>
+              <a:t>组成的</a:t>
+            </a:r>
+            <a:r>
+              <a:rPr lang="en-US" altLang="zh-TW" dirty="0" err="1"/>
+              <a:t>dict</a:t>
+            </a:r>
+            <a:r>
+              <a:rPr lang="zh-TW" altLang="en-US" dirty="0"/>
+              <a:t>：</a:t>
+            </a:r>
+          </a:p>
+          <a:p>
+            <a:pPr marL="0" indent="0">
+              <a:buNone/>
+            </a:pPr>
+            <a:r>
+              <a:rPr lang="en-US" altLang="zh-TW" dirty="0"/>
+              <a:t/>
+            </a:r>
+            <a:br>
+              <a:rPr lang="en-US" altLang="zh-TW" dirty="0"/>
+            </a:br>
+            <a:r>
+              <a:rPr lang="en-US" altLang="zh-TW" dirty="0"/>
+              <a:t/>
+            </a:r>
+            <a:br>
+              <a:rPr lang="en-US" altLang="zh-TW" dirty="0"/>
+            </a:br>
+            <a:endParaRPr lang="zh-TW" altLang="en-US" dirty="0"/>
+          </a:p>
+        </p:txBody>
+      </p:sp>
+      <p:pic>
+        <p:nvPicPr>
+          <p:cNvPr id="4" name="圖片 3"/>
+          <p:cNvPicPr>
+            <a:picLocks noChangeAspect="1"/>
+          </p:cNvPicPr>
+          <p:nvPr/>
+        </p:nvPicPr>
+        <p:blipFill>
+          <a:blip r:embed="rId2"/>
+          <a:stretch>
+            <a:fillRect/>
+          </a:stretch>
+        </p:blipFill>
+        <p:spPr>
+          <a:xfrm>
+            <a:off x="838199" y="1914567"/>
+            <a:ext cx="7752273" cy="3781133"/>
+          </a:xfrm>
+          <a:prstGeom prst="rect">
+            <a:avLst/>
+          </a:prstGeom>
+        </p:spPr>
+      </p:pic>
+    </p:spTree>
+    <p:extLst>
+      <p:ext uri="{BB962C8B-B14F-4D97-AF65-F5344CB8AC3E}">
+        <p14:creationId xmlns:p14="http://schemas.microsoft.com/office/powerpoint/2010/main" val="1140070684"/>
+      </p:ext>
+    </p:extLst>
+  </p:cSld>
+  <p:clrMapOvr>
+    <a:masterClrMapping/>
+  </p:clrMapOvr>
+</p:sld>
+</file>
+
+<file path=ppt/slides/slide29.xml><?xml version="1.0" encoding="utf-8"?>
+<p:sld xmlns:a="http://schemas.openxmlformats.org/drawingml/2006/main" xmlns:r="http://schemas.openxmlformats.org/officeDocument/2006/relationships" xmlns:p="http://schemas.openxmlformats.org/presentationml/2006/main">
+  <p:cSld>
+    <p:spTree>
+      <p:nvGrpSpPr>
+        <p:cNvPr id="1" name=""/>
+        <p:cNvGrpSpPr/>
+        <p:nvPr/>
+      </p:nvGrpSpPr>
+      <p:grpSpPr>
+        <a:xfrm>
+          <a:off x="0" y="0"/>
+          <a:ext cx="0" cy="0"/>
+          <a:chOff x="0" y="0"/>
+          <a:chExt cx="0" cy="0"/>
+        </a:xfrm>
+      </p:grpSpPr>
+      <p:sp>
+        <p:nvSpPr>
+          <p:cNvPr id="2" name="標題 1"/>
+          <p:cNvSpPr>
+            <a:spLocks noGrp="1"/>
+          </p:cNvSpPr>
+          <p:nvPr>
+            <p:ph type="title"/>
+          </p:nvPr>
+        </p:nvSpPr>
+        <p:spPr/>
+        <p:txBody>
+          <a:bodyPr>
+            <a:normAutofit/>
+          </a:bodyPr>
+          <a:lstStyle/>
+          <a:p>
+            <a:r>
+              <a:rPr lang="en-US" altLang="zh-TW" b="1" dirty="0" err="1"/>
+              <a:t>DataFrame</a:t>
+            </a:r>
+            <a:endParaRPr lang="en-US" altLang="zh-TW" b="1" dirty="0"/>
+          </a:p>
+        </p:txBody>
+      </p:sp>
+      <p:sp>
+        <p:nvSpPr>
+          <p:cNvPr id="3" name="內容版面配置區 2"/>
+          <p:cNvSpPr>
+            <a:spLocks noGrp="1"/>
+          </p:cNvSpPr>
+          <p:nvPr>
+            <p:ph idx="1"/>
+          </p:nvPr>
+        </p:nvSpPr>
+        <p:spPr>
+          <a:xfrm>
+            <a:off x="838200" y="1344362"/>
+            <a:ext cx="10515600" cy="4351338"/>
+          </a:xfrm>
+        </p:spPr>
+        <p:txBody>
+          <a:bodyPr>
+            <a:normAutofit/>
+          </a:bodyPr>
+          <a:lstStyle/>
+          <a:p>
+            <a:r>
+              <a:rPr lang="zh-TW" altLang="en-US" dirty="0" smtClean="0"/>
+              <a:t>如果</a:t>
+            </a:r>
+            <a:r>
+              <a:rPr lang="en-US" altLang="zh-TW" dirty="0" err="1" smtClean="0"/>
+              <a:t>DataFrame</a:t>
+            </a:r>
+            <a:r>
+              <a:rPr lang="zh-TW" altLang="en-US" dirty="0" smtClean="0"/>
+              <a:t>的</a:t>
+            </a:r>
+            <a:r>
+              <a:rPr lang="en-US" altLang="zh-TW" dirty="0" smtClean="0"/>
+              <a:t>index</a:t>
+            </a:r>
+            <a:r>
+              <a:rPr lang="zh-TW" altLang="en-US" dirty="0" smtClean="0"/>
+              <a:t>和</a:t>
+            </a:r>
+            <a:r>
+              <a:rPr lang="en-US" altLang="zh-TW" dirty="0" smtClean="0"/>
+              <a:t>column</a:t>
+            </a:r>
+            <a:r>
+              <a:rPr lang="zh-TW" altLang="en-US" dirty="0" smtClean="0"/>
+              <a:t>有自己的</a:t>
+            </a:r>
+            <a:r>
+              <a:rPr lang="en-US" altLang="zh-TW" dirty="0" smtClean="0"/>
+              <a:t>name</a:t>
+            </a:r>
+            <a:r>
+              <a:rPr lang="zh-TW" altLang="en-US" dirty="0" smtClean="0"/>
+              <a:t>屬性，也會被顯示：</a:t>
+            </a:r>
+            <a:r>
+              <a:rPr lang="en-US" altLang="zh-TW" dirty="0"/>
+              <a:t/>
+            </a:r>
+            <a:br>
+              <a:rPr lang="en-US" altLang="zh-TW" dirty="0"/>
+            </a:br>
+            <a:r>
+              <a:rPr lang="en-US" altLang="zh-TW" dirty="0"/>
+              <a:t/>
+            </a:r>
+            <a:br>
+              <a:rPr lang="en-US" altLang="zh-TW" dirty="0"/>
+            </a:br>
+            <a:endParaRPr lang="zh-TW" altLang="en-US" dirty="0"/>
+          </a:p>
+        </p:txBody>
+      </p:sp>
+      <p:pic>
+        <p:nvPicPr>
+          <p:cNvPr id="5" name="圖片 4"/>
+          <p:cNvPicPr>
+            <a:picLocks noChangeAspect="1"/>
+          </p:cNvPicPr>
+          <p:nvPr/>
+        </p:nvPicPr>
+        <p:blipFill>
+          <a:blip r:embed="rId2"/>
+          <a:stretch>
+            <a:fillRect/>
+          </a:stretch>
+        </p:blipFill>
+        <p:spPr>
+          <a:xfrm>
+            <a:off x="1339041" y="1937965"/>
+            <a:ext cx="9513918" cy="4736972"/>
+          </a:xfrm>
+          <a:prstGeom prst="rect">
+            <a:avLst/>
+          </a:prstGeom>
+        </p:spPr>
+      </p:pic>
+    </p:spTree>
+    <p:extLst>
+      <p:ext uri="{BB962C8B-B14F-4D97-AF65-F5344CB8AC3E}">
+        <p14:creationId xmlns:p14="http://schemas.microsoft.com/office/powerpoint/2010/main" val="3305449041"/>
       </p:ext>
     </p:extLst>
   </p:cSld>
@@ -6200,6 +6552,1444 @@
 </p:sld>
 </file>
 
+<file path=ppt/slides/slide30.xml><?xml version="1.0" encoding="utf-8"?>
+<p:sld xmlns:a="http://schemas.openxmlformats.org/drawingml/2006/main" xmlns:r="http://schemas.openxmlformats.org/officeDocument/2006/relationships" xmlns:p="http://schemas.openxmlformats.org/presentationml/2006/main">
+  <p:cSld>
+    <p:spTree>
+      <p:nvGrpSpPr>
+        <p:cNvPr id="1" name=""/>
+        <p:cNvGrpSpPr/>
+        <p:nvPr/>
+      </p:nvGrpSpPr>
+      <p:grpSpPr>
+        <a:xfrm>
+          <a:off x="0" y="0"/>
+          <a:ext cx="0" cy="0"/>
+          <a:chOff x="0" y="0"/>
+          <a:chExt cx="0" cy="0"/>
+        </a:xfrm>
+      </p:grpSpPr>
+      <p:sp>
+        <p:nvSpPr>
+          <p:cNvPr id="2" name="標題 1"/>
+          <p:cNvSpPr>
+            <a:spLocks noGrp="1"/>
+          </p:cNvSpPr>
+          <p:nvPr>
+            <p:ph type="title"/>
+          </p:nvPr>
+        </p:nvSpPr>
+        <p:spPr/>
+        <p:txBody>
+          <a:bodyPr>
+            <a:normAutofit/>
+          </a:bodyPr>
+          <a:lstStyle/>
+          <a:p>
+            <a:r>
+              <a:rPr lang="en-US" altLang="zh-TW" b="1" dirty="0" err="1"/>
+              <a:t>DataFrame</a:t>
+            </a:r>
+            <a:endParaRPr lang="en-US" altLang="zh-TW" b="1" dirty="0"/>
+          </a:p>
+        </p:txBody>
+      </p:sp>
+      <p:sp>
+        <p:nvSpPr>
+          <p:cNvPr id="3" name="內容版面配置區 2"/>
+          <p:cNvSpPr>
+            <a:spLocks noGrp="1"/>
+          </p:cNvSpPr>
+          <p:nvPr>
+            <p:ph idx="1"/>
+          </p:nvPr>
+        </p:nvSpPr>
+        <p:spPr>
+          <a:xfrm>
+            <a:off x="838200" y="1344362"/>
+            <a:ext cx="10515600" cy="4351338"/>
+          </a:xfrm>
+        </p:spPr>
+        <p:txBody>
+          <a:bodyPr>
+            <a:normAutofit/>
+          </a:bodyPr>
+          <a:lstStyle/>
+          <a:p>
+            <a:r>
+              <a:rPr lang="en-US" altLang="zh-TW" dirty="0" smtClean="0"/>
+              <a:t>values</a:t>
+            </a:r>
+            <a:r>
+              <a:rPr lang="zh-TW" altLang="en-US" dirty="0" smtClean="0"/>
+              <a:t>屬性會返回二維數組：</a:t>
+            </a:r>
+            <a:r>
+              <a:rPr lang="zh-CN" altLang="en-US" dirty="0"/>
+              <a:t/>
+            </a:r>
+            <a:br>
+              <a:rPr lang="zh-CN" altLang="en-US" dirty="0"/>
+            </a:br>
+            <a:endParaRPr lang="zh-TW" altLang="en-US" dirty="0"/>
+          </a:p>
+        </p:txBody>
+      </p:sp>
+      <p:pic>
+        <p:nvPicPr>
+          <p:cNvPr id="4" name="圖片 3"/>
+          <p:cNvPicPr>
+            <a:picLocks noChangeAspect="1"/>
+          </p:cNvPicPr>
+          <p:nvPr/>
+        </p:nvPicPr>
+        <p:blipFill>
+          <a:blip r:embed="rId2"/>
+          <a:stretch>
+            <a:fillRect/>
+          </a:stretch>
+        </p:blipFill>
+        <p:spPr>
+          <a:xfrm>
+            <a:off x="992103" y="1897981"/>
+            <a:ext cx="7113239" cy="4005513"/>
+          </a:xfrm>
+          <a:prstGeom prst="rect">
+            <a:avLst/>
+          </a:prstGeom>
+        </p:spPr>
+      </p:pic>
+    </p:spTree>
+    <p:extLst>
+      <p:ext uri="{BB962C8B-B14F-4D97-AF65-F5344CB8AC3E}">
+        <p14:creationId xmlns:p14="http://schemas.microsoft.com/office/powerpoint/2010/main" val="278588331"/>
+      </p:ext>
+    </p:extLst>
+  </p:cSld>
+  <p:clrMapOvr>
+    <a:masterClrMapping/>
+  </p:clrMapOvr>
+</p:sld>
+</file>
+
+<file path=ppt/slides/slide31.xml><?xml version="1.0" encoding="utf-8"?>
+<p:sld xmlns:a="http://schemas.openxmlformats.org/drawingml/2006/main" xmlns:r="http://schemas.openxmlformats.org/officeDocument/2006/relationships" xmlns:p="http://schemas.openxmlformats.org/presentationml/2006/main">
+  <p:cSld>
+    <p:spTree>
+      <p:nvGrpSpPr>
+        <p:cNvPr id="1" name=""/>
+        <p:cNvGrpSpPr/>
+        <p:nvPr/>
+      </p:nvGrpSpPr>
+      <p:grpSpPr>
+        <a:xfrm>
+          <a:off x="0" y="0"/>
+          <a:ext cx="0" cy="0"/>
+          <a:chOff x="0" y="0"/>
+          <a:chExt cx="0" cy="0"/>
+        </a:xfrm>
+      </p:grpSpPr>
+      <p:sp>
+        <p:nvSpPr>
+          <p:cNvPr id="2" name="標題 1"/>
+          <p:cNvSpPr>
+            <a:spLocks noGrp="1"/>
+          </p:cNvSpPr>
+          <p:nvPr>
+            <p:ph type="title"/>
+          </p:nvPr>
+        </p:nvSpPr>
+        <p:spPr/>
+        <p:txBody>
+          <a:bodyPr>
+            <a:normAutofit/>
+          </a:bodyPr>
+          <a:lstStyle/>
+          <a:p>
+            <a:r>
+              <a:rPr lang="en-US" altLang="zh-TW" b="1" dirty="0" err="1"/>
+              <a:t>DataFrame</a:t>
+            </a:r>
+            <a:endParaRPr lang="en-US" altLang="zh-TW" b="1" dirty="0"/>
+          </a:p>
+        </p:txBody>
+      </p:sp>
+      <p:sp>
+        <p:nvSpPr>
+          <p:cNvPr id="3" name="內容版面配置區 2"/>
+          <p:cNvSpPr>
+            <a:spLocks noGrp="1"/>
+          </p:cNvSpPr>
+          <p:nvPr>
+            <p:ph idx="1"/>
+          </p:nvPr>
+        </p:nvSpPr>
+        <p:spPr>
+          <a:xfrm>
+            <a:off x="838200" y="1344362"/>
+            <a:ext cx="10515600" cy="4351338"/>
+          </a:xfrm>
+        </p:spPr>
+        <p:txBody>
+          <a:bodyPr>
+            <a:normAutofit/>
+          </a:bodyPr>
+          <a:lstStyle/>
+          <a:p>
+            <a:r>
+              <a:rPr lang="zh-TW" altLang="en-US" dirty="0" smtClean="0"/>
+              <a:t>如果</a:t>
+            </a:r>
+            <a:r>
+              <a:rPr lang="en-US" altLang="zh-TW" dirty="0" smtClean="0"/>
+              <a:t>column</a:t>
+            </a:r>
+            <a:r>
+              <a:rPr lang="zh-TW" altLang="en-US" dirty="0" smtClean="0"/>
+              <a:t>有不同的類型，</a:t>
+            </a:r>
+            <a:r>
+              <a:rPr lang="en-US" altLang="zh-TW" dirty="0" err="1" smtClean="0"/>
+              <a:t>dtype</a:t>
+            </a:r>
+            <a:r>
+              <a:rPr lang="zh-TW" altLang="en-US" dirty="0" smtClean="0"/>
+              <a:t>會適應所有的列：</a:t>
+            </a:r>
+            <a:endParaRPr lang="zh-TW" altLang="en-US" dirty="0"/>
+          </a:p>
+        </p:txBody>
+      </p:sp>
+      <p:pic>
+        <p:nvPicPr>
+          <p:cNvPr id="5" name="圖片 4"/>
+          <p:cNvPicPr>
+            <a:picLocks noChangeAspect="1"/>
+          </p:cNvPicPr>
+          <p:nvPr/>
+        </p:nvPicPr>
+        <p:blipFill>
+          <a:blip r:embed="rId2"/>
+          <a:stretch>
+            <a:fillRect/>
+          </a:stretch>
+        </p:blipFill>
+        <p:spPr>
+          <a:xfrm>
+            <a:off x="838200" y="1865062"/>
+            <a:ext cx="9528931" cy="4118643"/>
+          </a:xfrm>
+          <a:prstGeom prst="rect">
+            <a:avLst/>
+          </a:prstGeom>
+        </p:spPr>
+      </p:pic>
+    </p:spTree>
+    <p:extLst>
+      <p:ext uri="{BB962C8B-B14F-4D97-AF65-F5344CB8AC3E}">
+        <p14:creationId xmlns:p14="http://schemas.microsoft.com/office/powerpoint/2010/main" val="1318313413"/>
+      </p:ext>
+    </p:extLst>
+  </p:cSld>
+  <p:clrMapOvr>
+    <a:masterClrMapping/>
+  </p:clrMapOvr>
+</p:sld>
+</file>
+
+<file path=ppt/slides/slide32.xml><?xml version="1.0" encoding="utf-8"?>
+<p:sld xmlns:a="http://schemas.openxmlformats.org/drawingml/2006/main" xmlns:r="http://schemas.openxmlformats.org/officeDocument/2006/relationships" xmlns:p="http://schemas.openxmlformats.org/presentationml/2006/main">
+  <p:cSld>
+    <p:spTree>
+      <p:nvGrpSpPr>
+        <p:cNvPr id="1" name=""/>
+        <p:cNvGrpSpPr/>
+        <p:nvPr/>
+      </p:nvGrpSpPr>
+      <p:grpSpPr>
+        <a:xfrm>
+          <a:off x="0" y="0"/>
+          <a:ext cx="0" cy="0"/>
+          <a:chOff x="0" y="0"/>
+          <a:chExt cx="0" cy="0"/>
+        </a:xfrm>
+      </p:grpSpPr>
+      <p:sp>
+        <p:nvSpPr>
+          <p:cNvPr id="2" name="標題 1"/>
+          <p:cNvSpPr>
+            <a:spLocks noGrp="1"/>
+          </p:cNvSpPr>
+          <p:nvPr>
+            <p:ph type="title"/>
+          </p:nvPr>
+        </p:nvSpPr>
+        <p:spPr/>
+        <p:txBody>
+          <a:bodyPr>
+            <a:normAutofit/>
+          </a:bodyPr>
+          <a:lstStyle/>
+          <a:p>
+            <a:r>
+              <a:rPr lang="en-US" altLang="zh-TW" b="1" dirty="0"/>
+              <a:t>Index Objects (</a:t>
+            </a:r>
+            <a:r>
+              <a:rPr lang="zh-TW" altLang="en-US" b="1" dirty="0" smtClean="0"/>
+              <a:t>索引對象</a:t>
+            </a:r>
+            <a:r>
+              <a:rPr lang="en-US" altLang="zh-TW" b="1" dirty="0"/>
+              <a:t>)</a:t>
+            </a:r>
+          </a:p>
+        </p:txBody>
+      </p:sp>
+      <p:sp>
+        <p:nvSpPr>
+          <p:cNvPr id="3" name="內容版面配置區 2"/>
+          <p:cNvSpPr>
+            <a:spLocks noGrp="1"/>
+          </p:cNvSpPr>
+          <p:nvPr>
+            <p:ph idx="1"/>
+          </p:nvPr>
+        </p:nvSpPr>
+        <p:spPr>
+          <a:xfrm>
+            <a:off x="838200" y="1690688"/>
+            <a:ext cx="10515600" cy="4351338"/>
+          </a:xfrm>
+        </p:spPr>
+        <p:txBody>
+          <a:bodyPr>
+            <a:normAutofit/>
+          </a:bodyPr>
+          <a:lstStyle/>
+          <a:p>
+            <a:r>
+              <a:rPr lang="en-US" altLang="zh-TW" dirty="0" smtClean="0"/>
+              <a:t>pandas</a:t>
+            </a:r>
+            <a:r>
+              <a:rPr lang="zh-TW" altLang="en-US" dirty="0" smtClean="0"/>
+              <a:t>的</a:t>
+            </a:r>
+            <a:r>
+              <a:rPr lang="en-US" altLang="zh-TW" dirty="0" smtClean="0"/>
+              <a:t>Index Objects (</a:t>
+            </a:r>
+            <a:r>
+              <a:rPr lang="zh-TW" altLang="en-US" dirty="0" smtClean="0"/>
+              <a:t>索引對象</a:t>
+            </a:r>
+            <a:r>
+              <a:rPr lang="en-US" altLang="zh-TW" dirty="0" smtClean="0"/>
+              <a:t>)</a:t>
+            </a:r>
+            <a:r>
+              <a:rPr lang="zh-TW" altLang="en-US" dirty="0" smtClean="0"/>
+              <a:t>負責保存</a:t>
+            </a:r>
+            <a:r>
+              <a:rPr lang="en-US" altLang="zh-TW" dirty="0" smtClean="0"/>
+              <a:t>axis labels</a:t>
+            </a:r>
+            <a:r>
+              <a:rPr lang="zh-TW" altLang="en-US" dirty="0" smtClean="0"/>
+              <a:t>和其他一些數據（比如</a:t>
+            </a:r>
+            <a:r>
+              <a:rPr lang="en-US" altLang="zh-TW" dirty="0" smtClean="0"/>
+              <a:t>axis name</a:t>
+            </a:r>
+            <a:r>
+              <a:rPr lang="zh-TW" altLang="en-US" dirty="0" smtClean="0"/>
+              <a:t>或</a:t>
+            </a:r>
+            <a:r>
+              <a:rPr lang="en-US" altLang="zh-TW" dirty="0" smtClean="0"/>
+              <a:t>names</a:t>
+            </a:r>
+            <a:r>
+              <a:rPr lang="zh-TW" altLang="en-US" dirty="0" smtClean="0"/>
+              <a:t>）。一個數組或其他一個序列標籤，只要被用來做構建</a:t>
+            </a:r>
+            <a:r>
+              <a:rPr lang="en-US" altLang="zh-TW" dirty="0" smtClean="0"/>
+              <a:t>series</a:t>
+            </a:r>
+            <a:r>
+              <a:rPr lang="zh-TW" altLang="en-US" dirty="0" smtClean="0"/>
+              <a:t>或</a:t>
+            </a:r>
+            <a:r>
+              <a:rPr lang="en-US" altLang="zh-TW" dirty="0" err="1" smtClean="0"/>
+              <a:t>DataFrame</a:t>
+            </a:r>
+            <a:r>
+              <a:rPr lang="zh-TW" altLang="en-US" dirty="0" smtClean="0"/>
+              <a:t>，就會被自動轉變為</a:t>
+            </a:r>
+            <a:r>
+              <a:rPr lang="en-US" altLang="zh-TW" dirty="0" smtClean="0"/>
+              <a:t>index</a:t>
+            </a:r>
+            <a:r>
+              <a:rPr lang="zh-TW" altLang="en-US" dirty="0" smtClean="0"/>
+              <a:t>：</a:t>
+            </a:r>
+            <a:endParaRPr lang="zh-TW" altLang="en-US" dirty="0"/>
+          </a:p>
+        </p:txBody>
+      </p:sp>
+      <p:pic>
+        <p:nvPicPr>
+          <p:cNvPr id="4" name="圖片 3"/>
+          <p:cNvPicPr>
+            <a:picLocks noChangeAspect="1"/>
+          </p:cNvPicPr>
+          <p:nvPr/>
+        </p:nvPicPr>
+        <p:blipFill>
+          <a:blip r:embed="rId2"/>
+          <a:stretch>
+            <a:fillRect/>
+          </a:stretch>
+        </p:blipFill>
+        <p:spPr>
+          <a:xfrm>
+            <a:off x="838200" y="3016252"/>
+            <a:ext cx="10742124" cy="1732212"/>
+          </a:xfrm>
+          <a:prstGeom prst="rect">
+            <a:avLst/>
+          </a:prstGeom>
+        </p:spPr>
+      </p:pic>
+      <p:pic>
+        <p:nvPicPr>
+          <p:cNvPr id="6" name="圖片 5"/>
+          <p:cNvPicPr>
+            <a:picLocks noChangeAspect="1"/>
+          </p:cNvPicPr>
+          <p:nvPr/>
+        </p:nvPicPr>
+        <p:blipFill>
+          <a:blip r:embed="rId3"/>
+          <a:stretch>
+            <a:fillRect/>
+          </a:stretch>
+        </p:blipFill>
+        <p:spPr>
+          <a:xfrm>
+            <a:off x="838200" y="4748464"/>
+            <a:ext cx="10742124" cy="1325564"/>
+          </a:xfrm>
+          <a:prstGeom prst="rect">
+            <a:avLst/>
+          </a:prstGeom>
+        </p:spPr>
+      </p:pic>
+    </p:spTree>
+    <p:extLst>
+      <p:ext uri="{BB962C8B-B14F-4D97-AF65-F5344CB8AC3E}">
+        <p14:creationId xmlns:p14="http://schemas.microsoft.com/office/powerpoint/2010/main" val="3455195688"/>
+      </p:ext>
+    </p:extLst>
+  </p:cSld>
+  <p:clrMapOvr>
+    <a:masterClrMapping/>
+  </p:clrMapOvr>
+</p:sld>
+</file>
+
+<file path=ppt/slides/slide33.xml><?xml version="1.0" encoding="utf-8"?>
+<p:sld xmlns:a="http://schemas.openxmlformats.org/drawingml/2006/main" xmlns:r="http://schemas.openxmlformats.org/officeDocument/2006/relationships" xmlns:p="http://schemas.openxmlformats.org/presentationml/2006/main">
+  <p:cSld>
+    <p:spTree>
+      <p:nvGrpSpPr>
+        <p:cNvPr id="1" name=""/>
+        <p:cNvGrpSpPr/>
+        <p:nvPr/>
+      </p:nvGrpSpPr>
+      <p:grpSpPr>
+        <a:xfrm>
+          <a:off x="0" y="0"/>
+          <a:ext cx="0" cy="0"/>
+          <a:chOff x="0" y="0"/>
+          <a:chExt cx="0" cy="0"/>
+        </a:xfrm>
+      </p:grpSpPr>
+      <p:sp>
+        <p:nvSpPr>
+          <p:cNvPr id="2" name="標題 1"/>
+          <p:cNvSpPr>
+            <a:spLocks noGrp="1"/>
+          </p:cNvSpPr>
+          <p:nvPr>
+            <p:ph type="title"/>
+          </p:nvPr>
+        </p:nvSpPr>
+        <p:spPr/>
+        <p:txBody>
+          <a:bodyPr>
+            <a:normAutofit/>
+          </a:bodyPr>
+          <a:lstStyle/>
+          <a:p>
+            <a:r>
+              <a:rPr lang="en-US" altLang="zh-TW" b="1" dirty="0"/>
+              <a:t>Index Objects (</a:t>
+            </a:r>
+            <a:r>
+              <a:rPr lang="zh-TW" altLang="en-US" b="1" dirty="0" smtClean="0"/>
+              <a:t>索引對象</a:t>
+            </a:r>
+            <a:r>
+              <a:rPr lang="en-US" altLang="zh-TW" b="1" dirty="0"/>
+              <a:t>)</a:t>
+            </a:r>
+          </a:p>
+        </p:txBody>
+      </p:sp>
+      <p:sp>
+        <p:nvSpPr>
+          <p:cNvPr id="3" name="內容版面配置區 2"/>
+          <p:cNvSpPr>
+            <a:spLocks noGrp="1"/>
+          </p:cNvSpPr>
+          <p:nvPr>
+            <p:ph idx="1"/>
+          </p:nvPr>
+        </p:nvSpPr>
+        <p:spPr>
+          <a:xfrm>
+            <a:off x="838200" y="1690688"/>
+            <a:ext cx="10515600" cy="4351338"/>
+          </a:xfrm>
+        </p:spPr>
+        <p:txBody>
+          <a:bodyPr>
+            <a:normAutofit/>
+          </a:bodyPr>
+          <a:lstStyle/>
+          <a:p>
+            <a:r>
+              <a:rPr lang="en-US" altLang="zh-TW" dirty="0"/>
+              <a:t>index object</a:t>
+            </a:r>
+            <a:r>
+              <a:rPr lang="zh-TW" altLang="en-US" dirty="0"/>
+              <a:t>是不可更改的</a:t>
+            </a:r>
+            <a:r>
+              <a:rPr lang="zh-TW" altLang="en-US" dirty="0" smtClean="0"/>
+              <a:t>：</a:t>
+            </a:r>
+            <a:endParaRPr lang="zh-TW" altLang="en-US" dirty="0"/>
+          </a:p>
+        </p:txBody>
+      </p:sp>
+      <p:pic>
+        <p:nvPicPr>
+          <p:cNvPr id="5" name="圖片 4"/>
+          <p:cNvPicPr>
+            <a:picLocks noChangeAspect="1"/>
+          </p:cNvPicPr>
+          <p:nvPr/>
+        </p:nvPicPr>
+        <p:blipFill>
+          <a:blip r:embed="rId2"/>
+          <a:stretch>
+            <a:fillRect/>
+          </a:stretch>
+        </p:blipFill>
+        <p:spPr>
+          <a:xfrm>
+            <a:off x="838200" y="2285206"/>
+            <a:ext cx="9244943" cy="3756819"/>
+          </a:xfrm>
+          <a:prstGeom prst="rect">
+            <a:avLst/>
+          </a:prstGeom>
+        </p:spPr>
+      </p:pic>
+      <p:sp>
+        <p:nvSpPr>
+          <p:cNvPr id="7" name="文字方塊 6"/>
+          <p:cNvSpPr txBox="1"/>
+          <p:nvPr/>
+        </p:nvSpPr>
+        <p:spPr>
+          <a:xfrm>
+            <a:off x="0" y="-4207"/>
+            <a:ext cx="734496" cy="369332"/>
+          </a:xfrm>
+          <a:prstGeom prst="rect">
+            <a:avLst/>
+          </a:prstGeom>
+          <a:noFill/>
+        </p:spPr>
+        <p:txBody>
+          <a:bodyPr wrap="none" rtlCol="0">
+            <a:spAutoFit/>
+          </a:bodyPr>
+          <a:lstStyle/>
+          <a:p>
+            <a:r>
+              <a:rPr lang="en-US" altLang="zh-TW" dirty="0" smtClean="0"/>
+              <a:t>in[67]</a:t>
+            </a:r>
+            <a:endParaRPr lang="zh-TW" altLang="en-US" dirty="0"/>
+          </a:p>
+        </p:txBody>
+      </p:sp>
+    </p:spTree>
+    <p:extLst>
+      <p:ext uri="{BB962C8B-B14F-4D97-AF65-F5344CB8AC3E}">
+        <p14:creationId xmlns:p14="http://schemas.microsoft.com/office/powerpoint/2010/main" val="3591977141"/>
+      </p:ext>
+    </p:extLst>
+  </p:cSld>
+  <p:clrMapOvr>
+    <a:masterClrMapping/>
+  </p:clrMapOvr>
+</p:sld>
+</file>
+
+<file path=ppt/slides/slide34.xml><?xml version="1.0" encoding="utf-8"?>
+<p:sld xmlns:a="http://schemas.openxmlformats.org/drawingml/2006/main" xmlns:r="http://schemas.openxmlformats.org/officeDocument/2006/relationships" xmlns:p="http://schemas.openxmlformats.org/presentationml/2006/main">
+  <p:cSld>
+    <p:spTree>
+      <p:nvGrpSpPr>
+        <p:cNvPr id="1" name=""/>
+        <p:cNvGrpSpPr/>
+        <p:nvPr/>
+      </p:nvGrpSpPr>
+      <p:grpSpPr>
+        <a:xfrm>
+          <a:off x="0" y="0"/>
+          <a:ext cx="0" cy="0"/>
+          <a:chOff x="0" y="0"/>
+          <a:chExt cx="0" cy="0"/>
+        </a:xfrm>
+      </p:grpSpPr>
+      <p:sp>
+        <p:nvSpPr>
+          <p:cNvPr id="2" name="標題 1"/>
+          <p:cNvSpPr>
+            <a:spLocks noGrp="1"/>
+          </p:cNvSpPr>
+          <p:nvPr>
+            <p:ph type="title"/>
+          </p:nvPr>
+        </p:nvSpPr>
+        <p:spPr/>
+        <p:txBody>
+          <a:bodyPr>
+            <a:normAutofit/>
+          </a:bodyPr>
+          <a:lstStyle/>
+          <a:p>
+            <a:r>
+              <a:rPr lang="en-US" altLang="zh-TW" b="1" dirty="0" err="1"/>
+              <a:t>DataFrame</a:t>
+            </a:r>
+            <a:r>
+              <a:rPr lang="zh-TW" altLang="en-US" b="1" dirty="0"/>
+              <a:t>的運算 </a:t>
+            </a:r>
+            <a:r>
+              <a:rPr lang="en-US" altLang="zh-TW" b="1" dirty="0"/>
+              <a:t>see CHAPTER 5 Getting Started with </a:t>
+            </a:r>
+            <a:r>
+              <a:rPr lang="en-US" altLang="zh-TW" b="1" dirty="0" smtClean="0"/>
+              <a:t>pandas</a:t>
+            </a:r>
+            <a:endParaRPr lang="zh-TW" altLang="en-US" dirty="0"/>
+          </a:p>
+        </p:txBody>
+      </p:sp>
+      <p:sp>
+        <p:nvSpPr>
+          <p:cNvPr id="3" name="內容版面配置區 2"/>
+          <p:cNvSpPr>
+            <a:spLocks noGrp="1"/>
+          </p:cNvSpPr>
+          <p:nvPr>
+            <p:ph idx="1"/>
+          </p:nvPr>
+        </p:nvSpPr>
+        <p:spPr/>
+        <p:txBody>
+          <a:bodyPr/>
+          <a:lstStyle/>
+          <a:p>
+            <a:r>
+              <a:rPr lang="zh-TW" altLang="en-US" dirty="0"/>
+              <a:t>建立</a:t>
+            </a:r>
+            <a:r>
+              <a:rPr lang="en-US" altLang="zh-TW" dirty="0" err="1"/>
+              <a:t>DataFrame</a:t>
+            </a:r>
+            <a:endParaRPr lang="en-US" altLang="zh-TW" dirty="0"/>
+          </a:p>
+          <a:p>
+            <a:pPr lvl="1"/>
+            <a:r>
+              <a:rPr lang="zh-TW" altLang="en-US" dirty="0"/>
+              <a:t>使用</a:t>
+            </a:r>
+            <a:r>
+              <a:rPr lang="en-US" altLang="zh-TW" dirty="0"/>
+              <a:t>pandas.Series()</a:t>
+            </a:r>
+          </a:p>
+          <a:p>
+            <a:pPr lvl="1"/>
+            <a:r>
+              <a:rPr lang="zh-TW" altLang="en-US" dirty="0"/>
+              <a:t>使用字典資料型態傳入</a:t>
+            </a:r>
+            <a:r>
+              <a:rPr lang="en-US" altLang="zh-TW" dirty="0"/>
+              <a:t>pandas.Series()</a:t>
+            </a:r>
+          </a:p>
+          <a:p>
+            <a:r>
+              <a:rPr lang="zh-TW" altLang="en-US" dirty="0"/>
+              <a:t>搜尋滿足條件的</a:t>
+            </a:r>
+            <a:r>
+              <a:rPr lang="zh-TW" altLang="en-US" dirty="0" smtClean="0"/>
+              <a:t>資料</a:t>
+            </a:r>
+            <a:endParaRPr lang="zh-TW" altLang="en-US" dirty="0"/>
+          </a:p>
+        </p:txBody>
+      </p:sp>
+    </p:spTree>
+    <p:extLst>
+      <p:ext uri="{BB962C8B-B14F-4D97-AF65-F5344CB8AC3E}">
+        <p14:creationId xmlns:p14="http://schemas.microsoft.com/office/powerpoint/2010/main" val="1590657661"/>
+      </p:ext>
+    </p:extLst>
+  </p:cSld>
+  <p:clrMapOvr>
+    <a:masterClrMapping/>
+  </p:clrMapOvr>
+</p:sld>
+</file>
+
+<file path=ppt/slides/slide35.xml><?xml version="1.0" encoding="utf-8"?>
+<p:sld xmlns:a="http://schemas.openxmlformats.org/drawingml/2006/main" xmlns:r="http://schemas.openxmlformats.org/officeDocument/2006/relationships" xmlns:p="http://schemas.openxmlformats.org/presentationml/2006/main">
+  <p:cSld>
+    <p:spTree>
+      <p:nvGrpSpPr>
+        <p:cNvPr id="1" name=""/>
+        <p:cNvGrpSpPr/>
+        <p:nvPr/>
+      </p:nvGrpSpPr>
+      <p:grpSpPr>
+        <a:xfrm>
+          <a:off x="0" y="0"/>
+          <a:ext cx="0" cy="0"/>
+          <a:chOff x="0" y="0"/>
+          <a:chExt cx="0" cy="0"/>
+        </a:xfrm>
+      </p:grpSpPr>
+      <p:sp>
+        <p:nvSpPr>
+          <p:cNvPr id="2" name="標題 1"/>
+          <p:cNvSpPr>
+            <a:spLocks noGrp="1"/>
+          </p:cNvSpPr>
+          <p:nvPr>
+            <p:ph type="title"/>
+          </p:nvPr>
+        </p:nvSpPr>
+        <p:spPr/>
+        <p:txBody>
+          <a:bodyPr>
+            <a:normAutofit/>
+          </a:bodyPr>
+          <a:lstStyle/>
+          <a:p>
+            <a:r>
+              <a:rPr lang="en-US" altLang="zh-TW" b="1" dirty="0"/>
+              <a:t>pandas_20220311 pandas</a:t>
+            </a:r>
+            <a:r>
+              <a:rPr lang="zh-TW" altLang="en-US" b="1" dirty="0"/>
+              <a:t>資料匯入與資料清理</a:t>
+            </a:r>
+            <a:r>
+              <a:rPr lang="en-US" altLang="zh-TW" b="1" dirty="0"/>
+              <a:t>(Data cleaning)</a:t>
+            </a:r>
+          </a:p>
+        </p:txBody>
+      </p:sp>
+      <p:pic>
+        <p:nvPicPr>
+          <p:cNvPr id="5" name="內容版面配置區 4"/>
+          <p:cNvPicPr>
+            <a:picLocks noGrp="1" noChangeAspect="1"/>
+          </p:cNvPicPr>
+          <p:nvPr>
+            <p:ph idx="1"/>
+          </p:nvPr>
+        </p:nvPicPr>
+        <p:blipFill>
+          <a:blip r:embed="rId2"/>
+          <a:stretch>
+            <a:fillRect/>
+          </a:stretch>
+        </p:blipFill>
+        <p:spPr>
+          <a:xfrm>
+            <a:off x="950495" y="3820525"/>
+            <a:ext cx="6044234" cy="1585663"/>
+          </a:xfrm>
+          <a:prstGeom prst="rect">
+            <a:avLst/>
+          </a:prstGeom>
+        </p:spPr>
+      </p:pic>
+      <p:pic>
+        <p:nvPicPr>
+          <p:cNvPr id="4" name="圖片 3"/>
+          <p:cNvPicPr>
+            <a:picLocks noChangeAspect="1"/>
+          </p:cNvPicPr>
+          <p:nvPr/>
+        </p:nvPicPr>
+        <p:blipFill>
+          <a:blip r:embed="rId3"/>
+          <a:stretch>
+            <a:fillRect/>
+          </a:stretch>
+        </p:blipFill>
+        <p:spPr>
+          <a:xfrm>
+            <a:off x="838200" y="1558005"/>
+            <a:ext cx="10515600" cy="2238375"/>
+          </a:xfrm>
+          <a:prstGeom prst="rect">
+            <a:avLst/>
+          </a:prstGeom>
+        </p:spPr>
+      </p:pic>
+      <p:pic>
+        <p:nvPicPr>
+          <p:cNvPr id="6" name="圖片 5"/>
+          <p:cNvPicPr>
+            <a:picLocks noChangeAspect="1"/>
+          </p:cNvPicPr>
+          <p:nvPr/>
+        </p:nvPicPr>
+        <p:blipFill>
+          <a:blip r:embed="rId4"/>
+          <a:stretch>
+            <a:fillRect/>
+          </a:stretch>
+        </p:blipFill>
+        <p:spPr>
+          <a:xfrm>
+            <a:off x="7000875" y="3796380"/>
+            <a:ext cx="4352925" cy="2457450"/>
+          </a:xfrm>
+          <a:prstGeom prst="rect">
+            <a:avLst/>
+          </a:prstGeom>
+        </p:spPr>
+      </p:pic>
+    </p:spTree>
+    <p:extLst>
+      <p:ext uri="{BB962C8B-B14F-4D97-AF65-F5344CB8AC3E}">
+        <p14:creationId xmlns:p14="http://schemas.microsoft.com/office/powerpoint/2010/main" val="391507262"/>
+      </p:ext>
+    </p:extLst>
+  </p:cSld>
+  <p:clrMapOvr>
+    <a:masterClrMapping/>
+  </p:clrMapOvr>
+</p:sld>
+</file>
+
+<file path=ppt/slides/slide36.xml><?xml version="1.0" encoding="utf-8"?>
+<p:sld xmlns:a="http://schemas.openxmlformats.org/drawingml/2006/main" xmlns:r="http://schemas.openxmlformats.org/officeDocument/2006/relationships" xmlns:p="http://schemas.openxmlformats.org/presentationml/2006/main">
+  <p:cSld>
+    <p:spTree>
+      <p:nvGrpSpPr>
+        <p:cNvPr id="1" name=""/>
+        <p:cNvGrpSpPr/>
+        <p:nvPr/>
+      </p:nvGrpSpPr>
+      <p:grpSpPr>
+        <a:xfrm>
+          <a:off x="0" y="0"/>
+          <a:ext cx="0" cy="0"/>
+          <a:chOff x="0" y="0"/>
+          <a:chExt cx="0" cy="0"/>
+        </a:xfrm>
+      </p:grpSpPr>
+      <p:sp>
+        <p:nvSpPr>
+          <p:cNvPr id="2" name="標題 1"/>
+          <p:cNvSpPr>
+            <a:spLocks noGrp="1"/>
+          </p:cNvSpPr>
+          <p:nvPr>
+            <p:ph type="title"/>
+          </p:nvPr>
+        </p:nvSpPr>
+        <p:spPr/>
+        <p:txBody>
+          <a:bodyPr/>
+          <a:lstStyle/>
+          <a:p>
+            <a:r>
+              <a:rPr lang="en-US" altLang="zh-TW" b="1" dirty="0" smtClean="0"/>
+              <a:t>Series</a:t>
+            </a:r>
+            <a:endParaRPr lang="zh-TW" altLang="en-US" dirty="0"/>
+          </a:p>
+        </p:txBody>
+      </p:sp>
+      <p:sp>
+        <p:nvSpPr>
+          <p:cNvPr id="3" name="內容版面配置區 2"/>
+          <p:cNvSpPr>
+            <a:spLocks noGrp="1"/>
+          </p:cNvSpPr>
+          <p:nvPr>
+            <p:ph idx="1"/>
+          </p:nvPr>
+        </p:nvSpPr>
+        <p:spPr/>
+        <p:txBody>
+          <a:bodyPr/>
+          <a:lstStyle/>
+          <a:p>
+            <a:r>
+              <a:rPr lang="zh-TW" altLang="en-US" dirty="0"/>
+              <a:t>這裡</a:t>
+            </a:r>
+            <a:r>
+              <a:rPr lang="en-US" altLang="zh-TW" dirty="0"/>
+              <a:t>series</a:t>
+            </a:r>
+            <a:r>
+              <a:rPr lang="zh-TW" altLang="en-US" dirty="0"/>
+              <a:t>我就不翻譯成序列了，因為之前的所有筆記裡，我都是把</a:t>
+            </a:r>
+            <a:r>
+              <a:rPr lang="en-US" altLang="zh-TW" dirty="0"/>
+              <a:t>sequence</a:t>
+            </a:r>
+            <a:r>
+              <a:rPr lang="zh-TW" altLang="en-US" dirty="0"/>
+              <a:t>翻譯成序列的</a:t>
+            </a:r>
+            <a:r>
+              <a:rPr lang="zh-TW" altLang="en-US" dirty="0" smtClean="0"/>
+              <a:t>。</a:t>
+            </a:r>
+            <a:endParaRPr lang="zh-TW" altLang="en-US" dirty="0"/>
+          </a:p>
+          <a:p>
+            <a:r>
+              <a:rPr lang="en-US" altLang="zh-TW" dirty="0"/>
+              <a:t>series</a:t>
+            </a:r>
+            <a:r>
+              <a:rPr lang="zh-TW" altLang="en-US" dirty="0"/>
+              <a:t>是一個像數組一樣的一維序列，並伴有一個數組表示</a:t>
+            </a:r>
+            <a:r>
+              <a:rPr lang="en-US" altLang="zh-TW" dirty="0"/>
+              <a:t>label</a:t>
+            </a:r>
+            <a:r>
+              <a:rPr lang="zh-TW" altLang="en-US" dirty="0"/>
+              <a:t>，叫做</a:t>
+            </a:r>
+            <a:r>
+              <a:rPr lang="en-US" altLang="zh-TW" dirty="0"/>
+              <a:t>index</a:t>
+            </a:r>
+            <a:r>
+              <a:rPr lang="zh-TW" altLang="en-US" dirty="0"/>
+              <a:t>。</a:t>
+            </a:r>
+          </a:p>
+        </p:txBody>
+      </p:sp>
+      <p:pic>
+        <p:nvPicPr>
+          <p:cNvPr id="4" name="圖片 3"/>
+          <p:cNvPicPr>
+            <a:picLocks noChangeAspect="1"/>
+          </p:cNvPicPr>
+          <p:nvPr/>
+        </p:nvPicPr>
+        <p:blipFill>
+          <a:blip r:embed="rId2"/>
+          <a:stretch>
+            <a:fillRect/>
+          </a:stretch>
+        </p:blipFill>
+        <p:spPr>
+          <a:xfrm>
+            <a:off x="838199" y="3702719"/>
+            <a:ext cx="7198895" cy="2760198"/>
+          </a:xfrm>
+          <a:prstGeom prst="rect">
+            <a:avLst/>
+          </a:prstGeom>
+        </p:spPr>
+      </p:pic>
+    </p:spTree>
+    <p:extLst>
+      <p:ext uri="{BB962C8B-B14F-4D97-AF65-F5344CB8AC3E}">
+        <p14:creationId xmlns:p14="http://schemas.microsoft.com/office/powerpoint/2010/main" val="738375968"/>
+      </p:ext>
+    </p:extLst>
+  </p:cSld>
+  <p:clrMapOvr>
+    <a:masterClrMapping/>
+  </p:clrMapOvr>
+</p:sld>
+</file>
+
+<file path=ppt/slides/slide37.xml><?xml version="1.0" encoding="utf-8"?>
+<p:sld xmlns:a="http://schemas.openxmlformats.org/drawingml/2006/main" xmlns:r="http://schemas.openxmlformats.org/officeDocument/2006/relationships" xmlns:p="http://schemas.openxmlformats.org/presentationml/2006/main">
+  <p:cSld>
+    <p:spTree>
+      <p:nvGrpSpPr>
+        <p:cNvPr id="1" name=""/>
+        <p:cNvGrpSpPr/>
+        <p:nvPr/>
+      </p:nvGrpSpPr>
+      <p:grpSpPr>
+        <a:xfrm>
+          <a:off x="0" y="0"/>
+          <a:ext cx="0" cy="0"/>
+          <a:chOff x="0" y="0"/>
+          <a:chExt cx="0" cy="0"/>
+        </a:xfrm>
+      </p:grpSpPr>
+      <p:sp>
+        <p:nvSpPr>
+          <p:cNvPr id="2" name="標題 1"/>
+          <p:cNvSpPr>
+            <a:spLocks noGrp="1"/>
+          </p:cNvSpPr>
+          <p:nvPr>
+            <p:ph type="title"/>
+          </p:nvPr>
+        </p:nvSpPr>
+        <p:spPr/>
+        <p:txBody>
+          <a:bodyPr/>
+          <a:lstStyle/>
+          <a:p>
+            <a:r>
+              <a:rPr lang="en-US" altLang="zh-TW" b="1" dirty="0" smtClean="0"/>
+              <a:t>Series</a:t>
+            </a:r>
+            <a:endParaRPr lang="zh-TW" altLang="en-US" dirty="0"/>
+          </a:p>
+        </p:txBody>
+      </p:sp>
+      <p:sp>
+        <p:nvSpPr>
+          <p:cNvPr id="3" name="內容版面配置區 2"/>
+          <p:cNvSpPr>
+            <a:spLocks noGrp="1"/>
+          </p:cNvSpPr>
+          <p:nvPr>
+            <p:ph idx="1"/>
+          </p:nvPr>
+        </p:nvSpPr>
+        <p:spPr/>
+        <p:txBody>
+          <a:bodyPr/>
+          <a:lstStyle/>
+          <a:p>
+            <a:r>
+              <a:rPr lang="zh-TW" altLang="en-US" dirty="0"/>
+              <a:t>可以看到，左邊表示</a:t>
+            </a:r>
+            <a:r>
+              <a:rPr lang="en-US" altLang="zh-TW" dirty="0"/>
+              <a:t>index</a:t>
+            </a:r>
+            <a:r>
+              <a:rPr lang="zh-TW" altLang="en-US" dirty="0"/>
+              <a:t>，右邊表示對應的</a:t>
+            </a:r>
+            <a:r>
+              <a:rPr lang="en-US" altLang="zh-TW" dirty="0"/>
+              <a:t>value</a:t>
+            </a:r>
+            <a:r>
+              <a:rPr lang="zh-TW" altLang="en-US" dirty="0"/>
+              <a:t>。可以通過</a:t>
+            </a:r>
+            <a:r>
+              <a:rPr lang="en-US" altLang="zh-TW" dirty="0"/>
+              <a:t>value</a:t>
+            </a:r>
+            <a:r>
+              <a:rPr lang="zh-TW" altLang="en-US" dirty="0"/>
+              <a:t>和</a:t>
+            </a:r>
+            <a:r>
+              <a:rPr lang="en-US" altLang="zh-TW" dirty="0"/>
+              <a:t>index</a:t>
+            </a:r>
+            <a:r>
+              <a:rPr lang="zh-TW" altLang="en-US" dirty="0"/>
+              <a:t>屬性查看</a:t>
+            </a:r>
+          </a:p>
+        </p:txBody>
+      </p:sp>
+      <p:pic>
+        <p:nvPicPr>
+          <p:cNvPr id="5" name="圖片 4"/>
+          <p:cNvPicPr>
+            <a:picLocks noChangeAspect="1"/>
+          </p:cNvPicPr>
+          <p:nvPr/>
+        </p:nvPicPr>
+        <p:blipFill>
+          <a:blip r:embed="rId2"/>
+          <a:stretch>
+            <a:fillRect/>
+          </a:stretch>
+        </p:blipFill>
+        <p:spPr>
+          <a:xfrm>
+            <a:off x="838200" y="2809873"/>
+            <a:ext cx="10279139" cy="2660483"/>
+          </a:xfrm>
+          <a:prstGeom prst="rect">
+            <a:avLst/>
+          </a:prstGeom>
+        </p:spPr>
+      </p:pic>
+    </p:spTree>
+    <p:extLst>
+      <p:ext uri="{BB962C8B-B14F-4D97-AF65-F5344CB8AC3E}">
+        <p14:creationId xmlns:p14="http://schemas.microsoft.com/office/powerpoint/2010/main" val="1799888401"/>
+      </p:ext>
+    </p:extLst>
+  </p:cSld>
+  <p:clrMapOvr>
+    <a:masterClrMapping/>
+  </p:clrMapOvr>
+</p:sld>
+</file>
+
+<file path=ppt/slides/slide38.xml><?xml version="1.0" encoding="utf-8"?>
+<p:sld xmlns:a="http://schemas.openxmlformats.org/drawingml/2006/main" xmlns:r="http://schemas.openxmlformats.org/officeDocument/2006/relationships" xmlns:p="http://schemas.openxmlformats.org/presentationml/2006/main">
+  <p:cSld>
+    <p:spTree>
+      <p:nvGrpSpPr>
+        <p:cNvPr id="1" name=""/>
+        <p:cNvGrpSpPr/>
+        <p:nvPr/>
+      </p:nvGrpSpPr>
+      <p:grpSpPr>
+        <a:xfrm>
+          <a:off x="0" y="0"/>
+          <a:ext cx="0" cy="0"/>
+          <a:chOff x="0" y="0"/>
+          <a:chExt cx="0" cy="0"/>
+        </a:xfrm>
+      </p:grpSpPr>
+      <p:sp>
+        <p:nvSpPr>
+          <p:cNvPr id="2" name="標題 1"/>
+          <p:cNvSpPr>
+            <a:spLocks noGrp="1"/>
+          </p:cNvSpPr>
+          <p:nvPr>
+            <p:ph type="title"/>
+          </p:nvPr>
+        </p:nvSpPr>
+        <p:spPr/>
+        <p:txBody>
+          <a:bodyPr/>
+          <a:lstStyle/>
+          <a:p>
+            <a:r>
+              <a:rPr lang="en-US" altLang="zh-TW" b="1" dirty="0" smtClean="0"/>
+              <a:t>Series</a:t>
+            </a:r>
+            <a:endParaRPr lang="zh-TW" altLang="en-US" dirty="0"/>
+          </a:p>
+        </p:txBody>
+      </p:sp>
+      <p:sp>
+        <p:nvSpPr>
+          <p:cNvPr id="3" name="內容版面配置區 2"/>
+          <p:cNvSpPr>
+            <a:spLocks noGrp="1"/>
+          </p:cNvSpPr>
+          <p:nvPr>
+            <p:ph idx="1"/>
+          </p:nvPr>
+        </p:nvSpPr>
+        <p:spPr/>
+        <p:txBody>
+          <a:bodyPr/>
+          <a:lstStyle/>
+          <a:p>
+            <a:r>
+              <a:rPr lang="zh-TW" altLang="en-US" dirty="0"/>
+              <a:t>可以看到，左邊表示</a:t>
+            </a:r>
+            <a:r>
+              <a:rPr lang="en-US" altLang="zh-TW" dirty="0"/>
+              <a:t>index</a:t>
+            </a:r>
+            <a:r>
+              <a:rPr lang="zh-TW" altLang="en-US" dirty="0"/>
+              <a:t>，右邊表示對應的</a:t>
+            </a:r>
+            <a:r>
+              <a:rPr lang="en-US" altLang="zh-TW" dirty="0"/>
+              <a:t>value</a:t>
+            </a:r>
+            <a:r>
+              <a:rPr lang="zh-TW" altLang="en-US" dirty="0"/>
+              <a:t>。可以通過</a:t>
+            </a:r>
+            <a:r>
+              <a:rPr lang="en-US" altLang="zh-TW" dirty="0"/>
+              <a:t>value</a:t>
+            </a:r>
+            <a:r>
+              <a:rPr lang="zh-TW" altLang="en-US" dirty="0"/>
+              <a:t>和</a:t>
+            </a:r>
+            <a:r>
+              <a:rPr lang="en-US" altLang="zh-TW" dirty="0"/>
+              <a:t>index</a:t>
+            </a:r>
+            <a:r>
+              <a:rPr lang="zh-TW" altLang="en-US" dirty="0"/>
+              <a:t>屬性查看</a:t>
+            </a:r>
+          </a:p>
+        </p:txBody>
+      </p:sp>
+      <p:pic>
+        <p:nvPicPr>
+          <p:cNvPr id="5" name="圖片 4"/>
+          <p:cNvPicPr>
+            <a:picLocks noChangeAspect="1"/>
+          </p:cNvPicPr>
+          <p:nvPr/>
+        </p:nvPicPr>
+        <p:blipFill>
+          <a:blip r:embed="rId2"/>
+          <a:stretch>
+            <a:fillRect/>
+          </a:stretch>
+        </p:blipFill>
+        <p:spPr>
+          <a:xfrm>
+            <a:off x="838200" y="2809873"/>
+            <a:ext cx="6701589" cy="1734529"/>
+          </a:xfrm>
+          <a:prstGeom prst="rect">
+            <a:avLst/>
+          </a:prstGeom>
+        </p:spPr>
+      </p:pic>
+      <p:pic>
+        <p:nvPicPr>
+          <p:cNvPr id="4" name="圖片 3"/>
+          <p:cNvPicPr>
+            <a:picLocks noChangeAspect="1"/>
+          </p:cNvPicPr>
+          <p:nvPr/>
+        </p:nvPicPr>
+        <p:blipFill>
+          <a:blip r:embed="rId3"/>
+          <a:stretch>
+            <a:fillRect/>
+          </a:stretch>
+        </p:blipFill>
+        <p:spPr>
+          <a:xfrm>
+            <a:off x="838200" y="4544401"/>
+            <a:ext cx="6890149" cy="1455345"/>
+          </a:xfrm>
+          <a:prstGeom prst="rect">
+            <a:avLst/>
+          </a:prstGeom>
+        </p:spPr>
+      </p:pic>
+    </p:spTree>
+    <p:extLst>
+      <p:ext uri="{BB962C8B-B14F-4D97-AF65-F5344CB8AC3E}">
+        <p14:creationId xmlns:p14="http://schemas.microsoft.com/office/powerpoint/2010/main" val="2768710873"/>
+      </p:ext>
+    </p:extLst>
+  </p:cSld>
+  <p:clrMapOvr>
+    <a:masterClrMapping/>
+  </p:clrMapOvr>
+</p:sld>
+</file>
+
+<file path=ppt/slides/slide39.xml><?xml version="1.0" encoding="utf-8"?>
+<p:sld xmlns:a="http://schemas.openxmlformats.org/drawingml/2006/main" xmlns:r="http://schemas.openxmlformats.org/officeDocument/2006/relationships" xmlns:p="http://schemas.openxmlformats.org/presentationml/2006/main">
+  <p:cSld>
+    <p:spTree>
+      <p:nvGrpSpPr>
+        <p:cNvPr id="1" name=""/>
+        <p:cNvGrpSpPr/>
+        <p:nvPr/>
+      </p:nvGrpSpPr>
+      <p:grpSpPr>
+        <a:xfrm>
+          <a:off x="0" y="0"/>
+          <a:ext cx="0" cy="0"/>
+          <a:chOff x="0" y="0"/>
+          <a:chExt cx="0" cy="0"/>
+        </a:xfrm>
+      </p:grpSpPr>
+      <p:sp>
+        <p:nvSpPr>
+          <p:cNvPr id="2" name="標題 1"/>
+          <p:cNvSpPr>
+            <a:spLocks noGrp="1"/>
+          </p:cNvSpPr>
+          <p:nvPr>
+            <p:ph type="title"/>
+          </p:nvPr>
+        </p:nvSpPr>
+        <p:spPr/>
+        <p:txBody>
+          <a:bodyPr/>
+          <a:lstStyle/>
+          <a:p>
+            <a:r>
+              <a:rPr lang="en-US" altLang="zh-TW" b="1" dirty="0" smtClean="0"/>
+              <a:t>Series</a:t>
+            </a:r>
+            <a:endParaRPr lang="zh-TW" altLang="en-US" dirty="0"/>
+          </a:p>
+        </p:txBody>
+      </p:sp>
+      <p:sp>
+        <p:nvSpPr>
+          <p:cNvPr id="3" name="內容版面配置區 2"/>
+          <p:cNvSpPr>
+            <a:spLocks noGrp="1"/>
+          </p:cNvSpPr>
+          <p:nvPr>
+            <p:ph idx="1"/>
+          </p:nvPr>
+        </p:nvSpPr>
+        <p:spPr/>
+        <p:txBody>
+          <a:bodyPr/>
+          <a:lstStyle/>
+          <a:p>
+            <a:r>
+              <a:rPr lang="zh-TW" altLang="en-US" dirty="0"/>
+              <a:t>當然我們也可以自己指定</a:t>
+            </a:r>
+            <a:r>
+              <a:rPr lang="en-US" altLang="zh-TW" dirty="0"/>
+              <a:t>index</a:t>
+            </a:r>
+            <a:r>
+              <a:rPr lang="zh-TW" altLang="en-US" dirty="0"/>
+              <a:t>的</a:t>
+            </a:r>
+            <a:r>
+              <a:rPr lang="en-US" altLang="zh-TW" dirty="0"/>
+              <a:t>label</a:t>
+            </a:r>
+            <a:endParaRPr lang="zh-TW" altLang="en-US" dirty="0"/>
+          </a:p>
+        </p:txBody>
+      </p:sp>
+      <p:pic>
+        <p:nvPicPr>
+          <p:cNvPr id="6" name="圖片 5"/>
+          <p:cNvPicPr>
+            <a:picLocks noChangeAspect="1"/>
+          </p:cNvPicPr>
+          <p:nvPr/>
+        </p:nvPicPr>
+        <p:blipFill>
+          <a:blip r:embed="rId2"/>
+          <a:stretch>
+            <a:fillRect/>
+          </a:stretch>
+        </p:blipFill>
+        <p:spPr>
+          <a:xfrm>
+            <a:off x="838200" y="2382503"/>
+            <a:ext cx="10808068" cy="2767014"/>
+          </a:xfrm>
+          <a:prstGeom prst="rect">
+            <a:avLst/>
+          </a:prstGeom>
+        </p:spPr>
+      </p:pic>
+      <p:pic>
+        <p:nvPicPr>
+          <p:cNvPr id="7" name="圖片 6"/>
+          <p:cNvPicPr>
+            <a:picLocks noChangeAspect="1"/>
+          </p:cNvPicPr>
+          <p:nvPr/>
+        </p:nvPicPr>
+        <p:blipFill>
+          <a:blip r:embed="rId3"/>
+          <a:stretch>
+            <a:fillRect/>
+          </a:stretch>
+        </p:blipFill>
+        <p:spPr>
+          <a:xfrm>
+            <a:off x="838200" y="5117431"/>
+            <a:ext cx="10353487" cy="1443789"/>
+          </a:xfrm>
+          <a:prstGeom prst="rect">
+            <a:avLst/>
+          </a:prstGeom>
+        </p:spPr>
+      </p:pic>
+    </p:spTree>
+    <p:extLst>
+      <p:ext uri="{BB962C8B-B14F-4D97-AF65-F5344CB8AC3E}">
+        <p14:creationId xmlns:p14="http://schemas.microsoft.com/office/powerpoint/2010/main" val="1177460444"/>
+      </p:ext>
+    </p:extLst>
+  </p:cSld>
+  <p:clrMapOvr>
+    <a:masterClrMapping/>
+  </p:clrMapOvr>
+</p:sld>
+</file>
+
 <file path=ppt/slides/slide4.xml><?xml version="1.0" encoding="utf-8"?>
 <p:sld xmlns:a="http://schemas.openxmlformats.org/drawingml/2006/main" xmlns:r="http://schemas.openxmlformats.org/officeDocument/2006/relationships" xmlns:p="http://schemas.openxmlformats.org/presentationml/2006/main">
   <p:cSld>
@@ -6371,6 +8161,1444 @@
   <p:clrMapOvr>
     <a:masterClrMapping/>
   </p:clrMapOvr>
+</p:sld>
+</file>
+
+<file path=ppt/slides/slide40.xml><?xml version="1.0" encoding="utf-8"?>
+<p:sld xmlns:a="http://schemas.openxmlformats.org/drawingml/2006/main" xmlns:r="http://schemas.openxmlformats.org/officeDocument/2006/relationships" xmlns:p="http://schemas.openxmlformats.org/presentationml/2006/main">
+  <p:cSld>
+    <p:spTree>
+      <p:nvGrpSpPr>
+        <p:cNvPr id="1" name=""/>
+        <p:cNvGrpSpPr/>
+        <p:nvPr/>
+      </p:nvGrpSpPr>
+      <p:grpSpPr>
+        <a:xfrm>
+          <a:off x="0" y="0"/>
+          <a:ext cx="0" cy="0"/>
+          <a:chOff x="0" y="0"/>
+          <a:chExt cx="0" cy="0"/>
+        </a:xfrm>
+      </p:grpSpPr>
+      <p:sp>
+        <p:nvSpPr>
+          <p:cNvPr id="2" name="標題 1"/>
+          <p:cNvSpPr>
+            <a:spLocks noGrp="1"/>
+          </p:cNvSpPr>
+          <p:nvPr>
+            <p:ph type="title"/>
+          </p:nvPr>
+        </p:nvSpPr>
+        <p:spPr/>
+        <p:txBody>
+          <a:bodyPr/>
+          <a:lstStyle/>
+          <a:p>
+            <a:r>
+              <a:rPr lang="en-US" altLang="zh-TW" b="1" dirty="0" smtClean="0"/>
+              <a:t>Series</a:t>
+            </a:r>
+            <a:endParaRPr lang="zh-TW" altLang="en-US" dirty="0"/>
+          </a:p>
+        </p:txBody>
+      </p:sp>
+      <p:sp>
+        <p:nvSpPr>
+          <p:cNvPr id="3" name="內容版面配置區 2"/>
+          <p:cNvSpPr>
+            <a:spLocks noGrp="1"/>
+          </p:cNvSpPr>
+          <p:nvPr>
+            <p:ph idx="1"/>
+          </p:nvPr>
+        </p:nvSpPr>
+        <p:spPr/>
+        <p:txBody>
+          <a:bodyPr/>
+          <a:lstStyle/>
+          <a:p>
+            <a:r>
+              <a:rPr lang="zh-TW" altLang="en-US" dirty="0"/>
+              <a:t>可以用</a:t>
+            </a:r>
+            <a:r>
+              <a:rPr lang="en-US" altLang="zh-TW" dirty="0"/>
+              <a:t>index</a:t>
+            </a:r>
+            <a:r>
+              <a:rPr lang="zh-TW" altLang="en-US" dirty="0"/>
+              <a:t>的</a:t>
+            </a:r>
+            <a:r>
+              <a:rPr lang="en-US" altLang="zh-TW" dirty="0"/>
+              <a:t>label</a:t>
+            </a:r>
+            <a:r>
+              <a:rPr lang="zh-TW" altLang="en-US" dirty="0"/>
+              <a:t>來選擇</a:t>
+            </a:r>
+          </a:p>
+        </p:txBody>
+      </p:sp>
+      <p:pic>
+        <p:nvPicPr>
+          <p:cNvPr id="4" name="圖片 3"/>
+          <p:cNvPicPr>
+            <a:picLocks noChangeAspect="1"/>
+          </p:cNvPicPr>
+          <p:nvPr/>
+        </p:nvPicPr>
+        <p:blipFill>
+          <a:blip r:embed="rId2"/>
+          <a:stretch>
+            <a:fillRect/>
+          </a:stretch>
+        </p:blipFill>
+        <p:spPr>
+          <a:xfrm>
+            <a:off x="838200" y="2392779"/>
+            <a:ext cx="2594811" cy="1439139"/>
+          </a:xfrm>
+          <a:prstGeom prst="rect">
+            <a:avLst/>
+          </a:prstGeom>
+        </p:spPr>
+      </p:pic>
+      <p:pic>
+        <p:nvPicPr>
+          <p:cNvPr id="5" name="圖片 4"/>
+          <p:cNvPicPr>
+            <a:picLocks noChangeAspect="1"/>
+          </p:cNvPicPr>
+          <p:nvPr/>
+        </p:nvPicPr>
+        <p:blipFill>
+          <a:blip r:embed="rId3"/>
+          <a:stretch>
+            <a:fillRect/>
+          </a:stretch>
+        </p:blipFill>
+        <p:spPr>
+          <a:xfrm>
+            <a:off x="838200" y="3831918"/>
+            <a:ext cx="4022558" cy="2652429"/>
+          </a:xfrm>
+          <a:prstGeom prst="rect">
+            <a:avLst/>
+          </a:prstGeom>
+        </p:spPr>
+      </p:pic>
+      <p:sp>
+        <p:nvSpPr>
+          <p:cNvPr id="8" name="文字方塊 7"/>
+          <p:cNvSpPr txBox="1"/>
+          <p:nvPr/>
+        </p:nvSpPr>
+        <p:spPr>
+          <a:xfrm>
+            <a:off x="5021179" y="5992297"/>
+            <a:ext cx="7022115" cy="369332"/>
+          </a:xfrm>
+          <a:prstGeom prst="rect">
+            <a:avLst/>
+          </a:prstGeom>
+          <a:noFill/>
+        </p:spPr>
+        <p:txBody>
+          <a:bodyPr wrap="none" rtlCol="0">
+            <a:spAutoFit/>
+          </a:bodyPr>
+          <a:lstStyle/>
+          <a:p>
+            <a:r>
+              <a:rPr lang="zh-TW" altLang="en-US" dirty="0"/>
+              <a:t>這裡</a:t>
+            </a:r>
+            <a:r>
+              <a:rPr lang="en-US" altLang="zh-TW" dirty="0"/>
+              <a:t>['c', 'a', 'd']</a:t>
+            </a:r>
+            <a:r>
+              <a:rPr lang="zh-TW" altLang="en-US" dirty="0"/>
+              <a:t>其實被當做了索引，儘管這個索引是用</a:t>
+            </a:r>
+            <a:r>
+              <a:rPr lang="en-US" altLang="zh-TW" dirty="0"/>
+              <a:t>string</a:t>
+            </a:r>
+            <a:r>
+              <a:rPr lang="zh-TW" altLang="en-US" dirty="0"/>
+              <a:t>構成的。</a:t>
+            </a:r>
+          </a:p>
+        </p:txBody>
+      </p:sp>
+    </p:spTree>
+    <p:extLst>
+      <p:ext uri="{BB962C8B-B14F-4D97-AF65-F5344CB8AC3E}">
+        <p14:creationId xmlns:p14="http://schemas.microsoft.com/office/powerpoint/2010/main" val="1684417898"/>
+      </p:ext>
+    </p:extLst>
+  </p:cSld>
+  <p:clrMapOvr>
+    <a:masterClrMapping/>
+  </p:clrMapOvr>
+</p:sld>
+</file>
+
+<file path=ppt/slides/slide41.xml><?xml version="1.0" encoding="utf-8"?>
+<p:sld xmlns:a="http://schemas.openxmlformats.org/drawingml/2006/main" xmlns:r="http://schemas.openxmlformats.org/officeDocument/2006/relationships" xmlns:p="http://schemas.openxmlformats.org/presentationml/2006/main">
+  <p:cSld>
+    <p:spTree>
+      <p:nvGrpSpPr>
+        <p:cNvPr id="1" name=""/>
+        <p:cNvGrpSpPr/>
+        <p:nvPr/>
+      </p:nvGrpSpPr>
+      <p:grpSpPr>
+        <a:xfrm>
+          <a:off x="0" y="0"/>
+          <a:ext cx="0" cy="0"/>
+          <a:chOff x="0" y="0"/>
+          <a:chExt cx="0" cy="0"/>
+        </a:xfrm>
+      </p:grpSpPr>
+      <p:sp>
+        <p:nvSpPr>
+          <p:cNvPr id="2" name="標題 1"/>
+          <p:cNvSpPr>
+            <a:spLocks noGrp="1"/>
+          </p:cNvSpPr>
+          <p:nvPr>
+            <p:ph type="title"/>
+          </p:nvPr>
+        </p:nvSpPr>
+        <p:spPr/>
+        <p:txBody>
+          <a:bodyPr/>
+          <a:lstStyle/>
+          <a:p>
+            <a:r>
+              <a:rPr lang="en-US" altLang="zh-TW" b="1" dirty="0" smtClean="0"/>
+              <a:t>Series</a:t>
+            </a:r>
+            <a:endParaRPr lang="zh-TW" altLang="en-US" dirty="0"/>
+          </a:p>
+        </p:txBody>
+      </p:sp>
+      <p:sp>
+        <p:nvSpPr>
+          <p:cNvPr id="3" name="內容版面配置區 2"/>
+          <p:cNvSpPr>
+            <a:spLocks noGrp="1"/>
+          </p:cNvSpPr>
+          <p:nvPr>
+            <p:ph idx="1"/>
+          </p:nvPr>
+        </p:nvSpPr>
+        <p:spPr/>
+        <p:txBody>
+          <a:bodyPr/>
+          <a:lstStyle/>
+          <a:p>
+            <a:r>
+              <a:rPr lang="zh-TW" altLang="en-US" dirty="0"/>
+              <a:t>使用</a:t>
+            </a:r>
+            <a:r>
+              <a:rPr lang="en-US" altLang="zh-TW" dirty="0" err="1"/>
+              <a:t>numpy</a:t>
+            </a:r>
+            <a:r>
+              <a:rPr lang="zh-TW" altLang="en-US" dirty="0"/>
+              <a:t>函數或類似的操作，會保留</a:t>
+            </a:r>
+            <a:r>
+              <a:rPr lang="en-US" altLang="zh-TW" dirty="0"/>
+              <a:t>index-value</a:t>
+            </a:r>
+            <a:r>
+              <a:rPr lang="zh-TW" altLang="en-US" dirty="0"/>
+              <a:t>的關係：</a:t>
+            </a:r>
+          </a:p>
+        </p:txBody>
+      </p:sp>
+      <p:pic>
+        <p:nvPicPr>
+          <p:cNvPr id="6" name="圖片 5"/>
+          <p:cNvPicPr>
+            <a:picLocks noChangeAspect="1"/>
+          </p:cNvPicPr>
+          <p:nvPr/>
+        </p:nvPicPr>
+        <p:blipFill>
+          <a:blip r:embed="rId2"/>
+          <a:stretch>
+            <a:fillRect/>
+          </a:stretch>
+        </p:blipFill>
+        <p:spPr>
+          <a:xfrm>
+            <a:off x="838199" y="2362450"/>
+            <a:ext cx="2650001" cy="2049129"/>
+          </a:xfrm>
+          <a:prstGeom prst="rect">
+            <a:avLst/>
+          </a:prstGeom>
+        </p:spPr>
+      </p:pic>
+      <p:pic>
+        <p:nvPicPr>
+          <p:cNvPr id="7" name="圖片 6"/>
+          <p:cNvPicPr>
+            <a:picLocks noChangeAspect="1"/>
+          </p:cNvPicPr>
+          <p:nvPr/>
+        </p:nvPicPr>
+        <p:blipFill>
+          <a:blip r:embed="rId3"/>
+          <a:stretch>
+            <a:fillRect/>
+          </a:stretch>
+        </p:blipFill>
+        <p:spPr>
+          <a:xfrm>
+            <a:off x="3488200" y="2362449"/>
+            <a:ext cx="1645274" cy="2027213"/>
+          </a:xfrm>
+          <a:prstGeom prst="rect">
+            <a:avLst/>
+          </a:prstGeom>
+        </p:spPr>
+      </p:pic>
+      <p:pic>
+        <p:nvPicPr>
+          <p:cNvPr id="9" name="圖片 8"/>
+          <p:cNvPicPr>
+            <a:picLocks noChangeAspect="1"/>
+          </p:cNvPicPr>
+          <p:nvPr/>
+        </p:nvPicPr>
+        <p:blipFill>
+          <a:blip r:embed="rId4"/>
+          <a:stretch>
+            <a:fillRect/>
+          </a:stretch>
+        </p:blipFill>
+        <p:spPr>
+          <a:xfrm>
+            <a:off x="5133473" y="2340532"/>
+            <a:ext cx="2642299" cy="2049130"/>
+          </a:xfrm>
+          <a:prstGeom prst="rect">
+            <a:avLst/>
+          </a:prstGeom>
+        </p:spPr>
+      </p:pic>
+      <p:pic>
+        <p:nvPicPr>
+          <p:cNvPr id="10" name="圖片 9"/>
+          <p:cNvPicPr>
+            <a:picLocks noChangeAspect="1"/>
+          </p:cNvPicPr>
+          <p:nvPr/>
+        </p:nvPicPr>
+        <p:blipFill>
+          <a:blip r:embed="rId5"/>
+          <a:stretch>
+            <a:fillRect/>
+          </a:stretch>
+        </p:blipFill>
+        <p:spPr>
+          <a:xfrm>
+            <a:off x="772550" y="4389661"/>
+            <a:ext cx="2597230" cy="1529875"/>
+          </a:xfrm>
+          <a:prstGeom prst="rect">
+            <a:avLst/>
+          </a:prstGeom>
+        </p:spPr>
+      </p:pic>
+      <p:pic>
+        <p:nvPicPr>
+          <p:cNvPr id="11" name="圖片 10"/>
+          <p:cNvPicPr>
+            <a:picLocks noChangeAspect="1"/>
+          </p:cNvPicPr>
+          <p:nvPr/>
+        </p:nvPicPr>
+        <p:blipFill>
+          <a:blip r:embed="rId6"/>
+          <a:stretch>
+            <a:fillRect/>
+          </a:stretch>
+        </p:blipFill>
+        <p:spPr>
+          <a:xfrm>
+            <a:off x="3369779" y="4411578"/>
+            <a:ext cx="3129011" cy="1507957"/>
+          </a:xfrm>
+          <a:prstGeom prst="rect">
+            <a:avLst/>
+          </a:prstGeom>
+        </p:spPr>
+      </p:pic>
+    </p:spTree>
+    <p:extLst>
+      <p:ext uri="{BB962C8B-B14F-4D97-AF65-F5344CB8AC3E}">
+        <p14:creationId xmlns:p14="http://schemas.microsoft.com/office/powerpoint/2010/main" val="3130137375"/>
+      </p:ext>
+    </p:extLst>
+  </p:cSld>
+  <p:clrMapOvr>
+    <a:masterClrMapping/>
+  </p:clrMapOvr>
+</p:sld>
+</file>
+
+<file path=ppt/slides/slide42.xml><?xml version="1.0" encoding="utf-8"?>
+<p:sld xmlns:a="http://schemas.openxmlformats.org/drawingml/2006/main" xmlns:r="http://schemas.openxmlformats.org/officeDocument/2006/relationships" xmlns:p="http://schemas.openxmlformats.org/presentationml/2006/main">
+  <p:cSld>
+    <p:spTree>
+      <p:nvGrpSpPr>
+        <p:cNvPr id="1" name=""/>
+        <p:cNvGrpSpPr/>
+        <p:nvPr/>
+      </p:nvGrpSpPr>
+      <p:grpSpPr>
+        <a:xfrm>
+          <a:off x="0" y="0"/>
+          <a:ext cx="0" cy="0"/>
+          <a:chOff x="0" y="0"/>
+          <a:chExt cx="0" cy="0"/>
+        </a:xfrm>
+      </p:grpSpPr>
+      <p:sp>
+        <p:nvSpPr>
+          <p:cNvPr id="2" name="標題 1"/>
+          <p:cNvSpPr>
+            <a:spLocks noGrp="1"/>
+          </p:cNvSpPr>
+          <p:nvPr>
+            <p:ph type="title"/>
+          </p:nvPr>
+        </p:nvSpPr>
+        <p:spPr/>
+        <p:txBody>
+          <a:bodyPr/>
+          <a:lstStyle/>
+          <a:p>
+            <a:r>
+              <a:rPr lang="en-US" altLang="zh-TW" b="1" dirty="0" smtClean="0"/>
+              <a:t>Series</a:t>
+            </a:r>
+            <a:endParaRPr lang="zh-TW" altLang="en-US" dirty="0"/>
+          </a:p>
+        </p:txBody>
+      </p:sp>
+      <p:sp>
+        <p:nvSpPr>
+          <p:cNvPr id="3" name="內容版面配置區 2"/>
+          <p:cNvSpPr>
+            <a:spLocks noGrp="1"/>
+          </p:cNvSpPr>
+          <p:nvPr>
+            <p:ph idx="1"/>
+          </p:nvPr>
+        </p:nvSpPr>
+        <p:spPr/>
+        <p:txBody>
+          <a:bodyPr/>
+          <a:lstStyle/>
+          <a:p>
+            <a:r>
+              <a:rPr lang="zh-TW" altLang="en-US" dirty="0"/>
+              <a:t>還可以直接用現有的</a:t>
+            </a:r>
+            <a:r>
+              <a:rPr lang="en-US" altLang="zh-TW" dirty="0" err="1"/>
+              <a:t>dict</a:t>
+            </a:r>
+            <a:r>
+              <a:rPr lang="zh-TW" altLang="en-US" dirty="0"/>
+              <a:t>來創建</a:t>
+            </a:r>
+            <a:r>
+              <a:rPr lang="en-US" altLang="zh-TW" dirty="0"/>
+              <a:t>series</a:t>
+            </a:r>
+            <a:r>
+              <a:rPr lang="zh-TW" altLang="en-US" dirty="0"/>
+              <a:t>：</a:t>
+            </a:r>
+            <a:r>
+              <a:rPr lang="en-US" altLang="zh-TW" dirty="0"/>
+              <a:t/>
+            </a:r>
+            <a:br>
+              <a:rPr lang="en-US" altLang="zh-TW" dirty="0"/>
+            </a:br>
+            <a:endParaRPr lang="zh-TW" altLang="en-US" dirty="0"/>
+          </a:p>
+        </p:txBody>
+      </p:sp>
+      <p:pic>
+        <p:nvPicPr>
+          <p:cNvPr id="4" name="圖片 3"/>
+          <p:cNvPicPr>
+            <a:picLocks noChangeAspect="1"/>
+          </p:cNvPicPr>
+          <p:nvPr/>
+        </p:nvPicPr>
+        <p:blipFill>
+          <a:blip r:embed="rId2"/>
+          <a:stretch>
+            <a:fillRect/>
+          </a:stretch>
+        </p:blipFill>
+        <p:spPr>
+          <a:xfrm>
+            <a:off x="838200" y="2353469"/>
+            <a:ext cx="10393365" cy="3052720"/>
+          </a:xfrm>
+          <a:prstGeom prst="rect">
+            <a:avLst/>
+          </a:prstGeom>
+        </p:spPr>
+      </p:pic>
+    </p:spTree>
+    <p:extLst>
+      <p:ext uri="{BB962C8B-B14F-4D97-AF65-F5344CB8AC3E}">
+        <p14:creationId xmlns:p14="http://schemas.microsoft.com/office/powerpoint/2010/main" val="3691138906"/>
+      </p:ext>
+    </p:extLst>
+  </p:cSld>
+  <p:clrMapOvr>
+    <a:masterClrMapping/>
+  </p:clrMapOvr>
+</p:sld>
+</file>
+
+<file path=ppt/slides/slide43.xml><?xml version="1.0" encoding="utf-8"?>
+<p:sld xmlns:a="http://schemas.openxmlformats.org/drawingml/2006/main" xmlns:r="http://schemas.openxmlformats.org/officeDocument/2006/relationships" xmlns:p="http://schemas.openxmlformats.org/presentationml/2006/main">
+  <p:cSld>
+    <p:spTree>
+      <p:nvGrpSpPr>
+        <p:cNvPr id="1" name=""/>
+        <p:cNvGrpSpPr/>
+        <p:nvPr/>
+      </p:nvGrpSpPr>
+      <p:grpSpPr>
+        <a:xfrm>
+          <a:off x="0" y="0"/>
+          <a:ext cx="0" cy="0"/>
+          <a:chOff x="0" y="0"/>
+          <a:chExt cx="0" cy="0"/>
+        </a:xfrm>
+      </p:grpSpPr>
+      <p:sp>
+        <p:nvSpPr>
+          <p:cNvPr id="2" name="標題 1"/>
+          <p:cNvSpPr>
+            <a:spLocks noGrp="1"/>
+          </p:cNvSpPr>
+          <p:nvPr>
+            <p:ph type="title"/>
+          </p:nvPr>
+        </p:nvSpPr>
+        <p:spPr/>
+        <p:txBody>
+          <a:bodyPr/>
+          <a:lstStyle/>
+          <a:p>
+            <a:r>
+              <a:rPr lang="en-US" altLang="zh-TW" b="1" dirty="0" smtClean="0"/>
+              <a:t>Series</a:t>
+            </a:r>
+            <a:endParaRPr lang="zh-TW" altLang="en-US" dirty="0"/>
+          </a:p>
+        </p:txBody>
+      </p:sp>
+      <p:sp>
+        <p:nvSpPr>
+          <p:cNvPr id="3" name="內容版面配置區 2"/>
+          <p:cNvSpPr>
+            <a:spLocks noGrp="1"/>
+          </p:cNvSpPr>
+          <p:nvPr>
+            <p:ph idx="1"/>
+          </p:nvPr>
+        </p:nvSpPr>
+        <p:spPr/>
+        <p:txBody>
+          <a:bodyPr/>
+          <a:lstStyle/>
+          <a:p>
+            <a:r>
+              <a:rPr lang="en-US" altLang="zh-TW" dirty="0"/>
+              <a:t>series</a:t>
+            </a:r>
+            <a:r>
+              <a:rPr lang="zh-TW" altLang="en-US" dirty="0"/>
+              <a:t>中的</a:t>
+            </a:r>
+            <a:r>
+              <a:rPr lang="en-US" altLang="zh-TW" dirty="0"/>
+              <a:t>index</a:t>
+            </a:r>
+            <a:r>
+              <a:rPr lang="zh-TW" altLang="en-US" dirty="0"/>
+              <a:t>其實就是</a:t>
+            </a:r>
+            <a:r>
+              <a:rPr lang="en-US" altLang="zh-TW" dirty="0" err="1"/>
+              <a:t>dict</a:t>
+            </a:r>
+            <a:r>
+              <a:rPr lang="zh-TW" altLang="en-US" dirty="0"/>
+              <a:t>中排好序的</a:t>
+            </a:r>
+            <a:r>
+              <a:rPr lang="en-US" altLang="zh-TW" dirty="0"/>
+              <a:t>keys</a:t>
+            </a:r>
+            <a:r>
+              <a:rPr lang="zh-TW" altLang="en-US" dirty="0"/>
+              <a:t>。我們也可以傳入一個自己想要的順序：</a:t>
+            </a:r>
+          </a:p>
+        </p:txBody>
+      </p:sp>
+      <p:pic>
+        <p:nvPicPr>
+          <p:cNvPr id="5" name="圖片 4"/>
+          <p:cNvPicPr>
+            <a:picLocks noChangeAspect="1"/>
+          </p:cNvPicPr>
+          <p:nvPr/>
+        </p:nvPicPr>
+        <p:blipFill>
+          <a:blip r:embed="rId2"/>
+          <a:stretch>
+            <a:fillRect/>
+          </a:stretch>
+        </p:blipFill>
+        <p:spPr>
+          <a:xfrm>
+            <a:off x="838200" y="2725153"/>
+            <a:ext cx="9019768" cy="3210426"/>
+          </a:xfrm>
+          <a:prstGeom prst="rect">
+            <a:avLst/>
+          </a:prstGeom>
+        </p:spPr>
+      </p:pic>
+    </p:spTree>
+    <p:extLst>
+      <p:ext uri="{BB962C8B-B14F-4D97-AF65-F5344CB8AC3E}">
+        <p14:creationId xmlns:p14="http://schemas.microsoft.com/office/powerpoint/2010/main" val="1677486915"/>
+      </p:ext>
+    </p:extLst>
+  </p:cSld>
+  <p:clrMapOvr>
+    <a:masterClrMapping/>
+  </p:clrMapOvr>
+</p:sld>
+</file>
+
+<file path=ppt/slides/slide44.xml><?xml version="1.0" encoding="utf-8"?>
+<p:sld xmlns:a="http://schemas.openxmlformats.org/drawingml/2006/main" xmlns:r="http://schemas.openxmlformats.org/officeDocument/2006/relationships" xmlns:p="http://schemas.openxmlformats.org/presentationml/2006/main">
+  <p:cSld>
+    <p:spTree>
+      <p:nvGrpSpPr>
+        <p:cNvPr id="1" name=""/>
+        <p:cNvGrpSpPr/>
+        <p:nvPr/>
+      </p:nvGrpSpPr>
+      <p:grpSpPr>
+        <a:xfrm>
+          <a:off x="0" y="0"/>
+          <a:ext cx="0" cy="0"/>
+          <a:chOff x="0" y="0"/>
+          <a:chExt cx="0" cy="0"/>
+        </a:xfrm>
+      </p:grpSpPr>
+      <p:sp>
+        <p:nvSpPr>
+          <p:cNvPr id="2" name="標題 1"/>
+          <p:cNvSpPr>
+            <a:spLocks noGrp="1"/>
+          </p:cNvSpPr>
+          <p:nvPr>
+            <p:ph type="title"/>
+          </p:nvPr>
+        </p:nvSpPr>
+        <p:spPr/>
+        <p:txBody>
+          <a:bodyPr/>
+          <a:lstStyle/>
+          <a:p>
+            <a:r>
+              <a:rPr lang="en-US" altLang="zh-TW" b="1" dirty="0" smtClean="0"/>
+              <a:t>Series</a:t>
+            </a:r>
+            <a:endParaRPr lang="zh-TW" altLang="en-US" dirty="0"/>
+          </a:p>
+        </p:txBody>
+      </p:sp>
+      <p:sp>
+        <p:nvSpPr>
+          <p:cNvPr id="3" name="內容版面配置區 2"/>
+          <p:cNvSpPr>
+            <a:spLocks noGrp="1"/>
+          </p:cNvSpPr>
+          <p:nvPr>
+            <p:ph idx="1"/>
+          </p:nvPr>
+        </p:nvSpPr>
+        <p:spPr/>
+        <p:txBody>
+          <a:bodyPr/>
+          <a:lstStyle/>
+          <a:p>
+            <a:r>
+              <a:rPr lang="zh-TW" altLang="en-US" dirty="0"/>
+              <a:t>順序是按</a:t>
+            </a:r>
+            <a:r>
+              <a:rPr lang="en-US" altLang="zh-TW" dirty="0"/>
+              <a:t>states</a:t>
+            </a:r>
+            <a:r>
+              <a:rPr lang="zh-TW" altLang="en-US" dirty="0"/>
+              <a:t>裡來的，但因為沒有找到</a:t>
+            </a:r>
+            <a:r>
+              <a:rPr lang="en-US" altLang="zh-TW" dirty="0" err="1"/>
+              <a:t>california</a:t>
+            </a:r>
+            <a:r>
+              <a:rPr lang="en-US" altLang="zh-TW" dirty="0"/>
+              <a:t>,</a:t>
+            </a:r>
+            <a:r>
+              <a:rPr lang="zh-TW" altLang="en-US" dirty="0"/>
+              <a:t>所以是</a:t>
+            </a:r>
+            <a:r>
+              <a:rPr lang="en-US" altLang="zh-TW" dirty="0" err="1"/>
+              <a:t>NaN</a:t>
+            </a:r>
+            <a:r>
+              <a:rPr lang="zh-TW" altLang="en-US" dirty="0"/>
+              <a:t>。 </a:t>
+            </a:r>
+            <a:r>
+              <a:rPr lang="en-US" altLang="zh-TW" dirty="0" err="1"/>
+              <a:t>NaN</a:t>
+            </a:r>
+            <a:r>
+              <a:rPr lang="zh-TW" altLang="en-US" dirty="0"/>
+              <a:t>表示缺失數據，用之後我們提到的話就用</a:t>
+            </a:r>
+            <a:r>
+              <a:rPr lang="en-US" altLang="zh-TW" dirty="0"/>
+              <a:t>missing</a:t>
+            </a:r>
+            <a:r>
+              <a:rPr lang="zh-TW" altLang="en-US" dirty="0"/>
+              <a:t>或</a:t>
+            </a:r>
+            <a:r>
+              <a:rPr lang="en-US" altLang="zh-TW" dirty="0"/>
+              <a:t>NA</a:t>
+            </a:r>
+            <a:r>
+              <a:rPr lang="zh-TW" altLang="en-US" dirty="0"/>
+              <a:t>來指代。 </a:t>
+            </a:r>
+            <a:r>
+              <a:rPr lang="en-US" altLang="zh-TW" dirty="0"/>
+              <a:t>pandas</a:t>
+            </a:r>
+            <a:r>
+              <a:rPr lang="zh-TW" altLang="en-US" dirty="0"/>
+              <a:t>中的</a:t>
+            </a:r>
+            <a:r>
+              <a:rPr lang="en-US" altLang="zh-TW" dirty="0" err="1"/>
+              <a:t>isnull</a:t>
+            </a:r>
+            <a:r>
+              <a:rPr lang="zh-TW" altLang="en-US" dirty="0"/>
+              <a:t>和</a:t>
+            </a:r>
+            <a:r>
+              <a:rPr lang="en-US" altLang="zh-TW" dirty="0" err="1"/>
+              <a:t>notnull</a:t>
+            </a:r>
+            <a:r>
+              <a:rPr lang="zh-TW" altLang="en-US" dirty="0"/>
+              <a:t>函數可以用來檢測缺失數據：</a:t>
+            </a:r>
+          </a:p>
+        </p:txBody>
+      </p:sp>
+      <p:pic>
+        <p:nvPicPr>
+          <p:cNvPr id="4" name="圖片 3"/>
+          <p:cNvPicPr>
+            <a:picLocks noChangeAspect="1"/>
+          </p:cNvPicPr>
+          <p:nvPr/>
+        </p:nvPicPr>
+        <p:blipFill>
+          <a:blip r:embed="rId2"/>
+          <a:stretch>
+            <a:fillRect/>
+          </a:stretch>
+        </p:blipFill>
+        <p:spPr>
+          <a:xfrm>
+            <a:off x="838200" y="3040730"/>
+            <a:ext cx="5546558" cy="3278449"/>
+          </a:xfrm>
+          <a:prstGeom prst="rect">
+            <a:avLst/>
+          </a:prstGeom>
+        </p:spPr>
+      </p:pic>
+    </p:spTree>
+    <p:extLst>
+      <p:ext uri="{BB962C8B-B14F-4D97-AF65-F5344CB8AC3E}">
+        <p14:creationId xmlns:p14="http://schemas.microsoft.com/office/powerpoint/2010/main" val="2598227960"/>
+      </p:ext>
+    </p:extLst>
+  </p:cSld>
+  <p:clrMapOvr>
+    <a:masterClrMapping/>
+  </p:clrMapOvr>
+</p:sld>
+</file>
+
+<file path=ppt/slides/slide45.xml><?xml version="1.0" encoding="utf-8"?>
+<p:sld xmlns:a="http://schemas.openxmlformats.org/drawingml/2006/main" xmlns:r="http://schemas.openxmlformats.org/officeDocument/2006/relationships" xmlns:p="http://schemas.openxmlformats.org/presentationml/2006/main">
+  <p:cSld>
+    <p:spTree>
+      <p:nvGrpSpPr>
+        <p:cNvPr id="1" name=""/>
+        <p:cNvGrpSpPr/>
+        <p:nvPr/>
+      </p:nvGrpSpPr>
+      <p:grpSpPr>
+        <a:xfrm>
+          <a:off x="0" y="0"/>
+          <a:ext cx="0" cy="0"/>
+          <a:chOff x="0" y="0"/>
+          <a:chExt cx="0" cy="0"/>
+        </a:xfrm>
+      </p:grpSpPr>
+      <p:sp>
+        <p:nvSpPr>
+          <p:cNvPr id="2" name="標題 1"/>
+          <p:cNvSpPr>
+            <a:spLocks noGrp="1"/>
+          </p:cNvSpPr>
+          <p:nvPr>
+            <p:ph type="title"/>
+          </p:nvPr>
+        </p:nvSpPr>
+        <p:spPr/>
+        <p:txBody>
+          <a:bodyPr/>
+          <a:lstStyle/>
+          <a:p>
+            <a:r>
+              <a:rPr lang="en-US" altLang="zh-TW" b="1" dirty="0" smtClean="0"/>
+              <a:t>Series</a:t>
+            </a:r>
+            <a:endParaRPr lang="zh-TW" altLang="en-US" dirty="0"/>
+          </a:p>
+        </p:txBody>
+      </p:sp>
+      <p:sp>
+        <p:nvSpPr>
+          <p:cNvPr id="3" name="內容版面配置區 2"/>
+          <p:cNvSpPr>
+            <a:spLocks noGrp="1"/>
+          </p:cNvSpPr>
+          <p:nvPr>
+            <p:ph idx="1"/>
+          </p:nvPr>
+        </p:nvSpPr>
+        <p:spPr/>
+        <p:txBody>
+          <a:bodyPr/>
+          <a:lstStyle/>
+          <a:p>
+            <a:r>
+              <a:rPr lang="zh-TW" altLang="en-US" dirty="0"/>
+              <a:t>順序是按</a:t>
+            </a:r>
+            <a:r>
+              <a:rPr lang="en-US" altLang="zh-TW" dirty="0"/>
+              <a:t>states</a:t>
+            </a:r>
+            <a:r>
+              <a:rPr lang="zh-TW" altLang="en-US" dirty="0"/>
+              <a:t>裡來的，但因為沒有找到</a:t>
+            </a:r>
+            <a:r>
+              <a:rPr lang="en-US" altLang="zh-TW" dirty="0" err="1"/>
+              <a:t>california</a:t>
+            </a:r>
+            <a:r>
+              <a:rPr lang="en-US" altLang="zh-TW" dirty="0"/>
+              <a:t>,</a:t>
+            </a:r>
+            <a:r>
+              <a:rPr lang="zh-TW" altLang="en-US" dirty="0"/>
+              <a:t>所以是</a:t>
+            </a:r>
+            <a:r>
+              <a:rPr lang="en-US" altLang="zh-TW" dirty="0" err="1"/>
+              <a:t>NaN</a:t>
+            </a:r>
+            <a:r>
+              <a:rPr lang="zh-TW" altLang="en-US" dirty="0"/>
+              <a:t>。 </a:t>
+            </a:r>
+            <a:r>
+              <a:rPr lang="en-US" altLang="zh-TW" dirty="0" err="1"/>
+              <a:t>NaN</a:t>
+            </a:r>
+            <a:r>
+              <a:rPr lang="zh-TW" altLang="en-US" dirty="0"/>
+              <a:t>表示缺失數據，用之後我們提到的話就用</a:t>
+            </a:r>
+            <a:r>
+              <a:rPr lang="en-US" altLang="zh-TW" dirty="0"/>
+              <a:t>missing</a:t>
+            </a:r>
+            <a:r>
+              <a:rPr lang="zh-TW" altLang="en-US" dirty="0"/>
+              <a:t>或</a:t>
+            </a:r>
+            <a:r>
+              <a:rPr lang="en-US" altLang="zh-TW" dirty="0"/>
+              <a:t>NA</a:t>
+            </a:r>
+            <a:r>
+              <a:rPr lang="zh-TW" altLang="en-US" dirty="0"/>
+              <a:t>來指代。 </a:t>
+            </a:r>
+            <a:r>
+              <a:rPr lang="en-US" altLang="zh-TW" dirty="0"/>
+              <a:t>pandas</a:t>
+            </a:r>
+            <a:r>
+              <a:rPr lang="zh-TW" altLang="en-US" dirty="0"/>
+              <a:t>中的</a:t>
+            </a:r>
+            <a:r>
+              <a:rPr lang="en-US" altLang="zh-TW" dirty="0" err="1"/>
+              <a:t>isnull</a:t>
+            </a:r>
+            <a:r>
+              <a:rPr lang="zh-TW" altLang="en-US" dirty="0"/>
+              <a:t>和</a:t>
+            </a:r>
+            <a:r>
+              <a:rPr lang="en-US" altLang="zh-TW" dirty="0" err="1"/>
+              <a:t>notnull</a:t>
+            </a:r>
+            <a:r>
+              <a:rPr lang="zh-TW" altLang="en-US" dirty="0"/>
+              <a:t>函數可以用來檢測缺失數據：</a:t>
+            </a:r>
+          </a:p>
+        </p:txBody>
+      </p:sp>
+      <p:pic>
+        <p:nvPicPr>
+          <p:cNvPr id="4" name="圖片 3"/>
+          <p:cNvPicPr>
+            <a:picLocks noChangeAspect="1"/>
+          </p:cNvPicPr>
+          <p:nvPr/>
+        </p:nvPicPr>
+        <p:blipFill>
+          <a:blip r:embed="rId2"/>
+          <a:stretch>
+            <a:fillRect/>
+          </a:stretch>
+        </p:blipFill>
+        <p:spPr>
+          <a:xfrm>
+            <a:off x="838200" y="3040730"/>
+            <a:ext cx="3765884" cy="3278449"/>
+          </a:xfrm>
+          <a:prstGeom prst="rect">
+            <a:avLst/>
+          </a:prstGeom>
+        </p:spPr>
+      </p:pic>
+      <p:pic>
+        <p:nvPicPr>
+          <p:cNvPr id="5" name="圖片 4"/>
+          <p:cNvPicPr>
+            <a:picLocks noChangeAspect="1"/>
+          </p:cNvPicPr>
+          <p:nvPr/>
+        </p:nvPicPr>
+        <p:blipFill>
+          <a:blip r:embed="rId3"/>
+          <a:stretch>
+            <a:fillRect/>
+          </a:stretch>
+        </p:blipFill>
+        <p:spPr>
+          <a:xfrm>
+            <a:off x="3657599" y="3040730"/>
+            <a:ext cx="3980603" cy="3136233"/>
+          </a:xfrm>
+          <a:prstGeom prst="rect">
+            <a:avLst/>
+          </a:prstGeom>
+        </p:spPr>
+      </p:pic>
+      <p:pic>
+        <p:nvPicPr>
+          <p:cNvPr id="6" name="圖片 5"/>
+          <p:cNvPicPr>
+            <a:picLocks noChangeAspect="1"/>
+          </p:cNvPicPr>
+          <p:nvPr/>
+        </p:nvPicPr>
+        <p:blipFill>
+          <a:blip r:embed="rId4"/>
+          <a:stretch>
+            <a:fillRect/>
+          </a:stretch>
+        </p:blipFill>
+        <p:spPr>
+          <a:xfrm>
+            <a:off x="7638202" y="3040729"/>
+            <a:ext cx="4468058" cy="3136233"/>
+          </a:xfrm>
+          <a:prstGeom prst="rect">
+            <a:avLst/>
+          </a:prstGeom>
+        </p:spPr>
+      </p:pic>
+    </p:spTree>
+    <p:extLst>
+      <p:ext uri="{BB962C8B-B14F-4D97-AF65-F5344CB8AC3E}">
+        <p14:creationId xmlns:p14="http://schemas.microsoft.com/office/powerpoint/2010/main" val="266850388"/>
+      </p:ext>
+    </p:extLst>
+  </p:cSld>
+  <p:clrMapOvr>
+    <a:masterClrMapping/>
+  </p:clrMapOvr>
+</p:sld>
+</file>
+
+<file path=ppt/slides/slide46.xml><?xml version="1.0" encoding="utf-8"?>
+<p:sld xmlns:a="http://schemas.openxmlformats.org/drawingml/2006/main" xmlns:r="http://schemas.openxmlformats.org/officeDocument/2006/relationships" xmlns:p="http://schemas.openxmlformats.org/presentationml/2006/main">
+  <p:cSld>
+    <p:spTree>
+      <p:nvGrpSpPr>
+        <p:cNvPr id="1" name=""/>
+        <p:cNvGrpSpPr/>
+        <p:nvPr/>
+      </p:nvGrpSpPr>
+      <p:grpSpPr>
+        <a:xfrm>
+          <a:off x="0" y="0"/>
+          <a:ext cx="0" cy="0"/>
+          <a:chOff x="0" y="0"/>
+          <a:chExt cx="0" cy="0"/>
+        </a:xfrm>
+      </p:grpSpPr>
+      <p:sp>
+        <p:nvSpPr>
+          <p:cNvPr id="2" name="標題 1"/>
+          <p:cNvSpPr>
+            <a:spLocks noGrp="1"/>
+          </p:cNvSpPr>
+          <p:nvPr>
+            <p:ph type="title"/>
+          </p:nvPr>
+        </p:nvSpPr>
+        <p:spPr/>
+        <p:txBody>
+          <a:bodyPr/>
+          <a:lstStyle/>
+          <a:p>
+            <a:r>
+              <a:rPr lang="en-US" altLang="zh-TW" b="1" dirty="0" smtClean="0"/>
+              <a:t>Series</a:t>
+            </a:r>
+            <a:endParaRPr lang="zh-TW" altLang="en-US" dirty="0"/>
+          </a:p>
+        </p:txBody>
+      </p:sp>
+      <p:sp>
+        <p:nvSpPr>
+          <p:cNvPr id="3" name="內容版面配置區 2"/>
+          <p:cNvSpPr>
+            <a:spLocks noGrp="1"/>
+          </p:cNvSpPr>
+          <p:nvPr>
+            <p:ph idx="1"/>
+          </p:nvPr>
+        </p:nvSpPr>
+        <p:spPr/>
+        <p:txBody>
+          <a:bodyPr/>
+          <a:lstStyle/>
+          <a:p>
+            <a:r>
+              <a:rPr lang="zh-TW" altLang="en-US" dirty="0"/>
+              <a:t>關於缺失</a:t>
+            </a:r>
+            <a:r>
+              <a:rPr lang="zh-TW" altLang="en-US" dirty="0" smtClean="0"/>
+              <a:t>數據</a:t>
+            </a:r>
+            <a:endParaRPr lang="zh-TW" altLang="en-US" dirty="0"/>
+          </a:p>
+        </p:txBody>
+      </p:sp>
+      <p:pic>
+        <p:nvPicPr>
+          <p:cNvPr id="7" name="圖片 6"/>
+          <p:cNvPicPr>
+            <a:picLocks noChangeAspect="1"/>
+          </p:cNvPicPr>
+          <p:nvPr/>
+        </p:nvPicPr>
+        <p:blipFill>
+          <a:blip r:embed="rId2"/>
+          <a:stretch>
+            <a:fillRect/>
+          </a:stretch>
+        </p:blipFill>
+        <p:spPr>
+          <a:xfrm>
+            <a:off x="838200" y="2296277"/>
+            <a:ext cx="2530642" cy="2309946"/>
+          </a:xfrm>
+          <a:prstGeom prst="rect">
+            <a:avLst/>
+          </a:prstGeom>
+        </p:spPr>
+      </p:pic>
+      <p:pic>
+        <p:nvPicPr>
+          <p:cNvPr id="8" name="圖片 7"/>
+          <p:cNvPicPr>
+            <a:picLocks noChangeAspect="1"/>
+          </p:cNvPicPr>
+          <p:nvPr/>
+        </p:nvPicPr>
+        <p:blipFill>
+          <a:blip r:embed="rId3"/>
+          <a:stretch>
+            <a:fillRect/>
+          </a:stretch>
+        </p:blipFill>
+        <p:spPr>
+          <a:xfrm>
+            <a:off x="3368842" y="2296277"/>
+            <a:ext cx="3055090" cy="2309946"/>
+          </a:xfrm>
+          <a:prstGeom prst="rect">
+            <a:avLst/>
+          </a:prstGeom>
+        </p:spPr>
+      </p:pic>
+      <p:pic>
+        <p:nvPicPr>
+          <p:cNvPr id="9" name="圖片 8"/>
+          <p:cNvPicPr>
+            <a:picLocks noChangeAspect="1"/>
+          </p:cNvPicPr>
+          <p:nvPr/>
+        </p:nvPicPr>
+        <p:blipFill>
+          <a:blip r:embed="rId4"/>
+          <a:stretch>
+            <a:fillRect/>
+          </a:stretch>
+        </p:blipFill>
+        <p:spPr>
+          <a:xfrm>
+            <a:off x="6423931" y="2305843"/>
+            <a:ext cx="2636389" cy="2300379"/>
+          </a:xfrm>
+          <a:prstGeom prst="rect">
+            <a:avLst/>
+          </a:prstGeom>
+        </p:spPr>
+      </p:pic>
+    </p:spTree>
+    <p:extLst>
+      <p:ext uri="{BB962C8B-B14F-4D97-AF65-F5344CB8AC3E}">
+        <p14:creationId xmlns:p14="http://schemas.microsoft.com/office/powerpoint/2010/main" val="2346625316"/>
+      </p:ext>
+    </p:extLst>
+  </p:cSld>
+  <p:clrMapOvr>
+    <a:masterClrMapping/>
+  </p:clrMapOvr>
+</p:sld>
+</file>
+
+<file path=ppt/slides/slide47.xml><?xml version="1.0" encoding="utf-8"?>
+<p:sld xmlns:a="http://schemas.openxmlformats.org/drawingml/2006/main" xmlns:r="http://schemas.openxmlformats.org/officeDocument/2006/relationships" xmlns:p="http://schemas.openxmlformats.org/presentationml/2006/main">
+  <p:cSld>
+    <p:spTree>
+      <p:nvGrpSpPr>
+        <p:cNvPr id="1" name=""/>
+        <p:cNvGrpSpPr/>
+        <p:nvPr/>
+      </p:nvGrpSpPr>
+      <p:grpSpPr>
+        <a:xfrm>
+          <a:off x="0" y="0"/>
+          <a:ext cx="0" cy="0"/>
+          <a:chOff x="0" y="0"/>
+          <a:chExt cx="0" cy="0"/>
+        </a:xfrm>
+      </p:grpSpPr>
+      <p:sp>
+        <p:nvSpPr>
+          <p:cNvPr id="2" name="標題 1"/>
+          <p:cNvSpPr>
+            <a:spLocks noGrp="1"/>
+          </p:cNvSpPr>
+          <p:nvPr>
+            <p:ph type="title"/>
+          </p:nvPr>
+        </p:nvSpPr>
+        <p:spPr/>
+        <p:txBody>
+          <a:bodyPr/>
+          <a:lstStyle/>
+          <a:p>
+            <a:r>
+              <a:rPr lang="en-US" altLang="zh-TW" b="1" dirty="0" smtClean="0"/>
+              <a:t>Series</a:t>
+            </a:r>
+            <a:endParaRPr lang="zh-TW" altLang="en-US" dirty="0"/>
+          </a:p>
+        </p:txBody>
+      </p:sp>
+      <p:sp>
+        <p:nvSpPr>
+          <p:cNvPr id="3" name="內容版面配置區 2"/>
+          <p:cNvSpPr>
+            <a:spLocks noGrp="1"/>
+          </p:cNvSpPr>
+          <p:nvPr>
+            <p:ph idx="1"/>
+          </p:nvPr>
+        </p:nvSpPr>
+        <p:spPr/>
+        <p:txBody>
+          <a:bodyPr/>
+          <a:lstStyle/>
+          <a:p>
+            <a:r>
+              <a:rPr lang="zh-TW" altLang="en-US" dirty="0"/>
+              <a:t>這個</a:t>
+            </a:r>
+            <a:r>
+              <a:rPr lang="en-US" altLang="zh-TW" dirty="0"/>
+              <a:t>Data alignment features</a:t>
+            </a:r>
+            <a:r>
+              <a:rPr lang="zh-TW" altLang="en-US" dirty="0"/>
+              <a:t>（數據對齊特色）和數據庫中的</a:t>
+            </a:r>
+            <a:r>
+              <a:rPr lang="en-US" altLang="zh-TW" dirty="0"/>
+              <a:t>join</a:t>
+            </a:r>
+            <a:r>
+              <a:rPr lang="zh-TW" altLang="en-US" dirty="0"/>
+              <a:t>相似</a:t>
+            </a:r>
+            <a:r>
+              <a:rPr lang="zh-TW" altLang="en-US" dirty="0" smtClean="0"/>
+              <a:t>。</a:t>
+            </a:r>
+            <a:endParaRPr lang="en-US" altLang="zh-TW" dirty="0" smtClean="0"/>
+          </a:p>
+          <a:p>
+            <a:r>
+              <a:rPr lang="en-US" altLang="zh-TW" dirty="0" smtClean="0"/>
+              <a:t>series</a:t>
+            </a:r>
+            <a:r>
+              <a:rPr lang="zh-TW" altLang="en-US" dirty="0" smtClean="0"/>
+              <a:t>自身</a:t>
+            </a:r>
+            <a:r>
+              <a:rPr lang="zh-TW" altLang="en-US" dirty="0"/>
+              <a:t>和它的</a:t>
+            </a:r>
+            <a:r>
+              <a:rPr lang="en-US" altLang="zh-TW" dirty="0"/>
+              <a:t>index</a:t>
+            </a:r>
+            <a:r>
+              <a:rPr lang="zh-TW" altLang="en-US" dirty="0"/>
+              <a:t>都有一個叫</a:t>
+            </a:r>
+            <a:r>
+              <a:rPr lang="en-US" altLang="zh-TW" dirty="0"/>
+              <a:t>name</a:t>
+            </a:r>
+            <a:r>
+              <a:rPr lang="zh-TW" altLang="en-US" dirty="0"/>
+              <a:t>的屬性，這個能和其他</a:t>
+            </a:r>
+            <a:r>
+              <a:rPr lang="en-US" altLang="zh-TW" dirty="0"/>
+              <a:t>pandas</a:t>
+            </a:r>
+            <a:r>
+              <a:rPr lang="zh-TW" altLang="en-US" dirty="0"/>
+              <a:t>的函數進行整合：</a:t>
+            </a:r>
+          </a:p>
+        </p:txBody>
+      </p:sp>
+    </p:spTree>
+    <p:extLst>
+      <p:ext uri="{BB962C8B-B14F-4D97-AF65-F5344CB8AC3E}">
+        <p14:creationId xmlns:p14="http://schemas.microsoft.com/office/powerpoint/2010/main" val="4030162185"/>
+      </p:ext>
+    </p:extLst>
+  </p:cSld>
+  <p:clrMapOvr>
+    <a:masterClrMapping/>
+  </p:clrMapOvr>
+</p:sld>
+</file>
+
+<file path=ppt/slides/slide48.xml><?xml version="1.0" encoding="utf-8"?>
+<p:sld xmlns:a="http://schemas.openxmlformats.org/drawingml/2006/main" xmlns:r="http://schemas.openxmlformats.org/officeDocument/2006/relationships" xmlns:p="http://schemas.openxmlformats.org/presentationml/2006/main" show="0">
+  <p:cSld>
+    <p:bg>
+      <p:bgPr>
+        <a:solidFill>
+          <a:schemeClr val="tx1"/>
+        </a:solidFill>
+        <a:effectLst/>
+      </p:bgPr>
+    </p:bg>
+    <p:spTree>
+      <p:nvGrpSpPr>
+        <p:cNvPr id="1" name=""/>
+        <p:cNvGrpSpPr/>
+        <p:nvPr/>
+      </p:nvGrpSpPr>
+      <p:grpSpPr>
+        <a:xfrm>
+          <a:off x="0" y="0"/>
+          <a:ext cx="0" cy="0"/>
+          <a:chOff x="0" y="0"/>
+          <a:chExt cx="0" cy="0"/>
+        </a:xfrm>
+      </p:grpSpPr>
+      <p:sp>
+        <p:nvSpPr>
+          <p:cNvPr id="2" name="文字方塊 1"/>
+          <p:cNvSpPr txBox="1"/>
+          <p:nvPr/>
+        </p:nvSpPr>
+        <p:spPr>
+          <a:xfrm>
+            <a:off x="0" y="1812757"/>
+            <a:ext cx="12192000" cy="3170099"/>
+          </a:xfrm>
+          <a:prstGeom prst="rect">
+            <a:avLst/>
+          </a:prstGeom>
+          <a:noFill/>
+        </p:spPr>
+        <p:txBody>
+          <a:bodyPr wrap="square" rtlCol="0">
+            <a:spAutoFit/>
+          </a:bodyPr>
+          <a:lstStyle/>
+          <a:p>
+            <a:pPr algn="dist"/>
+            <a:r>
+              <a:rPr lang="zh-TW" altLang="en-US" sz="10000" b="1" dirty="0" smtClean="0">
+                <a:solidFill>
+                  <a:schemeClr val="bg1"/>
+                </a:solidFill>
+                <a:latin typeface="微軟正黑體" panose="020B0604030504040204" pitchFamily="34" charset="-120"/>
+                <a:ea typeface="微軟正黑體" panose="020B0604030504040204" pitchFamily="34" charset="-120"/>
+              </a:rPr>
+              <a:t>尚未開放</a:t>
+            </a:r>
+            <a:endParaRPr lang="en-US" altLang="zh-TW" sz="10000" b="1" dirty="0" smtClean="0">
+              <a:solidFill>
+                <a:schemeClr val="bg1"/>
+              </a:solidFill>
+              <a:latin typeface="微軟正黑體" panose="020B0604030504040204" pitchFamily="34" charset="-120"/>
+              <a:ea typeface="微軟正黑體" panose="020B0604030504040204" pitchFamily="34" charset="-120"/>
+            </a:endParaRPr>
+          </a:p>
+          <a:p>
+            <a:pPr algn="dist"/>
+            <a:r>
+              <a:rPr lang="en-US" altLang="zh-TW" sz="10000" b="1" dirty="0">
+                <a:solidFill>
+                  <a:schemeClr val="bg1"/>
+                </a:solidFill>
+                <a:latin typeface="Bauhaus 93" panose="04030905020B02020C02" pitchFamily="82" charset="0"/>
+                <a:ea typeface="標楷體" panose="03000509000000000000" pitchFamily="65" charset="-120"/>
+              </a:rPr>
+              <a:t>not yet open</a:t>
+            </a:r>
+            <a:endParaRPr lang="zh-TW" altLang="en-US" sz="10000" b="1" dirty="0">
+              <a:solidFill>
+                <a:schemeClr val="bg1"/>
+              </a:solidFill>
+              <a:latin typeface="Bauhaus 93" panose="04030905020B02020C02" pitchFamily="82" charset="0"/>
+              <a:ea typeface="標楷體" panose="03000509000000000000" pitchFamily="65" charset="-120"/>
+            </a:endParaRPr>
+          </a:p>
+        </p:txBody>
+      </p:sp>
+    </p:spTree>
+    <p:extLst>
+      <p:ext uri="{BB962C8B-B14F-4D97-AF65-F5344CB8AC3E}">
+        <p14:creationId xmlns:p14="http://schemas.microsoft.com/office/powerpoint/2010/main" val="509633762"/>
+      </p:ext>
+    </p:extLst>
+  </p:cSld>
+  <p:clrMapOvr>
+    <a:masterClrMapping/>
+  </p:clrMapOvr>
+  <mc:AlternateContent xmlns:mc="http://schemas.openxmlformats.org/markup-compatibility/2006">
+    <mc:Choice xmlns:p14="http://schemas.microsoft.com/office/powerpoint/2010/main" Requires="p14">
+      <p:transition spd="slow" p14:dur="2000"/>
+    </mc:Choice>
+    <mc:Fallback>
+      <p:transition spd="slow"/>
+    </mc:Fallback>
+  </mc:AlternateContent>
 </p:sld>
 </file>
 
